--- a/trunk/lectures/9. ASP.NET – Part II.pptx
+++ b/trunk/lectures/9. ASP.NET – Part II.pptx
@@ -47,21 +47,21 @@
     <p:sldId id="366" r:id="rId35"/>
     <p:sldId id="367" r:id="rId36"/>
     <p:sldId id="369" r:id="rId37"/>
-    <p:sldId id="362" r:id="rId38"/>
-    <p:sldId id="368" r:id="rId39"/>
-    <p:sldId id="351" r:id="rId40"/>
-    <p:sldId id="352" r:id="rId41"/>
-    <p:sldId id="376" r:id="rId42"/>
-    <p:sldId id="353" r:id="rId43"/>
-    <p:sldId id="354" r:id="rId44"/>
-    <p:sldId id="370" r:id="rId45"/>
-    <p:sldId id="371" r:id="rId46"/>
-    <p:sldId id="372" r:id="rId47"/>
-    <p:sldId id="373" r:id="rId48"/>
-    <p:sldId id="374" r:id="rId49"/>
-    <p:sldId id="355" r:id="rId50"/>
-    <p:sldId id="377" r:id="rId51"/>
-    <p:sldId id="356" r:id="rId52"/>
+    <p:sldId id="351" r:id="rId38"/>
+    <p:sldId id="352" r:id="rId39"/>
+    <p:sldId id="376" r:id="rId40"/>
+    <p:sldId id="353" r:id="rId41"/>
+    <p:sldId id="354" r:id="rId42"/>
+    <p:sldId id="370" r:id="rId43"/>
+    <p:sldId id="371" r:id="rId44"/>
+    <p:sldId id="372" r:id="rId45"/>
+    <p:sldId id="373" r:id="rId46"/>
+    <p:sldId id="374" r:id="rId47"/>
+    <p:sldId id="355" r:id="rId48"/>
+    <p:sldId id="377" r:id="rId49"/>
+    <p:sldId id="356" r:id="rId50"/>
+    <p:sldId id="379" r:id="rId51"/>
+    <p:sldId id="380" r:id="rId52"/>
     <p:sldId id="378" r:id="rId53"/>
     <p:sldId id="325" r:id="rId54"/>
     <p:sldId id="357" r:id="rId55"/>
@@ -311,7 +311,7 @@
             <a:fld id="{3BF7C7B5-275F-4D1F-9AB4-9255447DBC73}" type="datetimeFigureOut">
               <a:rPr lang="en-US"/>
               <a:pPr/>
-              <a:t>4/17/2010</a:t>
+              <a:t>4/18/2010</a:t>
             </a:fld>
             <a:endParaRPr lang="en-US" dirty="0"/>
           </a:p>
@@ -542,7 +542,7 @@
             <a:fld id="{9B46F231-FB2B-4655-A644-E2477325E686}" type="datetimeFigureOut">
               <a:rPr lang="en-US"/>
               <a:pPr/>
-              <a:t>4/17/2010</a:t>
+              <a:t>4/18/2010</a:t>
             </a:fld>
             <a:endParaRPr lang="en-US" dirty="0"/>
           </a:p>
@@ -1019,277 +1019,7 @@
                 <a:spcPct val="0"/>
               </a:spcBef>
             </a:pPr>
-            <a:r>
-              <a:rPr lang="bg-BG" b="1" dirty="0">
-                <a:effectLst>
-                  <a:outerShdw blurRad="38100" dist="38100" dir="2700000" algn="tl">
-                    <a:srgbClr xmlns:mc="http://schemas.openxmlformats.org/markup-compatibility/2006" xmlns:a14="http://schemas.microsoft.com/office/drawing/2010/main" val="C0C0C0" mc:Ignorable=""/>
-                  </a:outerShdw>
-                </a:effectLst>
-              </a:rPr>
-              <a:t>Бележки на автора:</a:t>
-            </a:r>
-          </a:p>
-          <a:p>
-            <a:pPr>
-              <a:lnSpc>
-                <a:spcPct val="90000"/>
-              </a:lnSpc>
-              <a:spcBef>
-                <a:spcPct val="0"/>
-              </a:spcBef>
-            </a:pPr>
-            <a:r>
-              <a:rPr lang="en-US" b="1" noProof="1">
-                <a:effectLst>
-                  <a:outerShdw blurRad="38100" dist="38100" dir="2700000" algn="tl">
-                    <a:srgbClr xmlns:mc="http://schemas.openxmlformats.org/markup-compatibility/2006" xmlns:a14="http://schemas.microsoft.com/office/drawing/2010/main" val="C0C0C0" mc:Ignorable=""/>
-                  </a:outerShdw>
-                </a:effectLst>
-              </a:rPr>
-              <a:t>http://www.c-sharpcorner.com/Code/2003/June/DataGridHyperLinkColumn.asp</a:t>
-            </a:r>
-          </a:p>
-          <a:p>
-            <a:pPr>
-              <a:lnSpc>
-                <a:spcPct val="90000"/>
-              </a:lnSpc>
-              <a:spcBef>
-                <a:spcPct val="0"/>
-              </a:spcBef>
-            </a:pPr>
-            <a:endParaRPr lang="bg-BG" b="1" dirty="0">
-              <a:effectLst>
-                <a:outerShdw blurRad="38100" dist="38100" dir="2700000" algn="tl">
-                  <a:srgbClr xmlns:mc="http://schemas.openxmlformats.org/markup-compatibility/2006" xmlns:a14="http://schemas.microsoft.com/office/drawing/2010/main" val="C0C0C0" mc:Ignorable=""/>
-                </a:outerShdw>
-              </a:effectLst>
-            </a:endParaRPr>
-          </a:p>
-          <a:p>
-            <a:pPr>
-              <a:lnSpc>
-                <a:spcPct val="90000"/>
-              </a:lnSpc>
-              <a:spcBef>
-                <a:spcPct val="0"/>
-              </a:spcBef>
-            </a:pPr>
-            <a:r>
-              <a:rPr lang="en-US" b="1" noProof="1">
-                <a:effectLst>
-                  <a:outerShdw blurRad="38100" dist="38100" dir="2700000" algn="tl">
-                    <a:srgbClr xmlns:mc="http://schemas.openxmlformats.org/markup-compatibility/2006" xmlns:a14="http://schemas.microsoft.com/office/drawing/2010/main" val="C0C0C0" mc:Ignorable=""/>
-                  </a:outerShdw>
-                </a:effectLst>
-              </a:rPr>
-              <a:t>&lt;asp:DataGrid id="DataGrid1" AutoGenerateColumns="False" runat="server"&gt;</a:t>
-            </a:r>
-          </a:p>
-          <a:p>
-            <a:pPr>
-              <a:lnSpc>
-                <a:spcPct val="90000"/>
-              </a:lnSpc>
-              <a:spcBef>
-                <a:spcPct val="0"/>
-              </a:spcBef>
-            </a:pPr>
-            <a:r>
-              <a:rPr lang="en-US" b="1" noProof="1">
-                <a:effectLst>
-                  <a:outerShdw blurRad="38100" dist="38100" dir="2700000" algn="tl">
-                    <a:srgbClr xmlns:mc="http://schemas.openxmlformats.org/markup-compatibility/2006" xmlns:a14="http://schemas.microsoft.com/office/drawing/2010/main" val="C0C0C0" mc:Ignorable=""/>
-                  </a:outerShdw>
-                </a:effectLst>
-              </a:rPr>
-              <a:t>&lt;Columns&gt;</a:t>
-            </a:r>
-          </a:p>
-          <a:p>
-            <a:pPr>
-              <a:lnSpc>
-                <a:spcPct val="90000"/>
-              </a:lnSpc>
-              <a:spcBef>
-                <a:spcPct val="0"/>
-              </a:spcBef>
-            </a:pPr>
-            <a:r>
-              <a:rPr lang="en-US" b="1" noProof="1">
-                <a:effectLst>
-                  <a:outerShdw blurRad="38100" dist="38100" dir="2700000" algn="tl">
-                    <a:srgbClr xmlns:mc="http://schemas.openxmlformats.org/markup-compatibility/2006" xmlns:a14="http://schemas.microsoft.com/office/drawing/2010/main" val="C0C0C0" mc:Ignorable=""/>
-                  </a:outerShdw>
-                </a:effectLst>
-              </a:rPr>
-              <a:t>	&lt;asp:TemplateColumn HeaderText="Link"&gt;</a:t>
-            </a:r>
-          </a:p>
-          <a:p>
-            <a:pPr lvl="3">
-              <a:lnSpc>
-                <a:spcPct val="90000"/>
-              </a:lnSpc>
-              <a:spcBef>
-                <a:spcPct val="0"/>
-              </a:spcBef>
-            </a:pPr>
-            <a:r>
-              <a:rPr lang="en-US" b="1" noProof="1">
-                <a:effectLst>
-                  <a:outerShdw blurRad="38100" dist="38100" dir="2700000" algn="tl">
-                    <a:srgbClr xmlns:mc="http://schemas.openxmlformats.org/markup-compatibility/2006" xmlns:a14="http://schemas.microsoft.com/office/drawing/2010/main" val="C0C0C0" mc:Ignorable=""/>
-                  </a:outerShdw>
-                </a:effectLst>
-              </a:rPr>
-              <a:t>	&lt;ItemTemplate&gt;</a:t>
-            </a:r>
-          </a:p>
-          <a:p>
-            <a:pPr lvl="3">
-              <a:lnSpc>
-                <a:spcPct val="90000"/>
-              </a:lnSpc>
-              <a:spcBef>
-                <a:spcPct val="0"/>
-              </a:spcBef>
-            </a:pPr>
-            <a:r>
-              <a:rPr lang="en-US" b="1" noProof="1">
-                <a:effectLst>
-                  <a:outerShdw blurRad="38100" dist="38100" dir="2700000" algn="tl">
-                    <a:srgbClr xmlns:mc="http://schemas.openxmlformats.org/markup-compatibility/2006" xmlns:a14="http://schemas.microsoft.com/office/drawing/2010/main" val="C0C0C0" mc:Ignorable=""/>
-                  </a:outerShdw>
-                </a:effectLst>
-              </a:rPr>
-              <a:t>	&lt;asp:HyperLink Runat =server</a:t>
-            </a:r>
-          </a:p>
-          <a:p>
-            <a:pPr lvl="3">
-              <a:lnSpc>
-                <a:spcPct val="90000"/>
-              </a:lnSpc>
-              <a:spcBef>
-                <a:spcPct val="0"/>
-              </a:spcBef>
-            </a:pPr>
-            <a:r>
-              <a:rPr lang="en-US" b="1" noProof="1">
-                <a:effectLst>
-                  <a:outerShdw blurRad="38100" dist="38100" dir="2700000" algn="tl">
-                    <a:srgbClr xmlns:mc="http://schemas.openxmlformats.org/markup-compatibility/2006" xmlns:a14="http://schemas.microsoft.com/office/drawing/2010/main" val="C0C0C0" mc:Ignorable=""/>
-                  </a:outerShdw>
-                </a:effectLst>
-              </a:rPr>
-              <a:t>	NavigateUrl ='&lt;%#GetURL(DataBinder.Eval(Container.DataItem, "Link"))%&gt;' &gt;</a:t>
-            </a:r>
-          </a:p>
-          <a:p>
-            <a:pPr lvl="3">
-              <a:lnSpc>
-                <a:spcPct val="90000"/>
-              </a:lnSpc>
-              <a:spcBef>
-                <a:spcPct val="0"/>
-              </a:spcBef>
-            </a:pPr>
-            <a:r>
-              <a:rPr lang="en-US" b="1" noProof="1">
-                <a:effectLst>
-                  <a:outerShdw blurRad="38100" dist="38100" dir="2700000" algn="tl">
-                    <a:srgbClr xmlns:mc="http://schemas.openxmlformats.org/markup-compatibility/2006" xmlns:a14="http://schemas.microsoft.com/office/drawing/2010/main" val="C0C0C0" mc:Ignorable=""/>
-                  </a:outerShdw>
-                </a:effectLst>
-              </a:rPr>
-              <a:t>	&lt;%#DataBinder.Eval(Container.DataItem, "Link")%&gt;</a:t>
-            </a:r>
-          </a:p>
-          <a:p>
-            <a:pPr lvl="3">
-              <a:lnSpc>
-                <a:spcPct val="90000"/>
-              </a:lnSpc>
-              <a:spcBef>
-                <a:spcPct val="0"/>
-              </a:spcBef>
-            </a:pPr>
-            <a:r>
-              <a:rPr lang="en-US" b="1" noProof="1">
-                <a:effectLst>
-                  <a:outerShdw blurRad="38100" dist="38100" dir="2700000" algn="tl">
-                    <a:srgbClr xmlns:mc="http://schemas.openxmlformats.org/markup-compatibility/2006" xmlns:a14="http://schemas.microsoft.com/office/drawing/2010/main" val="C0C0C0" mc:Ignorable=""/>
-                  </a:outerShdw>
-                </a:effectLst>
-              </a:rPr>
-              <a:t>	&lt;/asp:HyperLink&gt;</a:t>
-            </a:r>
-          </a:p>
-          <a:p>
-            <a:pPr lvl="3">
-              <a:lnSpc>
-                <a:spcPct val="90000"/>
-              </a:lnSpc>
-              <a:spcBef>
-                <a:spcPct val="0"/>
-              </a:spcBef>
-            </a:pPr>
-            <a:r>
-              <a:rPr lang="en-US" b="1" noProof="1">
-                <a:effectLst>
-                  <a:outerShdw blurRad="38100" dist="38100" dir="2700000" algn="tl">
-                    <a:srgbClr xmlns:mc="http://schemas.openxmlformats.org/markup-compatibility/2006" xmlns:a14="http://schemas.microsoft.com/office/drawing/2010/main" val="C0C0C0" mc:Ignorable=""/>
-                  </a:outerShdw>
-                </a:effectLst>
-              </a:rPr>
-              <a:t>	&lt;/ItemTemplate&gt;</a:t>
-            </a:r>
-          </a:p>
-          <a:p>
-            <a:pPr>
-              <a:lnSpc>
-                <a:spcPct val="90000"/>
-              </a:lnSpc>
-              <a:spcBef>
-                <a:spcPct val="0"/>
-              </a:spcBef>
-            </a:pPr>
-            <a:r>
-              <a:rPr lang="en-US" b="1" noProof="1">
-                <a:effectLst>
-                  <a:outerShdw blurRad="38100" dist="38100" dir="2700000" algn="tl">
-                    <a:srgbClr xmlns:mc="http://schemas.openxmlformats.org/markup-compatibility/2006" xmlns:a14="http://schemas.microsoft.com/office/drawing/2010/main" val="C0C0C0" mc:Ignorable=""/>
-                  </a:outerShdw>
-                </a:effectLst>
-              </a:rPr>
-              <a:t>	&lt;/asp:TemplateColumn&gt;</a:t>
-            </a:r>
-          </a:p>
-          <a:p>
-            <a:pPr>
-              <a:lnSpc>
-                <a:spcPct val="90000"/>
-              </a:lnSpc>
-              <a:spcBef>
-                <a:spcPct val="0"/>
-              </a:spcBef>
-            </a:pPr>
-            <a:r>
-              <a:rPr lang="en-US" b="1" noProof="1">
-                <a:effectLst>
-                  <a:outerShdw blurRad="38100" dist="38100" dir="2700000" algn="tl">
-                    <a:srgbClr xmlns:mc="http://schemas.openxmlformats.org/markup-compatibility/2006" xmlns:a14="http://schemas.microsoft.com/office/drawing/2010/main" val="C0C0C0" mc:Ignorable=""/>
-                  </a:outerShdw>
-                </a:effectLst>
-              </a:rPr>
-              <a:t>&lt;/asp:DataGrid&gt;</a:t>
-            </a:r>
-            <a:r>
-              <a:rPr lang="en-US" noProof="1"/>
-              <a:t> </a:t>
-            </a:r>
+            <a:endParaRPr lang="en-US" noProof="1"/>
           </a:p>
         </p:txBody>
       </p:sp>
@@ -1874,7 +1604,7 @@
             <a:fld id="{1E3CB635-1D13-4E6B-8148-BBF0279DBB3D}" type="slidenum">
               <a:rPr lang="en-US"/>
               <a:pPr/>
-              <a:t>44</a:t>
+              <a:t>42</a:t>
             </a:fld>
             <a:r>
               <a:rPr lang="en-US"/>
@@ -1913,52 +1643,7 @@
           <a:bodyPr/>
           <a:lstStyle/>
           <a:p>
-            <a:r>
-              <a:rPr lang="bg-BG"/>
-              <a:t>ObjectDataSource..::.TypeName Property </a:t>
-            </a:r>
-          </a:p>
-          <a:p>
-            <a:r>
-              <a:rPr lang="bg-BG"/>
-              <a:t>Gets or sets the name of the class that the </a:t>
-            </a:r>
-            <a:r>
-              <a:rPr lang="bg-BG">
-                <a:hlinkClick r:id="rId3"/>
-              </a:rPr>
-              <a:t>ObjectDataSource</a:t>
-            </a:r>
-            <a:r>
-              <a:rPr lang="bg-BG"/>
-              <a:t> object represents.</a:t>
-            </a:r>
-            <a:endParaRPr lang="en-US"/>
-          </a:p>
-          <a:p>
-            <a:endParaRPr lang="en-US"/>
-          </a:p>
-          <a:p>
-            <a:r>
-              <a:rPr lang="bg-BG"/>
-              <a:t>ObjectDataSource..::.DataObjectTypeName Property </a:t>
-            </a:r>
-          </a:p>
-          <a:p>
-            <a:r>
-              <a:rPr lang="bg-BG"/>
-              <a:t>Gets or sets the name of a class that the </a:t>
-            </a:r>
-            <a:r>
-              <a:rPr lang="bg-BG">
-                <a:hlinkClick r:id="rId3"/>
-              </a:rPr>
-              <a:t>ObjectDataSource</a:t>
-            </a:r>
-            <a:r>
-              <a:rPr lang="bg-BG"/>
-              <a:t> control uses for a parameter in an update, insert, or delete data operation, instead of passing individual values from the data-bound control.</a:t>
-            </a:r>
+            <a:endParaRPr lang="bg-BG" dirty="0"/>
           </a:p>
         </p:txBody>
       </p:sp>
@@ -2057,7 +1742,7 @@
             <a:fld id="{9EEBA7CF-9CE1-4D79-B0CF-0F0E16451E07}" type="slidenum">
               <a:rPr lang="en-US"/>
               <a:pPr/>
-              <a:t>45</a:t>
+              <a:t>43</a:t>
             </a:fld>
             <a:r>
               <a:rPr lang="en-US"/>
@@ -2096,52 +1781,7 @@
           <a:bodyPr/>
           <a:lstStyle/>
           <a:p>
-            <a:r>
-              <a:rPr lang="bg-BG"/>
-              <a:t>ObjectDataSource..::.TypeName Property </a:t>
-            </a:r>
-          </a:p>
-          <a:p>
-            <a:r>
-              <a:rPr lang="bg-BG"/>
-              <a:t>Gets or sets the name of the class that the </a:t>
-            </a:r>
-            <a:r>
-              <a:rPr lang="bg-BG">
-                <a:hlinkClick r:id="rId3"/>
-              </a:rPr>
-              <a:t>ObjectDataSource</a:t>
-            </a:r>
-            <a:r>
-              <a:rPr lang="bg-BG"/>
-              <a:t> object represents.</a:t>
-            </a:r>
-            <a:endParaRPr lang="en-US"/>
-          </a:p>
-          <a:p>
-            <a:endParaRPr lang="en-US"/>
-          </a:p>
-          <a:p>
-            <a:r>
-              <a:rPr lang="bg-BG"/>
-              <a:t>ObjectDataSource..::.DataObjectTypeName Property </a:t>
-            </a:r>
-          </a:p>
-          <a:p>
-            <a:r>
-              <a:rPr lang="bg-BG"/>
-              <a:t>Gets or sets the name of a class that the </a:t>
-            </a:r>
-            <a:r>
-              <a:rPr lang="bg-BG">
-                <a:hlinkClick r:id="rId3"/>
-              </a:rPr>
-              <a:t>ObjectDataSource</a:t>
-            </a:r>
-            <a:r>
-              <a:rPr lang="bg-BG"/>
-              <a:t> control uses for a parameter in an update, insert, or delete data operation, instead of passing individual values from the data-bound control.</a:t>
-            </a:r>
+            <a:endParaRPr lang="bg-BG" dirty="0"/>
           </a:p>
         </p:txBody>
       </p:sp>
@@ -2240,7 +1880,7 @@
             <a:fld id="{ACB0D902-68DD-4E8C-B74A-AC808002DC4F}" type="slidenum">
               <a:rPr lang="en-US"/>
               <a:pPr/>
-              <a:t>46</a:t>
+              <a:t>44</a:t>
             </a:fld>
             <a:r>
               <a:rPr lang="en-US"/>
@@ -2279,52 +1919,7 @@
           <a:bodyPr/>
           <a:lstStyle/>
           <a:p>
-            <a:r>
-              <a:rPr lang="bg-BG"/>
-              <a:t>ObjectDataSource..::.TypeName Property </a:t>
-            </a:r>
-          </a:p>
-          <a:p>
-            <a:r>
-              <a:rPr lang="bg-BG"/>
-              <a:t>Gets or sets the name of the class that the </a:t>
-            </a:r>
-            <a:r>
-              <a:rPr lang="bg-BG">
-                <a:hlinkClick r:id="rId3"/>
-              </a:rPr>
-              <a:t>ObjectDataSource</a:t>
-            </a:r>
-            <a:r>
-              <a:rPr lang="bg-BG"/>
-              <a:t> object represents.</a:t>
-            </a:r>
-            <a:endParaRPr lang="en-US"/>
-          </a:p>
-          <a:p>
-            <a:endParaRPr lang="en-US"/>
-          </a:p>
-          <a:p>
-            <a:r>
-              <a:rPr lang="bg-BG"/>
-              <a:t>ObjectDataSource..::.DataObjectTypeName Property </a:t>
-            </a:r>
-          </a:p>
-          <a:p>
-            <a:r>
-              <a:rPr lang="bg-BG"/>
-              <a:t>Gets or sets the name of a class that the </a:t>
-            </a:r>
-            <a:r>
-              <a:rPr lang="bg-BG">
-                <a:hlinkClick r:id="rId3"/>
-              </a:rPr>
-              <a:t>ObjectDataSource</a:t>
-            </a:r>
-            <a:r>
-              <a:rPr lang="bg-BG"/>
-              <a:t> control uses for a parameter in an update, insert, or delete data operation, instead of passing individual values from the data-bound control.</a:t>
-            </a:r>
+            <a:endParaRPr lang="bg-BG" dirty="0"/>
           </a:p>
         </p:txBody>
       </p:sp>
@@ -2423,7 +2018,7 @@
             <a:fld id="{B88E9541-53E0-4AB1-872B-459D20A01C7E}" type="slidenum">
               <a:rPr lang="en-US"/>
               <a:pPr/>
-              <a:t>47</a:t>
+              <a:t>45</a:t>
             </a:fld>
             <a:r>
               <a:rPr lang="en-US"/>
@@ -2462,52 +2057,7 @@
           <a:bodyPr/>
           <a:lstStyle/>
           <a:p>
-            <a:r>
-              <a:rPr lang="bg-BG"/>
-              <a:t>ObjectDataSource..::.TypeName Property </a:t>
-            </a:r>
-          </a:p>
-          <a:p>
-            <a:r>
-              <a:rPr lang="bg-BG"/>
-              <a:t>Gets or sets the name of the class that the </a:t>
-            </a:r>
-            <a:r>
-              <a:rPr lang="bg-BG">
-                <a:hlinkClick r:id="rId3"/>
-              </a:rPr>
-              <a:t>ObjectDataSource</a:t>
-            </a:r>
-            <a:r>
-              <a:rPr lang="bg-BG"/>
-              <a:t> object represents.</a:t>
-            </a:r>
-            <a:endParaRPr lang="en-US"/>
-          </a:p>
-          <a:p>
-            <a:endParaRPr lang="en-US"/>
-          </a:p>
-          <a:p>
-            <a:r>
-              <a:rPr lang="bg-BG"/>
-              <a:t>ObjectDataSource..::.DataObjectTypeName Property </a:t>
-            </a:r>
-          </a:p>
-          <a:p>
-            <a:r>
-              <a:rPr lang="bg-BG"/>
-              <a:t>Gets or sets the name of a class that the </a:t>
-            </a:r>
-            <a:r>
-              <a:rPr lang="bg-BG">
-                <a:hlinkClick r:id="rId3"/>
-              </a:rPr>
-              <a:t>ObjectDataSource</a:t>
-            </a:r>
-            <a:r>
-              <a:rPr lang="bg-BG"/>
-              <a:t> control uses for a parameter in an update, insert, or delete data operation, instead of passing individual values from the data-bound control.</a:t>
-            </a:r>
+            <a:endParaRPr lang="bg-BG" dirty="0"/>
           </a:p>
         </p:txBody>
       </p:sp>
@@ -5687,7 +5237,6 @@
               <a:rPr lang="en-US" noProof="1"/>
               <a:t>DropDownList </a:t>
             </a:r>
-            <a:endParaRPr lang="en-US" noProof="1"/>
           </a:p>
           <a:p>
             <a:pPr lvl="1"/>
@@ -5837,7 +5386,7 @@
         </p:nvSpPr>
         <p:spPr>
           <a:xfrm>
-            <a:off x="1044575" y="2924175"/>
+            <a:off x="1044575" y="1981200"/>
             <a:ext cx="7056438" cy="636588"/>
           </a:xfrm>
         </p:spPr>
@@ -5879,7 +5428,7 @@
         </p:nvSpPr>
         <p:spPr bwMode="auto">
           <a:xfrm>
-            <a:off x="1042988" y="3789363"/>
+            <a:off x="1042988" y="2846388"/>
             <a:ext cx="7056437" cy="406400"/>
           </a:xfrm>
           <a:prstGeom prst="rect">
@@ -5931,7 +5480,7 @@
               </a:lnSpc>
             </a:pPr>
             <a:r>
-              <a:rPr lang="en-US" sz="2800">
+              <a:rPr lang="en-US" sz="2800" dirty="0">
                 <a:solidFill>
                   <a:schemeClr val="tx1"/>
                 </a:solidFill>
@@ -5943,7 +5492,7 @@
               </a:rPr>
               <a:t>Live Demo</a:t>
             </a:r>
-            <a:endParaRPr lang="bg-BG" sz="2800">
+            <a:endParaRPr lang="bg-BG" sz="2800" dirty="0">
               <a:solidFill>
                 <a:schemeClr val="tx1"/>
               </a:solidFill>
@@ -5953,6 +5502,281 @@
                 </a:outerShdw>
               </a:effectLst>
             </a:endParaRPr>
+          </a:p>
+        </p:txBody>
+      </p:sp>
+      <p:sp>
+        <p:nvSpPr>
+          <p:cNvPr id="6" name="Content Placeholder 2"/>
+          <p:cNvSpPr txBox="1">
+            <a:spLocks/>
+          </p:cNvSpPr>
+          <p:nvPr/>
+        </p:nvSpPr>
+        <p:spPr>
+          <a:xfrm rot="20970789">
+            <a:off x="250065" y="4286832"/>
+            <a:ext cx="8686800" cy="1066800"/>
+          </a:xfrm>
+          <a:prstGeom prst="rect">
+            <a:avLst/>
+          </a:prstGeom>
+        </p:spPr>
+        <p:txBody>
+          <a:bodyPr lIns="0" tIns="0" rIns="0" bIns="0" anchor="ctr" anchorCtr="0"/>
+          <a:lstStyle>
+            <a:lvl1pPr marL="0" indent="0" algn="ctr" rtl="0" eaLnBrk="0" fontAlgn="base" hangingPunct="0">
+              <a:spcBef>
+                <a:spcPct val="20000"/>
+              </a:spcBef>
+              <a:spcAft>
+                <a:spcPct val="0"/>
+              </a:spcAft>
+              <a:buClr>
+                <a:schemeClr val="accent5">
+                  <a:lumMod val="40000"/>
+                  <a:lumOff val="60000"/>
+                </a:schemeClr>
+              </a:buClr>
+              <a:buSzPct val="70000"/>
+              <a:buFont typeface="Wingdings 2" pitchFamily="18" charset="2"/>
+              <a:buNone/>
+              <a:defRPr lang="en-US" sz="2800" b="1" kern="1200" baseline="0" dirty="0">
+                <a:solidFill>
+                  <a:srgbClr xmlns:mc="http://schemas.openxmlformats.org/markup-compatibility/2006" xmlns:a14="http://schemas.microsoft.com/office/drawing/2010/main" val="FAF7C8" mc:Ignorable=""/>
+                </a:solidFill>
+                <a:effectLst>
+                  <a:outerShdw blurRad="38100" dist="38100" dir="2700000" algn="tl">
+                    <a:srgbClr xmlns:mc="http://schemas.openxmlformats.org/markup-compatibility/2006" xmlns:a14="http://schemas.microsoft.com/office/drawing/2010/main" val="000000" mc:Ignorable="">
+                      <a:alpha val="43137"/>
+                    </a:srgbClr>
+                  </a:outerShdw>
+                </a:effectLst>
+                <a:latin typeface="+mn-lt"/>
+                <a:ea typeface="+mn-ea"/>
+                <a:cs typeface="+mn-cs"/>
+              </a:defRPr>
+            </a:lvl1pPr>
+            <a:lvl2pPr marL="457200" indent="0" algn="ctr" rtl="0" eaLnBrk="0" fontAlgn="base" hangingPunct="0">
+              <a:spcBef>
+                <a:spcPct val="20000"/>
+              </a:spcBef>
+              <a:spcAft>
+                <a:spcPct val="0"/>
+              </a:spcAft>
+              <a:buClr>
+                <a:schemeClr val="accent2">
+                  <a:lumMod val="60000"/>
+                  <a:lumOff val="40000"/>
+                </a:schemeClr>
+              </a:buClr>
+              <a:buFont typeface="Wingdings 2" pitchFamily="18" charset="2"/>
+              <a:buNone/>
+              <a:defRPr sz="3000" b="1" kern="1200">
+                <a:solidFill>
+                  <a:schemeClr val="tx1">
+                    <a:lumMod val="20000"/>
+                    <a:lumOff val="80000"/>
+                  </a:schemeClr>
+                </a:solidFill>
+                <a:effectLst>
+                  <a:outerShdw blurRad="38100" dist="38100" dir="2700000" algn="tl">
+                    <a:srgbClr xmlns:mc="http://schemas.openxmlformats.org/markup-compatibility/2006" xmlns:a14="http://schemas.microsoft.com/office/drawing/2010/main" val="000000" mc:Ignorable="">
+                      <a:alpha val="43137"/>
+                    </a:srgbClr>
+                  </a:outerShdw>
+                </a:effectLst>
+                <a:latin typeface="+mn-lt"/>
+                <a:ea typeface="+mn-ea"/>
+                <a:cs typeface="+mn-cs"/>
+              </a:defRPr>
+            </a:lvl2pPr>
+            <a:lvl3pPr marL="914400" indent="0" algn="ctr" rtl="0" eaLnBrk="0" fontAlgn="base" hangingPunct="0">
+              <a:spcBef>
+                <a:spcPct val="20000"/>
+              </a:spcBef>
+              <a:spcAft>
+                <a:spcPct val="0"/>
+              </a:spcAft>
+              <a:buClr>
+                <a:schemeClr val="tx1">
+                  <a:lumMod val="50000"/>
+                </a:schemeClr>
+              </a:buClr>
+              <a:buFont typeface="Wingdings 2" pitchFamily="18" charset="2"/>
+              <a:buNone/>
+              <a:defRPr sz="2800" b="1" kern="1200">
+                <a:solidFill>
+                  <a:schemeClr val="tx1">
+                    <a:lumMod val="20000"/>
+                    <a:lumOff val="80000"/>
+                  </a:schemeClr>
+                </a:solidFill>
+                <a:effectLst>
+                  <a:outerShdw blurRad="38100" dist="38100" dir="2700000" algn="tl">
+                    <a:srgbClr xmlns:mc="http://schemas.openxmlformats.org/markup-compatibility/2006" xmlns:a14="http://schemas.microsoft.com/office/drawing/2010/main" val="000000" mc:Ignorable="">
+                      <a:alpha val="43137"/>
+                    </a:srgbClr>
+                  </a:outerShdw>
+                </a:effectLst>
+                <a:latin typeface="+mn-lt"/>
+                <a:ea typeface="+mn-ea"/>
+                <a:cs typeface="+mn-cs"/>
+              </a:defRPr>
+            </a:lvl3pPr>
+            <a:lvl4pPr marL="1371600" indent="0" algn="ctr" rtl="0" eaLnBrk="0" fontAlgn="base" hangingPunct="0">
+              <a:spcBef>
+                <a:spcPct val="20000"/>
+              </a:spcBef>
+              <a:spcAft>
+                <a:spcPct val="0"/>
+              </a:spcAft>
+              <a:buClr>
+                <a:srgbClr xmlns:mc="http://schemas.openxmlformats.org/markup-compatibility/2006" xmlns:a14="http://schemas.microsoft.com/office/drawing/2010/main" val="F8BD52" mc:Ignorable=""/>
+              </a:buClr>
+              <a:buFont typeface="Wingdings 2" pitchFamily="18" charset="2"/>
+              <a:buNone/>
+              <a:defRPr sz="2600" b="1" kern="1200">
+                <a:solidFill>
+                  <a:schemeClr val="tx1">
+                    <a:lumMod val="20000"/>
+                    <a:lumOff val="80000"/>
+                  </a:schemeClr>
+                </a:solidFill>
+                <a:effectLst>
+                  <a:outerShdw blurRad="38100" dist="38100" dir="2700000" algn="tl">
+                    <a:srgbClr xmlns:mc="http://schemas.openxmlformats.org/markup-compatibility/2006" xmlns:a14="http://schemas.microsoft.com/office/drawing/2010/main" val="000000" mc:Ignorable="">
+                      <a:alpha val="43137"/>
+                    </a:srgbClr>
+                  </a:outerShdw>
+                </a:effectLst>
+                <a:latin typeface="+mn-lt"/>
+                <a:ea typeface="+mn-ea"/>
+                <a:cs typeface="+mn-cs"/>
+              </a:defRPr>
+            </a:lvl4pPr>
+            <a:lvl5pPr marL="1828800" indent="0" algn="ctr" rtl="0" eaLnBrk="0" fontAlgn="base" hangingPunct="0">
+              <a:spcBef>
+                <a:spcPct val="20000"/>
+              </a:spcBef>
+              <a:spcAft>
+                <a:spcPct val="0"/>
+              </a:spcAft>
+              <a:buClr>
+                <a:srgbClr xmlns:mc="http://schemas.openxmlformats.org/markup-compatibility/2006" xmlns:a14="http://schemas.microsoft.com/office/drawing/2010/main" val="46A6BD" mc:Ignorable=""/>
+              </a:buClr>
+              <a:buFont typeface="Wingdings 2" pitchFamily="18" charset="2"/>
+              <a:buNone/>
+              <a:defRPr sz="2400" b="1" kern="1200">
+                <a:solidFill>
+                  <a:schemeClr val="tx1">
+                    <a:lumMod val="20000"/>
+                    <a:lumOff val="80000"/>
+                  </a:schemeClr>
+                </a:solidFill>
+                <a:effectLst>
+                  <a:outerShdw blurRad="38100" dist="38100" dir="2700000" algn="tl">
+                    <a:srgbClr xmlns:mc="http://schemas.openxmlformats.org/markup-compatibility/2006" xmlns:a14="http://schemas.microsoft.com/office/drawing/2010/main" val="000000" mc:Ignorable="">
+                      <a:alpha val="43137"/>
+                    </a:srgbClr>
+                  </a:outerShdw>
+                </a:effectLst>
+                <a:latin typeface="+mn-lt"/>
+                <a:ea typeface="+mn-ea"/>
+                <a:cs typeface="+mn-cs"/>
+              </a:defRPr>
+            </a:lvl5pPr>
+            <a:lvl6pPr marL="2286000" indent="0" algn="ctr" rtl="0" eaLnBrk="1" latinLnBrk="0" hangingPunct="1">
+              <a:spcBef>
+                <a:spcPct val="20000"/>
+              </a:spcBef>
+              <a:buClr>
+                <a:schemeClr val="accent6"/>
+              </a:buClr>
+              <a:buFont typeface="Wingdings 2"/>
+              <a:buNone/>
+              <a:defRPr sz="1800" kern="1200">
+                <a:solidFill>
+                  <a:schemeClr val="tx1"/>
+                </a:solidFill>
+                <a:latin typeface="+mn-lt"/>
+                <a:ea typeface="+mn-ea"/>
+                <a:cs typeface="+mn-cs"/>
+              </a:defRPr>
+            </a:lvl6pPr>
+            <a:lvl7pPr marL="2743200" indent="0" algn="ctr" rtl="0" eaLnBrk="1" latinLnBrk="0" hangingPunct="1">
+              <a:spcBef>
+                <a:spcPct val="20000"/>
+              </a:spcBef>
+              <a:buClr>
+                <a:schemeClr val="tx2"/>
+              </a:buClr>
+              <a:buFont typeface="Wingdings 2"/>
+              <a:buNone/>
+              <a:defRPr sz="1600" kern="1200">
+                <a:solidFill>
+                  <a:schemeClr val="tx1"/>
+                </a:solidFill>
+                <a:latin typeface="+mn-lt"/>
+                <a:ea typeface="+mn-ea"/>
+                <a:cs typeface="+mn-cs"/>
+              </a:defRPr>
+            </a:lvl7pPr>
+            <a:lvl8pPr marL="3200400" indent="0" algn="ctr" rtl="0" eaLnBrk="1" latinLnBrk="0" hangingPunct="1">
+              <a:spcBef>
+                <a:spcPct val="20000"/>
+              </a:spcBef>
+              <a:buClr>
+                <a:schemeClr val="tx2"/>
+              </a:buClr>
+              <a:buFont typeface="Wingdings 2"/>
+              <a:buNone/>
+              <a:defRPr sz="1400" kern="1200">
+                <a:solidFill>
+                  <a:schemeClr val="tx1"/>
+                </a:solidFill>
+                <a:latin typeface="+mn-lt"/>
+                <a:ea typeface="+mn-ea"/>
+                <a:cs typeface="+mn-cs"/>
+              </a:defRPr>
+            </a:lvl8pPr>
+            <a:lvl9pPr marL="3657600" indent="0" algn="ctr" rtl="0" eaLnBrk="1" latinLnBrk="0" hangingPunct="1">
+              <a:spcBef>
+                <a:spcPct val="20000"/>
+              </a:spcBef>
+              <a:buClr>
+                <a:schemeClr val="tx2"/>
+              </a:buClr>
+              <a:buFont typeface="Wingdings 2"/>
+              <a:buNone/>
+              <a:defRPr sz="1400" kern="1200">
+                <a:solidFill>
+                  <a:schemeClr val="tx1"/>
+                </a:solidFill>
+                <a:latin typeface="+mn-lt"/>
+                <a:ea typeface="+mn-ea"/>
+                <a:cs typeface="+mn-cs"/>
+              </a:defRPr>
+            </a:lvl9pPr>
+          </a:lstStyle>
+          <a:p>
+            <a:r>
+              <a:rPr lang="en-US" i="1" noProof="1" smtClean="0"/>
+              <a:t>“Programmer </a:t>
+            </a:r>
+            <a:r>
+              <a:rPr lang="en-US" i="1" noProof="1"/>
+              <a:t>- an organism that turns coffee into software</a:t>
+            </a:r>
+            <a:r>
+              <a:rPr lang="en-US" i="1" noProof="1"/>
+              <a:t>. </a:t>
+            </a:r>
+            <a:r>
+              <a:rPr lang="en-US" i="1" noProof="1" smtClean="0"/>
+              <a:t>“</a:t>
+            </a:r>
+            <a:endParaRPr lang="en-US" i="1" noProof="1"/>
           </a:p>
         </p:txBody>
       </p:sp>
@@ -5966,6 +5790,13 @@
   <p:clrMapOvr>
     <a:masterClrMapping/>
   </p:clrMapOvr>
+  <p:timing>
+    <p:tnLst>
+      <p:par>
+        <p:cTn xmlns:p14="http://schemas.microsoft.com/office/powerpoint/2010/main" id="1" dur="indefinite" restart="never" nodeType="tmRoot"/>
+      </p:par>
+    </p:tnLst>
+  </p:timing>
 </p:sld>
 </file>
 
@@ -7528,7 +7359,7 @@
         </p:nvSpPr>
         <p:spPr>
           <a:xfrm>
-            <a:off x="1260475" y="2528888"/>
+            <a:off x="1260475" y="1219200"/>
             <a:ext cx="6696075" cy="1273175"/>
           </a:xfrm>
         </p:spPr>
@@ -7562,7 +7393,7 @@
         </p:nvSpPr>
         <p:spPr bwMode="auto">
           <a:xfrm>
-            <a:off x="1042988" y="4030663"/>
+            <a:off x="1042988" y="2720975"/>
             <a:ext cx="7056437" cy="406400"/>
           </a:xfrm>
           <a:prstGeom prst="rect">
@@ -7614,7 +7445,7 @@
               </a:lnSpc>
             </a:pPr>
             <a:r>
-              <a:rPr lang="en-US" sz="2800">
+              <a:rPr lang="en-US" sz="2800" dirty="0">
                 <a:solidFill>
                   <a:schemeClr val="tx1"/>
                 </a:solidFill>
@@ -7626,7 +7457,7 @@
               </a:rPr>
               <a:t>Live Demo</a:t>
             </a:r>
-            <a:endParaRPr lang="bg-BG" sz="2800">
+            <a:endParaRPr lang="bg-BG" sz="2800" dirty="0">
               <a:solidFill>
                 <a:schemeClr val="tx1"/>
               </a:solidFill>
@@ -7636,6 +7467,277 @@
                 </a:outerShdw>
               </a:effectLst>
             </a:endParaRPr>
+          </a:p>
+        </p:txBody>
+      </p:sp>
+      <p:sp>
+        <p:nvSpPr>
+          <p:cNvPr id="4" name="Content Placeholder 2"/>
+          <p:cNvSpPr txBox="1">
+            <a:spLocks/>
+          </p:cNvSpPr>
+          <p:nvPr/>
+        </p:nvSpPr>
+        <p:spPr>
+          <a:xfrm rot="20970789">
+            <a:off x="419786" y="4744033"/>
+            <a:ext cx="8686800" cy="1066800"/>
+          </a:xfrm>
+          <a:prstGeom prst="rect">
+            <a:avLst/>
+          </a:prstGeom>
+        </p:spPr>
+        <p:txBody>
+          <a:bodyPr lIns="0" tIns="0" rIns="0" bIns="0" anchor="ctr" anchorCtr="0"/>
+          <a:lstStyle>
+            <a:lvl1pPr marL="0" indent="0" algn="ctr" rtl="0" eaLnBrk="0" fontAlgn="base" hangingPunct="0">
+              <a:spcBef>
+                <a:spcPct val="20000"/>
+              </a:spcBef>
+              <a:spcAft>
+                <a:spcPct val="0"/>
+              </a:spcAft>
+              <a:buClr>
+                <a:schemeClr val="accent5">
+                  <a:lumMod val="40000"/>
+                  <a:lumOff val="60000"/>
+                </a:schemeClr>
+              </a:buClr>
+              <a:buSzPct val="70000"/>
+              <a:buFont typeface="Wingdings 2" pitchFamily="18" charset="2"/>
+              <a:buNone/>
+              <a:defRPr lang="en-US" sz="2800" b="1" kern="1200" baseline="0" dirty="0">
+                <a:solidFill>
+                  <a:srgbClr xmlns:mc="http://schemas.openxmlformats.org/markup-compatibility/2006" xmlns:a14="http://schemas.microsoft.com/office/drawing/2010/main" val="FAF7C8" mc:Ignorable=""/>
+                </a:solidFill>
+                <a:effectLst>
+                  <a:outerShdw blurRad="38100" dist="38100" dir="2700000" algn="tl">
+                    <a:srgbClr xmlns:mc="http://schemas.openxmlformats.org/markup-compatibility/2006" xmlns:a14="http://schemas.microsoft.com/office/drawing/2010/main" val="000000" mc:Ignorable="">
+                      <a:alpha val="43137"/>
+                    </a:srgbClr>
+                  </a:outerShdw>
+                </a:effectLst>
+                <a:latin typeface="+mn-lt"/>
+                <a:ea typeface="+mn-ea"/>
+                <a:cs typeface="+mn-cs"/>
+              </a:defRPr>
+            </a:lvl1pPr>
+            <a:lvl2pPr marL="457200" indent="0" algn="ctr" rtl="0" eaLnBrk="0" fontAlgn="base" hangingPunct="0">
+              <a:spcBef>
+                <a:spcPct val="20000"/>
+              </a:spcBef>
+              <a:spcAft>
+                <a:spcPct val="0"/>
+              </a:spcAft>
+              <a:buClr>
+                <a:schemeClr val="accent2">
+                  <a:lumMod val="60000"/>
+                  <a:lumOff val="40000"/>
+                </a:schemeClr>
+              </a:buClr>
+              <a:buFont typeface="Wingdings 2" pitchFamily="18" charset="2"/>
+              <a:buNone/>
+              <a:defRPr sz="3000" b="1" kern="1200">
+                <a:solidFill>
+                  <a:schemeClr val="tx1">
+                    <a:lumMod val="20000"/>
+                    <a:lumOff val="80000"/>
+                  </a:schemeClr>
+                </a:solidFill>
+                <a:effectLst>
+                  <a:outerShdw blurRad="38100" dist="38100" dir="2700000" algn="tl">
+                    <a:srgbClr xmlns:mc="http://schemas.openxmlformats.org/markup-compatibility/2006" xmlns:a14="http://schemas.microsoft.com/office/drawing/2010/main" val="000000" mc:Ignorable="">
+                      <a:alpha val="43137"/>
+                    </a:srgbClr>
+                  </a:outerShdw>
+                </a:effectLst>
+                <a:latin typeface="+mn-lt"/>
+                <a:ea typeface="+mn-ea"/>
+                <a:cs typeface="+mn-cs"/>
+              </a:defRPr>
+            </a:lvl2pPr>
+            <a:lvl3pPr marL="914400" indent="0" algn="ctr" rtl="0" eaLnBrk="0" fontAlgn="base" hangingPunct="0">
+              <a:spcBef>
+                <a:spcPct val="20000"/>
+              </a:spcBef>
+              <a:spcAft>
+                <a:spcPct val="0"/>
+              </a:spcAft>
+              <a:buClr>
+                <a:schemeClr val="tx1">
+                  <a:lumMod val="50000"/>
+                </a:schemeClr>
+              </a:buClr>
+              <a:buFont typeface="Wingdings 2" pitchFamily="18" charset="2"/>
+              <a:buNone/>
+              <a:defRPr sz="2800" b="1" kern="1200">
+                <a:solidFill>
+                  <a:schemeClr val="tx1">
+                    <a:lumMod val="20000"/>
+                    <a:lumOff val="80000"/>
+                  </a:schemeClr>
+                </a:solidFill>
+                <a:effectLst>
+                  <a:outerShdw blurRad="38100" dist="38100" dir="2700000" algn="tl">
+                    <a:srgbClr xmlns:mc="http://schemas.openxmlformats.org/markup-compatibility/2006" xmlns:a14="http://schemas.microsoft.com/office/drawing/2010/main" val="000000" mc:Ignorable="">
+                      <a:alpha val="43137"/>
+                    </a:srgbClr>
+                  </a:outerShdw>
+                </a:effectLst>
+                <a:latin typeface="+mn-lt"/>
+                <a:ea typeface="+mn-ea"/>
+                <a:cs typeface="+mn-cs"/>
+              </a:defRPr>
+            </a:lvl3pPr>
+            <a:lvl4pPr marL="1371600" indent="0" algn="ctr" rtl="0" eaLnBrk="0" fontAlgn="base" hangingPunct="0">
+              <a:spcBef>
+                <a:spcPct val="20000"/>
+              </a:spcBef>
+              <a:spcAft>
+                <a:spcPct val="0"/>
+              </a:spcAft>
+              <a:buClr>
+                <a:srgbClr xmlns:mc="http://schemas.openxmlformats.org/markup-compatibility/2006" xmlns:a14="http://schemas.microsoft.com/office/drawing/2010/main" val="F8BD52" mc:Ignorable=""/>
+              </a:buClr>
+              <a:buFont typeface="Wingdings 2" pitchFamily="18" charset="2"/>
+              <a:buNone/>
+              <a:defRPr sz="2600" b="1" kern="1200">
+                <a:solidFill>
+                  <a:schemeClr val="tx1">
+                    <a:lumMod val="20000"/>
+                    <a:lumOff val="80000"/>
+                  </a:schemeClr>
+                </a:solidFill>
+                <a:effectLst>
+                  <a:outerShdw blurRad="38100" dist="38100" dir="2700000" algn="tl">
+                    <a:srgbClr xmlns:mc="http://schemas.openxmlformats.org/markup-compatibility/2006" xmlns:a14="http://schemas.microsoft.com/office/drawing/2010/main" val="000000" mc:Ignorable="">
+                      <a:alpha val="43137"/>
+                    </a:srgbClr>
+                  </a:outerShdw>
+                </a:effectLst>
+                <a:latin typeface="+mn-lt"/>
+                <a:ea typeface="+mn-ea"/>
+                <a:cs typeface="+mn-cs"/>
+              </a:defRPr>
+            </a:lvl4pPr>
+            <a:lvl5pPr marL="1828800" indent="0" algn="ctr" rtl="0" eaLnBrk="0" fontAlgn="base" hangingPunct="0">
+              <a:spcBef>
+                <a:spcPct val="20000"/>
+              </a:spcBef>
+              <a:spcAft>
+                <a:spcPct val="0"/>
+              </a:spcAft>
+              <a:buClr>
+                <a:srgbClr xmlns:mc="http://schemas.openxmlformats.org/markup-compatibility/2006" xmlns:a14="http://schemas.microsoft.com/office/drawing/2010/main" val="46A6BD" mc:Ignorable=""/>
+              </a:buClr>
+              <a:buFont typeface="Wingdings 2" pitchFamily="18" charset="2"/>
+              <a:buNone/>
+              <a:defRPr sz="2400" b="1" kern="1200">
+                <a:solidFill>
+                  <a:schemeClr val="tx1">
+                    <a:lumMod val="20000"/>
+                    <a:lumOff val="80000"/>
+                  </a:schemeClr>
+                </a:solidFill>
+                <a:effectLst>
+                  <a:outerShdw blurRad="38100" dist="38100" dir="2700000" algn="tl">
+                    <a:srgbClr xmlns:mc="http://schemas.openxmlformats.org/markup-compatibility/2006" xmlns:a14="http://schemas.microsoft.com/office/drawing/2010/main" val="000000" mc:Ignorable="">
+                      <a:alpha val="43137"/>
+                    </a:srgbClr>
+                  </a:outerShdw>
+                </a:effectLst>
+                <a:latin typeface="+mn-lt"/>
+                <a:ea typeface="+mn-ea"/>
+                <a:cs typeface="+mn-cs"/>
+              </a:defRPr>
+            </a:lvl5pPr>
+            <a:lvl6pPr marL="2286000" indent="0" algn="ctr" rtl="0" eaLnBrk="1" latinLnBrk="0" hangingPunct="1">
+              <a:spcBef>
+                <a:spcPct val="20000"/>
+              </a:spcBef>
+              <a:buClr>
+                <a:schemeClr val="accent6"/>
+              </a:buClr>
+              <a:buFont typeface="Wingdings 2"/>
+              <a:buNone/>
+              <a:defRPr sz="1800" kern="1200">
+                <a:solidFill>
+                  <a:schemeClr val="tx1"/>
+                </a:solidFill>
+                <a:latin typeface="+mn-lt"/>
+                <a:ea typeface="+mn-ea"/>
+                <a:cs typeface="+mn-cs"/>
+              </a:defRPr>
+            </a:lvl6pPr>
+            <a:lvl7pPr marL="2743200" indent="0" algn="ctr" rtl="0" eaLnBrk="1" latinLnBrk="0" hangingPunct="1">
+              <a:spcBef>
+                <a:spcPct val="20000"/>
+              </a:spcBef>
+              <a:buClr>
+                <a:schemeClr val="tx2"/>
+              </a:buClr>
+              <a:buFont typeface="Wingdings 2"/>
+              <a:buNone/>
+              <a:defRPr sz="1600" kern="1200">
+                <a:solidFill>
+                  <a:schemeClr val="tx1"/>
+                </a:solidFill>
+                <a:latin typeface="+mn-lt"/>
+                <a:ea typeface="+mn-ea"/>
+                <a:cs typeface="+mn-cs"/>
+              </a:defRPr>
+            </a:lvl7pPr>
+            <a:lvl8pPr marL="3200400" indent="0" algn="ctr" rtl="0" eaLnBrk="1" latinLnBrk="0" hangingPunct="1">
+              <a:spcBef>
+                <a:spcPct val="20000"/>
+              </a:spcBef>
+              <a:buClr>
+                <a:schemeClr val="tx2"/>
+              </a:buClr>
+              <a:buFont typeface="Wingdings 2"/>
+              <a:buNone/>
+              <a:defRPr sz="1400" kern="1200">
+                <a:solidFill>
+                  <a:schemeClr val="tx1"/>
+                </a:solidFill>
+                <a:latin typeface="+mn-lt"/>
+                <a:ea typeface="+mn-ea"/>
+                <a:cs typeface="+mn-cs"/>
+              </a:defRPr>
+            </a:lvl8pPr>
+            <a:lvl9pPr marL="3657600" indent="0" algn="ctr" rtl="0" eaLnBrk="1" latinLnBrk="0" hangingPunct="1">
+              <a:spcBef>
+                <a:spcPct val="20000"/>
+              </a:spcBef>
+              <a:buClr>
+                <a:schemeClr val="tx2"/>
+              </a:buClr>
+              <a:buFont typeface="Wingdings 2"/>
+              <a:buNone/>
+              <a:defRPr sz="1400" kern="1200">
+                <a:solidFill>
+                  <a:schemeClr val="tx1"/>
+                </a:solidFill>
+                <a:latin typeface="+mn-lt"/>
+                <a:ea typeface="+mn-ea"/>
+                <a:cs typeface="+mn-cs"/>
+              </a:defRPr>
+            </a:lvl9pPr>
+          </a:lstStyle>
+          <a:p>
+            <a:r>
+              <a:rPr lang="en-US" i="1" dirty="0" smtClean="0"/>
+              <a:t>“One </a:t>
+            </a:r>
+            <a:r>
+              <a:rPr lang="en-US" i="1" dirty="0"/>
+              <a:t>man's crappy software is another man's full time </a:t>
+            </a:r>
+            <a:r>
+              <a:rPr lang="en-US" i="1" dirty="0" smtClean="0"/>
+              <a:t>job”</a:t>
+            </a:r>
+            <a:endParaRPr lang="en-US" i="1" noProof="1"/>
           </a:p>
         </p:txBody>
       </p:sp>
@@ -7925,7 +8027,7 @@
           <a:p>
             <a:r>
               <a:rPr lang="en-US" dirty="0" smtClean="0"/>
-              <a:t>Overview of  Data-bound Web Server Controls</a:t>
+              <a:t>Data-bound Web Server Controls</a:t>
             </a:r>
           </a:p>
           <a:p>
@@ -7946,6 +8048,16 @@
             <a:r>
               <a:rPr lang="en-US" dirty="0" smtClean="0"/>
               <a:t>Controls</a:t>
+            </a:r>
+          </a:p>
+          <a:p>
+            <a:r>
+              <a:rPr lang="en-US" dirty="0"/>
+              <a:t>Paging &amp; Data </a:t>
+            </a:r>
+            <a:r>
+              <a:rPr lang="en-US" dirty="0" smtClean="0"/>
+              <a:t>Pager</a:t>
             </a:r>
             <a:endParaRPr lang="en-US" dirty="0"/>
           </a:p>
@@ -8031,13 +8143,7 @@
               <a:rPr lang="en-US" dirty="0" smtClean="0">
                 <a:latin typeface="Courier New" pitchFamily="49" charset="0"/>
               </a:rPr>
-              <a:t>Data-binding </a:t>
-            </a:r>
-            <a:r>
-              <a:rPr lang="en-US" dirty="0" smtClean="0">
-                <a:latin typeface="Courier New" pitchFamily="49" charset="0"/>
-              </a:rPr>
-              <a:t>Syntax-Example</a:t>
+              <a:t>Data-binding Syntax-Example</a:t>
             </a:r>
             <a:endParaRPr lang="en-US" dirty="0"/>
           </a:p>
@@ -10791,39 +10897,8 @@
                 <a:latin typeface="Consolas" pitchFamily="49" charset="0"/>
                 <a:cs typeface="Consolas" pitchFamily="49" charset="0"/>
               </a:rPr>
-              <a:t>string DataBinder.Eval ( object container, string expression, string format </a:t>
-            </a:r>
-            <a:r>
-              <a:rPr lang="en-US" sz="2400" b="1" noProof="1">
-                <a:solidFill>
-                  <a:srgbClr xmlns:mc="http://schemas.openxmlformats.org/markup-compatibility/2006" xmlns:a14="http://schemas.microsoft.com/office/drawing/2010/main" val="8CF4F2" mc:Ignorable=""/>
-                </a:solidFill>
-                <a:effectLst>
-                  <a:outerShdw blurRad="38100" dist="38100" dir="2700000" algn="tl">
-                    <a:srgbClr xmlns:mc="http://schemas.openxmlformats.org/markup-compatibility/2006" xmlns:a14="http://schemas.microsoft.com/office/drawing/2010/main" val="000000" mc:Ignorable="">
-                      <a:alpha val="43137"/>
-                    </a:srgbClr>
-                  </a:outerShdw>
-                </a:effectLst>
-                <a:latin typeface="Consolas" pitchFamily="49" charset="0"/>
-                <a:cs typeface="Consolas" pitchFamily="49" charset="0"/>
-              </a:rPr>
-              <a:t>) </a:t>
-            </a:r>
-            <a:endParaRPr lang="en-US" sz="2400" b="1" noProof="1">
-              <a:solidFill>
-                <a:srgbClr xmlns:mc="http://schemas.openxmlformats.org/markup-compatibility/2006" xmlns:a14="http://schemas.microsoft.com/office/drawing/2010/main" val="8CF4F2" mc:Ignorable=""/>
-              </a:solidFill>
-              <a:effectLst>
-                <a:outerShdw blurRad="38100" dist="38100" dir="2700000" algn="tl">
-                  <a:srgbClr xmlns:mc="http://schemas.openxmlformats.org/markup-compatibility/2006" xmlns:a14="http://schemas.microsoft.com/office/drawing/2010/main" val="000000" mc:Ignorable="">
-                    <a:alpha val="43137"/>
-                  </a:srgbClr>
-                </a:outerShdw>
-              </a:effectLst>
-              <a:latin typeface="Consolas" pitchFamily="49" charset="0"/>
-              <a:cs typeface="Consolas" pitchFamily="49" charset="0"/>
-            </a:endParaRPr>
+              <a:t>string DataBinder.Eval ( object container, string expression, string format ) </a:t>
+            </a:r>
           </a:p>
         </p:txBody>
       </p:sp>
@@ -11073,7 +11148,7 @@
               <a:t>DataBinder.Eval </a:t>
             </a:r>
             <a:r>
-              <a:rPr lang="en-US" sz="3600" dirty="0" err="1"/>
+              <a:rPr lang="en-US" sz="3600" dirty="0"/>
               <a:t>vs</a:t>
             </a:r>
             <a:r>
@@ -11388,8 +11463,25 @@
                 <a:latin typeface="Consolas" pitchFamily="49" charset="0"/>
                 <a:cs typeface="Consolas" pitchFamily="49" charset="0"/>
               </a:rPr>
-              <a:t>// Using </a:t>
-            </a:r>
+              <a:t>// Using Eval</a:t>
+            </a:r>
+          </a:p>
+          <a:p>
+            <a:pPr eaLnBrk="0" hangingPunct="0">
+              <a:lnSpc>
+                <a:spcPts val="3000"/>
+              </a:lnSpc>
+              <a:spcBef>
+                <a:spcPts val="0"/>
+              </a:spcBef>
+              <a:buClr>
+                <a:schemeClr val="accent5">
+                  <a:lumMod val="40000"/>
+                  <a:lumOff val="60000"/>
+                </a:schemeClr>
+              </a:buClr>
+              <a:buSzPct val="70000"/>
+            </a:pPr>
             <a:r>
               <a:rPr lang="en-US" sz="2400" b="1" noProof="1">
                 <a:solidFill>
@@ -11405,89 +11497,7 @@
                 <a:latin typeface="Consolas" pitchFamily="49" charset="0"/>
                 <a:cs typeface="Consolas" pitchFamily="49" charset="0"/>
               </a:rPr>
-              <a:t>Eval</a:t>
-            </a:r>
-            <a:endParaRPr lang="en-US" sz="2400" b="1" noProof="1">
-              <a:solidFill>
-                <a:srgbClr xmlns:mc="http://schemas.openxmlformats.org/markup-compatibility/2006" xmlns:a14="http://schemas.microsoft.com/office/drawing/2010/main" val="8CF4F2" mc:Ignorable=""/>
-              </a:solidFill>
-              <a:effectLst>
-                <a:outerShdw blurRad="38100" dist="38100" dir="2700000" algn="tl">
-                  <a:srgbClr xmlns:mc="http://schemas.openxmlformats.org/markup-compatibility/2006" xmlns:a14="http://schemas.microsoft.com/office/drawing/2010/main" val="000000" mc:Ignorable="">
-                    <a:alpha val="43137"/>
-                  </a:srgbClr>
-                </a:outerShdw>
-              </a:effectLst>
-              <a:latin typeface="Consolas" pitchFamily="49" charset="0"/>
-              <a:cs typeface="Consolas" pitchFamily="49" charset="0"/>
-            </a:endParaRPr>
-          </a:p>
-          <a:p>
-            <a:pPr eaLnBrk="0" hangingPunct="0">
-              <a:lnSpc>
-                <a:spcPts val="3000"/>
-              </a:lnSpc>
-              <a:spcBef>
-                <a:spcPts val="0"/>
-              </a:spcBef>
-              <a:buClr>
-                <a:schemeClr val="accent5">
-                  <a:lumMod val="40000"/>
-                  <a:lumOff val="60000"/>
-                </a:schemeClr>
-              </a:buClr>
-              <a:buSzPct val="70000"/>
-            </a:pPr>
-            <a:r>
-              <a:rPr lang="en-US" sz="2400" b="1" noProof="1">
-                <a:solidFill>
-                  <a:srgbClr xmlns:mc="http://schemas.openxmlformats.org/markup-compatibility/2006" xmlns:a14="http://schemas.microsoft.com/office/drawing/2010/main" val="8CF4F2" mc:Ignorable=""/>
-                </a:solidFill>
-                <a:effectLst>
-                  <a:outerShdw blurRad="38100" dist="38100" dir="2700000" algn="tl">
-                    <a:srgbClr xmlns:mc="http://schemas.openxmlformats.org/markup-compatibility/2006" xmlns:a14="http://schemas.microsoft.com/office/drawing/2010/main" val="000000" mc:Ignorable="">
-                      <a:alpha val="43137"/>
-                    </a:srgbClr>
-                  </a:outerShdw>
-                </a:effectLst>
-                <a:latin typeface="Consolas" pitchFamily="49" charset="0"/>
-                <a:cs typeface="Consolas" pitchFamily="49" charset="0"/>
-              </a:rPr>
-              <a:t>&lt;%# </a:t>
-            </a:r>
-            <a:r>
-              <a:rPr lang="en-US" sz="2400" b="1" noProof="1">
-                <a:solidFill>
-                  <a:srgbClr xmlns:mc="http://schemas.openxmlformats.org/markup-compatibility/2006" xmlns:a14="http://schemas.microsoft.com/office/drawing/2010/main" val="8CF4F2" mc:Ignorable=""/>
-                </a:solidFill>
-                <a:effectLst>
-                  <a:outerShdw blurRad="38100" dist="38100" dir="2700000" algn="tl">
-                    <a:srgbClr xmlns:mc="http://schemas.openxmlformats.org/markup-compatibility/2006" xmlns:a14="http://schemas.microsoft.com/office/drawing/2010/main" val="000000" mc:Ignorable="">
-                      <a:alpha val="43137"/>
-                    </a:srgbClr>
-                  </a:outerShdw>
-                </a:effectLst>
-                <a:latin typeface="Consolas" pitchFamily="49" charset="0"/>
-                <a:cs typeface="Consolas" pitchFamily="49" charset="0"/>
-              </a:rPr>
-              <a:t>Eval</a:t>
-            </a:r>
-            <a:r>
-              <a:rPr lang="en-US" sz="2400" b="1" noProof="1">
-                <a:solidFill>
-                  <a:srgbClr xmlns:mc="http://schemas.openxmlformats.org/markup-compatibility/2006" xmlns:a14="http://schemas.microsoft.com/office/drawing/2010/main" val="8CF4F2" mc:Ignorable=""/>
-                </a:solidFill>
-                <a:effectLst>
-                  <a:outerShdw blurRad="38100" dist="38100" dir="2700000" algn="tl">
-                    <a:srgbClr xmlns:mc="http://schemas.openxmlformats.org/markup-compatibility/2006" xmlns:a14="http://schemas.microsoft.com/office/drawing/2010/main" val="000000" mc:Ignorable="">
-                      <a:alpha val="43137"/>
-                    </a:srgbClr>
-                  </a:outerShdw>
-                </a:effectLst>
-                <a:latin typeface="Consolas" pitchFamily="49" charset="0"/>
-                <a:cs typeface="Consolas" pitchFamily="49" charset="0"/>
-              </a:rPr>
-              <a:t>("IntegerValue", "{0:c}") %&gt;</a:t>
+              <a:t>&lt;%# Eval("IntegerValue", "{0:c}") %&gt;</a:t>
             </a:r>
           </a:p>
           <a:p>
@@ -12489,10 +12499,10 @@
                 <a:latin typeface="Consolas" pitchFamily="49" charset="0"/>
                 <a:cs typeface="Consolas" pitchFamily="49" charset="0"/>
               </a:rPr>
-              <a:t>&lt;/</a:t>
-            </a:r>
-            <a:r>
-              <a:rPr lang="en-US" sz="2200" b="1" noProof="1">
+              <a:t>&lt;/asp:Repeater</a:t>
+            </a:r>
+            <a:r>
+              <a:rPr lang="en-US" sz="2200" b="1" noProof="1" smtClean="0">
                 <a:solidFill>
                   <a:srgbClr xmlns:mc="http://schemas.openxmlformats.org/markup-compatibility/2006" xmlns:a14="http://schemas.microsoft.com/office/drawing/2010/main" val="8CF4F2" mc:Ignorable=""/>
                 </a:solidFill>
@@ -12506,39 +12516,8 @@
                 <a:latin typeface="Consolas" pitchFamily="49" charset="0"/>
                 <a:cs typeface="Consolas" pitchFamily="49" charset="0"/>
               </a:rPr>
-              <a:t>asp:Repeater</a:t>
-            </a:r>
-            <a:r>
-              <a:rPr lang="en-US" sz="2200" b="1" noProof="1" smtClean="0">
-                <a:solidFill>
-                  <a:srgbClr xmlns:mc="http://schemas.openxmlformats.org/markup-compatibility/2006" xmlns:a14="http://schemas.microsoft.com/office/drawing/2010/main" val="8CF4F2" mc:Ignorable=""/>
-                </a:solidFill>
-                <a:effectLst>
-                  <a:outerShdw blurRad="38100" dist="38100" dir="2700000" algn="tl">
-                    <a:srgbClr xmlns:mc="http://schemas.openxmlformats.org/markup-compatibility/2006" xmlns:a14="http://schemas.microsoft.com/office/drawing/2010/main" val="000000" mc:Ignorable="">
-                      <a:alpha val="43137"/>
-                    </a:srgbClr>
-                  </a:outerShdw>
-                </a:effectLst>
-                <a:latin typeface="Consolas" pitchFamily="49" charset="0"/>
-                <a:cs typeface="Consolas" pitchFamily="49" charset="0"/>
-              </a:rPr>
               <a:t>&gt;</a:t>
             </a:r>
-            <a:endParaRPr lang="en-US" sz="2200" b="1" noProof="1" smtClean="0">
-              <a:solidFill>
-                <a:srgbClr xmlns:mc="http://schemas.openxmlformats.org/markup-compatibility/2006" xmlns:a14="http://schemas.microsoft.com/office/drawing/2010/main" val="8CF4F2" mc:Ignorable=""/>
-              </a:solidFill>
-              <a:effectLst>
-                <a:outerShdw blurRad="38100" dist="38100" dir="2700000" algn="tl">
-                  <a:srgbClr xmlns:mc="http://schemas.openxmlformats.org/markup-compatibility/2006" xmlns:a14="http://schemas.microsoft.com/office/drawing/2010/main" val="000000" mc:Ignorable="">
-                    <a:alpha val="43137"/>
-                  </a:srgbClr>
-                </a:outerShdw>
-              </a:effectLst>
-              <a:latin typeface="Consolas" pitchFamily="49" charset="0"/>
-              <a:cs typeface="Consolas" pitchFamily="49" charset="0"/>
-            </a:endParaRPr>
           </a:p>
         </p:txBody>
       </p:sp>
@@ -13812,7 +13791,7 @@
         </p:nvSpPr>
         <p:spPr>
           <a:xfrm>
-            <a:off x="1260475" y="2600325"/>
+            <a:off x="1260475" y="1371600"/>
             <a:ext cx="6696075" cy="1273175"/>
           </a:xfrm>
         </p:spPr>
@@ -13846,7 +13825,7 @@
         </p:nvSpPr>
         <p:spPr bwMode="auto">
           <a:xfrm>
-            <a:off x="1042988" y="4102100"/>
+            <a:off x="1042988" y="2873375"/>
             <a:ext cx="7056437" cy="406400"/>
           </a:xfrm>
           <a:prstGeom prst="rect">
@@ -13920,6 +13899,277 @@
                 </a:outerShdw>
               </a:effectLst>
             </a:endParaRPr>
+          </a:p>
+        </p:txBody>
+      </p:sp>
+      <p:sp>
+        <p:nvSpPr>
+          <p:cNvPr id="4" name="Content Placeholder 2"/>
+          <p:cNvSpPr txBox="1">
+            <a:spLocks/>
+          </p:cNvSpPr>
+          <p:nvPr/>
+        </p:nvSpPr>
+        <p:spPr>
+          <a:xfrm rot="20970789">
+            <a:off x="419786" y="4744033"/>
+            <a:ext cx="8686800" cy="1066800"/>
+          </a:xfrm>
+          <a:prstGeom prst="rect">
+            <a:avLst/>
+          </a:prstGeom>
+        </p:spPr>
+        <p:txBody>
+          <a:bodyPr lIns="0" tIns="0" rIns="0" bIns="0" anchor="ctr" anchorCtr="0"/>
+          <a:lstStyle>
+            <a:lvl1pPr marL="0" indent="0" algn="ctr" rtl="0" eaLnBrk="0" fontAlgn="base" hangingPunct="0">
+              <a:spcBef>
+                <a:spcPct val="20000"/>
+              </a:spcBef>
+              <a:spcAft>
+                <a:spcPct val="0"/>
+              </a:spcAft>
+              <a:buClr>
+                <a:schemeClr val="accent5">
+                  <a:lumMod val="40000"/>
+                  <a:lumOff val="60000"/>
+                </a:schemeClr>
+              </a:buClr>
+              <a:buSzPct val="70000"/>
+              <a:buFont typeface="Wingdings 2" pitchFamily="18" charset="2"/>
+              <a:buNone/>
+              <a:defRPr lang="en-US" sz="2800" b="1" kern="1200" baseline="0" dirty="0">
+                <a:solidFill>
+                  <a:srgbClr xmlns:mc="http://schemas.openxmlformats.org/markup-compatibility/2006" xmlns:a14="http://schemas.microsoft.com/office/drawing/2010/main" val="FAF7C8" mc:Ignorable=""/>
+                </a:solidFill>
+                <a:effectLst>
+                  <a:outerShdw blurRad="38100" dist="38100" dir="2700000" algn="tl">
+                    <a:srgbClr xmlns:mc="http://schemas.openxmlformats.org/markup-compatibility/2006" xmlns:a14="http://schemas.microsoft.com/office/drawing/2010/main" val="000000" mc:Ignorable="">
+                      <a:alpha val="43137"/>
+                    </a:srgbClr>
+                  </a:outerShdw>
+                </a:effectLst>
+                <a:latin typeface="+mn-lt"/>
+                <a:ea typeface="+mn-ea"/>
+                <a:cs typeface="+mn-cs"/>
+              </a:defRPr>
+            </a:lvl1pPr>
+            <a:lvl2pPr marL="457200" indent="0" algn="ctr" rtl="0" eaLnBrk="0" fontAlgn="base" hangingPunct="0">
+              <a:spcBef>
+                <a:spcPct val="20000"/>
+              </a:spcBef>
+              <a:spcAft>
+                <a:spcPct val="0"/>
+              </a:spcAft>
+              <a:buClr>
+                <a:schemeClr val="accent2">
+                  <a:lumMod val="60000"/>
+                  <a:lumOff val="40000"/>
+                </a:schemeClr>
+              </a:buClr>
+              <a:buFont typeface="Wingdings 2" pitchFamily="18" charset="2"/>
+              <a:buNone/>
+              <a:defRPr sz="3000" b="1" kern="1200">
+                <a:solidFill>
+                  <a:schemeClr val="tx1">
+                    <a:lumMod val="20000"/>
+                    <a:lumOff val="80000"/>
+                  </a:schemeClr>
+                </a:solidFill>
+                <a:effectLst>
+                  <a:outerShdw blurRad="38100" dist="38100" dir="2700000" algn="tl">
+                    <a:srgbClr xmlns:mc="http://schemas.openxmlformats.org/markup-compatibility/2006" xmlns:a14="http://schemas.microsoft.com/office/drawing/2010/main" val="000000" mc:Ignorable="">
+                      <a:alpha val="43137"/>
+                    </a:srgbClr>
+                  </a:outerShdw>
+                </a:effectLst>
+                <a:latin typeface="+mn-lt"/>
+                <a:ea typeface="+mn-ea"/>
+                <a:cs typeface="+mn-cs"/>
+              </a:defRPr>
+            </a:lvl2pPr>
+            <a:lvl3pPr marL="914400" indent="0" algn="ctr" rtl="0" eaLnBrk="0" fontAlgn="base" hangingPunct="0">
+              <a:spcBef>
+                <a:spcPct val="20000"/>
+              </a:spcBef>
+              <a:spcAft>
+                <a:spcPct val="0"/>
+              </a:spcAft>
+              <a:buClr>
+                <a:schemeClr val="tx1">
+                  <a:lumMod val="50000"/>
+                </a:schemeClr>
+              </a:buClr>
+              <a:buFont typeface="Wingdings 2" pitchFamily="18" charset="2"/>
+              <a:buNone/>
+              <a:defRPr sz="2800" b="1" kern="1200">
+                <a:solidFill>
+                  <a:schemeClr val="tx1">
+                    <a:lumMod val="20000"/>
+                    <a:lumOff val="80000"/>
+                  </a:schemeClr>
+                </a:solidFill>
+                <a:effectLst>
+                  <a:outerShdw blurRad="38100" dist="38100" dir="2700000" algn="tl">
+                    <a:srgbClr xmlns:mc="http://schemas.openxmlformats.org/markup-compatibility/2006" xmlns:a14="http://schemas.microsoft.com/office/drawing/2010/main" val="000000" mc:Ignorable="">
+                      <a:alpha val="43137"/>
+                    </a:srgbClr>
+                  </a:outerShdw>
+                </a:effectLst>
+                <a:latin typeface="+mn-lt"/>
+                <a:ea typeface="+mn-ea"/>
+                <a:cs typeface="+mn-cs"/>
+              </a:defRPr>
+            </a:lvl3pPr>
+            <a:lvl4pPr marL="1371600" indent="0" algn="ctr" rtl="0" eaLnBrk="0" fontAlgn="base" hangingPunct="0">
+              <a:spcBef>
+                <a:spcPct val="20000"/>
+              </a:spcBef>
+              <a:spcAft>
+                <a:spcPct val="0"/>
+              </a:spcAft>
+              <a:buClr>
+                <a:srgbClr xmlns:mc="http://schemas.openxmlformats.org/markup-compatibility/2006" xmlns:a14="http://schemas.microsoft.com/office/drawing/2010/main" val="F8BD52" mc:Ignorable=""/>
+              </a:buClr>
+              <a:buFont typeface="Wingdings 2" pitchFamily="18" charset="2"/>
+              <a:buNone/>
+              <a:defRPr sz="2600" b="1" kern="1200">
+                <a:solidFill>
+                  <a:schemeClr val="tx1">
+                    <a:lumMod val="20000"/>
+                    <a:lumOff val="80000"/>
+                  </a:schemeClr>
+                </a:solidFill>
+                <a:effectLst>
+                  <a:outerShdw blurRad="38100" dist="38100" dir="2700000" algn="tl">
+                    <a:srgbClr xmlns:mc="http://schemas.openxmlformats.org/markup-compatibility/2006" xmlns:a14="http://schemas.microsoft.com/office/drawing/2010/main" val="000000" mc:Ignorable="">
+                      <a:alpha val="43137"/>
+                    </a:srgbClr>
+                  </a:outerShdw>
+                </a:effectLst>
+                <a:latin typeface="+mn-lt"/>
+                <a:ea typeface="+mn-ea"/>
+                <a:cs typeface="+mn-cs"/>
+              </a:defRPr>
+            </a:lvl4pPr>
+            <a:lvl5pPr marL="1828800" indent="0" algn="ctr" rtl="0" eaLnBrk="0" fontAlgn="base" hangingPunct="0">
+              <a:spcBef>
+                <a:spcPct val="20000"/>
+              </a:spcBef>
+              <a:spcAft>
+                <a:spcPct val="0"/>
+              </a:spcAft>
+              <a:buClr>
+                <a:srgbClr xmlns:mc="http://schemas.openxmlformats.org/markup-compatibility/2006" xmlns:a14="http://schemas.microsoft.com/office/drawing/2010/main" val="46A6BD" mc:Ignorable=""/>
+              </a:buClr>
+              <a:buFont typeface="Wingdings 2" pitchFamily="18" charset="2"/>
+              <a:buNone/>
+              <a:defRPr sz="2400" b="1" kern="1200">
+                <a:solidFill>
+                  <a:schemeClr val="tx1">
+                    <a:lumMod val="20000"/>
+                    <a:lumOff val="80000"/>
+                  </a:schemeClr>
+                </a:solidFill>
+                <a:effectLst>
+                  <a:outerShdw blurRad="38100" dist="38100" dir="2700000" algn="tl">
+                    <a:srgbClr xmlns:mc="http://schemas.openxmlformats.org/markup-compatibility/2006" xmlns:a14="http://schemas.microsoft.com/office/drawing/2010/main" val="000000" mc:Ignorable="">
+                      <a:alpha val="43137"/>
+                    </a:srgbClr>
+                  </a:outerShdw>
+                </a:effectLst>
+                <a:latin typeface="+mn-lt"/>
+                <a:ea typeface="+mn-ea"/>
+                <a:cs typeface="+mn-cs"/>
+              </a:defRPr>
+            </a:lvl5pPr>
+            <a:lvl6pPr marL="2286000" indent="0" algn="ctr" rtl="0" eaLnBrk="1" latinLnBrk="0" hangingPunct="1">
+              <a:spcBef>
+                <a:spcPct val="20000"/>
+              </a:spcBef>
+              <a:buClr>
+                <a:schemeClr val="accent6"/>
+              </a:buClr>
+              <a:buFont typeface="Wingdings 2"/>
+              <a:buNone/>
+              <a:defRPr sz="1800" kern="1200">
+                <a:solidFill>
+                  <a:schemeClr val="tx1"/>
+                </a:solidFill>
+                <a:latin typeface="+mn-lt"/>
+                <a:ea typeface="+mn-ea"/>
+                <a:cs typeface="+mn-cs"/>
+              </a:defRPr>
+            </a:lvl6pPr>
+            <a:lvl7pPr marL="2743200" indent="0" algn="ctr" rtl="0" eaLnBrk="1" latinLnBrk="0" hangingPunct="1">
+              <a:spcBef>
+                <a:spcPct val="20000"/>
+              </a:spcBef>
+              <a:buClr>
+                <a:schemeClr val="tx2"/>
+              </a:buClr>
+              <a:buFont typeface="Wingdings 2"/>
+              <a:buNone/>
+              <a:defRPr sz="1600" kern="1200">
+                <a:solidFill>
+                  <a:schemeClr val="tx1"/>
+                </a:solidFill>
+                <a:latin typeface="+mn-lt"/>
+                <a:ea typeface="+mn-ea"/>
+                <a:cs typeface="+mn-cs"/>
+              </a:defRPr>
+            </a:lvl7pPr>
+            <a:lvl8pPr marL="3200400" indent="0" algn="ctr" rtl="0" eaLnBrk="1" latinLnBrk="0" hangingPunct="1">
+              <a:spcBef>
+                <a:spcPct val="20000"/>
+              </a:spcBef>
+              <a:buClr>
+                <a:schemeClr val="tx2"/>
+              </a:buClr>
+              <a:buFont typeface="Wingdings 2"/>
+              <a:buNone/>
+              <a:defRPr sz="1400" kern="1200">
+                <a:solidFill>
+                  <a:schemeClr val="tx1"/>
+                </a:solidFill>
+                <a:latin typeface="+mn-lt"/>
+                <a:ea typeface="+mn-ea"/>
+                <a:cs typeface="+mn-cs"/>
+              </a:defRPr>
+            </a:lvl8pPr>
+            <a:lvl9pPr marL="3657600" indent="0" algn="ctr" rtl="0" eaLnBrk="1" latinLnBrk="0" hangingPunct="1">
+              <a:spcBef>
+                <a:spcPct val="20000"/>
+              </a:spcBef>
+              <a:buClr>
+                <a:schemeClr val="tx2"/>
+              </a:buClr>
+              <a:buFont typeface="Wingdings 2"/>
+              <a:buNone/>
+              <a:defRPr sz="1400" kern="1200">
+                <a:solidFill>
+                  <a:schemeClr val="tx1"/>
+                </a:solidFill>
+                <a:latin typeface="+mn-lt"/>
+                <a:ea typeface="+mn-ea"/>
+                <a:cs typeface="+mn-cs"/>
+              </a:defRPr>
+            </a:lvl9pPr>
+          </a:lstStyle>
+          <a:p>
+            <a:r>
+              <a:rPr lang="en-US" i="1" dirty="0" smtClean="0"/>
+              <a:t>“There </a:t>
+            </a:r>
+            <a:r>
+              <a:rPr lang="en-US" i="1" dirty="0"/>
+              <a:t>are two ways to write error-free programs; only the third one </a:t>
+            </a:r>
+            <a:r>
+              <a:rPr lang="en-US" i="1" dirty="0" smtClean="0"/>
+              <a:t>works”</a:t>
+            </a:r>
+            <a:endParaRPr lang="en-US" i="1" noProof="1"/>
           </a:p>
         </p:txBody>
       </p:sp>
@@ -13962,7 +14212,7 @@
       </p:grpSpPr>
       <p:sp>
         <p:nvSpPr>
-          <p:cNvPr id="581634" name="Rectangle 2"/>
+          <p:cNvPr id="582658" name="Rectangle 2"/>
           <p:cNvSpPr>
             <a:spLocks noGrp="1" noChangeArrowheads="1"/>
           </p:cNvSpPr>
@@ -13976,8 +14226,8 @@
           <a:lstStyle/>
           <a:p>
             <a:r>
-              <a:rPr lang="en-US" sz="3600" noProof="1"/>
-              <a:t>DataPager</a:t>
+              <a:rPr lang="en-US" sz="3600" dirty="0" smtClean="0"/>
+              <a:t>Data Source Controls</a:t>
             </a:r>
             <a:endParaRPr lang="bg-BG" sz="3600" dirty="0"/>
           </a:p>
@@ -13985,7 +14235,7 @@
       </p:sp>
       <p:sp>
         <p:nvSpPr>
-          <p:cNvPr id="581635" name="Rectangle 3"/>
+          <p:cNvPr id="582659" name="Rectangle 3"/>
           <p:cNvSpPr>
             <a:spLocks noGrp="1" noChangeArrowheads="1"/>
           </p:cNvSpPr>
@@ -13999,52 +14249,43 @@
           <a:lstStyle/>
           <a:p>
             <a:r>
-              <a:rPr lang="en-US" sz="2800" dirty="0"/>
-              <a:t>DataPager is that it gives you a single, consistent way to use paging with a variety of controls</a:t>
-            </a:r>
-          </a:p>
-          <a:p>
-            <a:r>
-              <a:rPr lang="en-US" sz="2800" dirty="0"/>
-              <a:t>The ListView is the only control that supports the DataPager</a:t>
-            </a:r>
-          </a:p>
-          <a:p>
-            <a:r>
-              <a:rPr lang="en-US" sz="2800" dirty="0"/>
-              <a:t>Pager Fields</a:t>
+              <a:rPr lang="en-US" sz="3000" dirty="0">
+                <a:latin typeface="Courier New" pitchFamily="49" charset="0"/>
+              </a:rPr>
+              <a:t>There are special controls that take care of data binding details – Data Source Controls</a:t>
             </a:r>
           </a:p>
           <a:p>
             <a:pPr lvl="1"/>
             <a:r>
-              <a:rPr lang="en-US" sz="2600" dirty="0"/>
-              <a:t>NextPreviousPagerField</a:t>
-            </a:r>
-          </a:p>
-          <a:p>
-            <a:pPr lvl="1"/>
-            <a:r>
-              <a:rPr lang="en-US" sz="2600" dirty="0"/>
-              <a:t>NumericPagerField</a:t>
-            </a:r>
-          </a:p>
-          <a:p>
-            <a:pPr lvl="1"/>
-            <a:r>
-              <a:rPr lang="en-US" sz="2600" dirty="0" smtClean="0"/>
-              <a:t>TemplatePagerField </a:t>
-            </a:r>
-            <a:endParaRPr lang="bg-BG" sz="2600" dirty="0">
-              <a:latin typeface="Courier New" pitchFamily="49" charset="0"/>
-            </a:endParaRPr>
+              <a:rPr lang="en-US" sz="2800" dirty="0">
+                <a:latin typeface="Courier New" pitchFamily="49" charset="0"/>
+              </a:rPr>
+              <a:t>SqlDataSource, ObjectDataSource, XmlDataSource, etc…</a:t>
+            </a:r>
+          </a:p>
+          <a:p>
+            <a:r>
+              <a:rPr lang="en-US" sz="3000" dirty="0">
+                <a:latin typeface="Courier New" pitchFamily="49" charset="0"/>
+              </a:rPr>
+              <a:t>They are an abstraction over the data source</a:t>
+            </a:r>
+          </a:p>
+          <a:p>
+            <a:r>
+              <a:rPr lang="en-US" sz="3000" dirty="0">
+                <a:latin typeface="Courier New" pitchFamily="49" charset="0"/>
+              </a:rPr>
+              <a:t>DataBound controls are associated to a Data Source Control through the property DataSourceID</a:t>
+            </a:r>
           </a:p>
         </p:txBody>
       </p:sp>
     </p:spTree>
     <p:extLst>
       <p:ext uri="{BB962C8B-B14F-4D97-AF65-F5344CB8AC3E}">
-        <p14:creationId xmlns:p14="http://schemas.microsoft.com/office/powerpoint/2010/main" val="50409779"/>
+        <p14:creationId xmlns:p14="http://schemas.microsoft.com/office/powerpoint/2010/main" val="852842153"/>
       </p:ext>
     </p:extLst>
   </p:cSld>
@@ -14088,129 +14329,117 @@
       </p:grpSpPr>
       <p:sp>
         <p:nvSpPr>
-          <p:cNvPr id="656386" name="Rectangle 2"/>
+          <p:cNvPr id="582658" name="Rectangle 2"/>
           <p:cNvSpPr>
             <a:spLocks noGrp="1" noChangeArrowheads="1"/>
           </p:cNvSpPr>
           <p:nvPr>
-            <p:ph type="ctrTitle"/>
+            <p:ph type="title"/>
           </p:nvPr>
         </p:nvSpPr>
-        <p:spPr>
-          <a:xfrm>
-            <a:off x="1258888" y="2997200"/>
-            <a:ext cx="6696075" cy="636588"/>
-          </a:xfrm>
-        </p:spPr>
+        <p:spPr/>
         <p:txBody>
           <a:bodyPr/>
           <a:lstStyle/>
           <a:p>
             <a:r>
-              <a:rPr lang="en-US" noProof="1"/>
-              <a:t>DataPager</a:t>
-            </a:r>
-            <a:endParaRPr lang="bg-BG" dirty="0"/>
-          </a:p>
-        </p:txBody>
-      </p:sp>
-      <p:sp>
-        <p:nvSpPr>
-          <p:cNvPr id="656387" name="Rectangle 3"/>
+              <a:rPr lang="en-US" sz="3600" dirty="0">
+                <a:solidFill>
+                  <a:schemeClr val="tx1"/>
+                </a:solidFill>
+                <a:latin typeface="Courier New" pitchFamily="49" charset="0"/>
+              </a:rPr>
+              <a:t>SqlDataSource</a:t>
+            </a:r>
+            <a:endParaRPr lang="bg-BG" sz="3600" dirty="0"/>
+          </a:p>
+        </p:txBody>
+      </p:sp>
+      <p:sp>
+        <p:nvSpPr>
+          <p:cNvPr id="582659" name="Rectangle 3"/>
           <p:cNvSpPr>
-            <a:spLocks noChangeArrowheads="1"/>
-          </p:cNvSpPr>
-          <p:nvPr/>
-        </p:nvSpPr>
-        <p:spPr bwMode="auto">
-          <a:xfrm>
-            <a:off x="1042988" y="3789363"/>
-            <a:ext cx="7056437" cy="406400"/>
-          </a:xfrm>
-          <a:prstGeom prst="rect">
-            <a:avLst/>
-          </a:prstGeom>
-          <a:noFill/>
-          <a:ln>
-            <a:noFill/>
-          </a:ln>
-          <a:effectLst/>
-          <a:extLst>
-            <a:ext uri="{909E8E84-426E-40DD-AFC4-6F175D3DCCD1}">
-              <a14:hiddenFill xmlns:a14="http://schemas.microsoft.com/office/drawing/2010/main">
-                <a:solidFill>
-                  <a:schemeClr val="accent1"/>
-                </a:solidFill>
-              </a14:hiddenFill>
-            </a:ext>
-            <a:ext uri="{91240B29-F687-4F45-9708-019B960494DF}">
-              <a14:hiddenLine xmlns:a14="http://schemas.microsoft.com/office/drawing/2010/main" w="9525">
-                <a:solidFill>
-                  <a:schemeClr val="tx1"/>
-                </a:solidFill>
-                <a:miter lim="800000"/>
-                <a:headEnd/>
-                <a:tailEnd/>
-              </a14:hiddenLine>
-            </a:ext>
-            <a:ext uri="{AF507438-7753-43E0-B8FC-AC1667EBCBE1}">
-              <a14:hiddenEffects xmlns:a14="http://schemas.microsoft.com/office/drawing/2010/main">
-                <a:effectLst>
-                  <a:outerShdw dist="35921" dir="2700000" algn="ctr" rotWithShape="0">
-                    <a:schemeClr val="bg2"/>
-                  </a:outerShdw>
-                </a:effectLst>
-              </a14:hiddenEffects>
-            </a:ext>
-          </a:extLst>
-        </p:spPr>
-        <p:txBody>
-          <a:bodyPr lIns="0" tIns="0" rIns="0" bIns="0" anchor="b">
-            <a:spAutoFit/>
-          </a:bodyPr>
+            <a:spLocks noGrp="1" noChangeArrowheads="1"/>
+          </p:cNvSpPr>
+          <p:nvPr>
+            <p:ph type="body" idx="1"/>
+          </p:nvPr>
+        </p:nvSpPr>
+        <p:spPr/>
+        <p:txBody>
+          <a:bodyPr/>
           <a:lstStyle/>
           <a:p>
-            <a:pPr algn="ctr">
-              <a:lnSpc>
-                <a:spcPct val="95000"/>
-              </a:lnSpc>
-            </a:pPr>
-            <a:r>
-              <a:rPr lang="en-US" sz="2800">
-                <a:solidFill>
-                  <a:schemeClr val="tx1"/>
-                </a:solidFill>
-                <a:effectLst>
-                  <a:outerShdw blurRad="38100" dist="38100" dir="2700000" algn="tl">
-                    <a:srgbClr xmlns:mc="http://schemas.openxmlformats.org/markup-compatibility/2006" xmlns:a14="http://schemas.microsoft.com/office/drawing/2010/main" val="FFFFFF" mc:Ignorable=""/>
-                  </a:outerShdw>
-                </a:effectLst>
-              </a:rPr>
-              <a:t>Live Demo</a:t>
-            </a:r>
-            <a:endParaRPr lang="bg-BG" sz="2800">
-              <a:solidFill>
-                <a:schemeClr val="tx1"/>
-              </a:solidFill>
-              <a:effectLst>
-                <a:outerShdw blurRad="38100" dist="38100" dir="2700000" algn="tl">
-                  <a:srgbClr xmlns:mc="http://schemas.openxmlformats.org/markup-compatibility/2006" xmlns:a14="http://schemas.microsoft.com/office/drawing/2010/main" val="FFFFFF" mc:Ignorable=""/>
-                </a:outerShdw>
-              </a:effectLst>
-            </a:endParaRPr>
+            <a:r>
+              <a:rPr lang="en-US" sz="3000" dirty="0">
+                <a:latin typeface="Courier New" pitchFamily="49" charset="0"/>
+              </a:rPr>
+              <a:t>Provides connection to a database (MS SQL, Oracle etc.)</a:t>
+            </a:r>
+          </a:p>
+          <a:p>
+            <a:r>
+              <a:rPr lang="en-US" sz="3000" dirty="0">
+                <a:latin typeface="Courier New" pitchFamily="49" charset="0"/>
+              </a:rPr>
+              <a:t>Data is manipulated by using commands</a:t>
+            </a:r>
+          </a:p>
+          <a:p>
+            <a:pPr lvl="1"/>
+            <a:r>
+              <a:rPr lang="en-US" sz="2800" dirty="0">
+                <a:latin typeface="Courier New" pitchFamily="49" charset="0"/>
+              </a:rPr>
+              <a:t>Select, Update, Insert and Delete</a:t>
+            </a:r>
+          </a:p>
+          <a:p>
+            <a:pPr lvl="1"/>
+            <a:r>
+              <a:rPr lang="en-US" sz="2800" dirty="0">
+                <a:latin typeface="Courier New" pitchFamily="49" charset="0"/>
+              </a:rPr>
+              <a:t>Commands can be either SQL queries or the name of a stored procedure</a:t>
+            </a:r>
+          </a:p>
+          <a:p>
+            <a:r>
+              <a:rPr lang="en-US" sz="3000" dirty="0">
+                <a:latin typeface="Courier New" pitchFamily="49" charset="0"/>
+              </a:rPr>
+              <a:t>Uses DataSet by default</a:t>
+            </a:r>
+          </a:p>
+          <a:p>
+            <a:pPr lvl="1"/>
+            <a:r>
+              <a:rPr lang="en-US" sz="2800" dirty="0">
+                <a:latin typeface="Courier New" pitchFamily="49" charset="0"/>
+              </a:rPr>
+              <a:t>The property DataSourceMode sets whether to use DataSet or DataReader</a:t>
+            </a:r>
           </a:p>
         </p:txBody>
       </p:sp>
     </p:spTree>
     <p:extLst>
       <p:ext uri="{BB962C8B-B14F-4D97-AF65-F5344CB8AC3E}">
-        <p14:creationId xmlns:p14="http://schemas.microsoft.com/office/powerpoint/2010/main" val="3755245324"/>
+        <p14:creationId xmlns:p14="http://schemas.microsoft.com/office/powerpoint/2010/main" val="3942261190"/>
       </p:ext>
     </p:extLst>
   </p:cSld>
   <p:clrMapOvr>
     <a:masterClrMapping/>
   </p:clrMapOvr>
+  <mc:AlternateContent xmlns:mc="http://schemas.openxmlformats.org/markup-compatibility/2006" xmlns:p14="http://schemas.microsoft.com/office/powerpoint/2010/main">
+    <mc:Choice Requires="p14">
+      <p:transition spd="slow" p14:dur="2000"/>
+    </mc:Choice>
+    <mc:Fallback xmlns="">
+      <p:transition xmlns:p14="http://schemas.microsoft.com/office/powerpoint/2010/main" spd="slow"/>
+    </mc:Fallback>
+  </mc:AlternateContent>
   <p:timing>
     <p:tnLst>
       <p:par>
@@ -14240,94 +14469,421 @@
       </p:grpSpPr>
       <p:sp>
         <p:nvSpPr>
-          <p:cNvPr id="582658" name="Rectangle 2"/>
+          <p:cNvPr id="587778" name="Rectangle 2"/>
           <p:cNvSpPr>
             <a:spLocks noGrp="1" noChangeArrowheads="1"/>
           </p:cNvSpPr>
           <p:nvPr>
-            <p:ph type="title"/>
+            <p:ph type="ctrTitle"/>
           </p:nvPr>
         </p:nvSpPr>
-        <p:spPr/>
+        <p:spPr>
+          <a:xfrm>
+            <a:off x="1260475" y="1600200"/>
+            <a:ext cx="6696075" cy="636588"/>
+          </a:xfrm>
+        </p:spPr>
         <p:txBody>
           <a:bodyPr/>
           <a:lstStyle/>
           <a:p>
             <a:r>
-              <a:rPr lang="en-US" sz="3600" dirty="0" smtClean="0"/>
-              <a:t>Data Source Controls</a:t>
-            </a:r>
-            <a:endParaRPr lang="bg-BG" sz="3600" dirty="0"/>
-          </a:p>
-        </p:txBody>
-      </p:sp>
-      <p:sp>
-        <p:nvSpPr>
-          <p:cNvPr id="582659" name="Rectangle 3"/>
+              <a:rPr lang="en-US" dirty="0">
+                <a:solidFill>
+                  <a:schemeClr val="tx1"/>
+                </a:solidFill>
+              </a:rPr>
+              <a:t>Using SqlDataSource</a:t>
+            </a:r>
+            <a:endParaRPr lang="bg-BG" dirty="0">
+              <a:solidFill>
+                <a:schemeClr val="tx1"/>
+              </a:solidFill>
+            </a:endParaRPr>
+          </a:p>
+        </p:txBody>
+      </p:sp>
+      <p:sp>
+        <p:nvSpPr>
+          <p:cNvPr id="587779" name="Rectangle 3"/>
           <p:cNvSpPr>
-            <a:spLocks noGrp="1" noChangeArrowheads="1"/>
-          </p:cNvSpPr>
-          <p:nvPr>
-            <p:ph type="body" idx="1"/>
-          </p:nvPr>
-        </p:nvSpPr>
-        <p:spPr/>
-        <p:txBody>
-          <a:bodyPr/>
+            <a:spLocks noChangeArrowheads="1"/>
+          </p:cNvSpPr>
+          <p:nvPr/>
+        </p:nvSpPr>
+        <p:spPr bwMode="auto">
+          <a:xfrm>
+            <a:off x="1042988" y="2465388"/>
+            <a:ext cx="7056437" cy="406400"/>
+          </a:xfrm>
+          <a:prstGeom prst="rect">
+            <a:avLst/>
+          </a:prstGeom>
+          <a:noFill/>
+          <a:ln>
+            <a:noFill/>
+          </a:ln>
+          <a:effectLst/>
+          <a:extLst>
+            <a:ext uri="{909E8E84-426E-40DD-AFC4-6F175D3DCCD1}">
+              <a14:hiddenFill xmlns:a14="http://schemas.microsoft.com/office/drawing/2010/main">
+                <a:solidFill>
+                  <a:schemeClr val="accent1"/>
+                </a:solidFill>
+              </a14:hiddenFill>
+            </a:ext>
+            <a:ext uri="{91240B29-F687-4F45-9708-019B960494DF}">
+              <a14:hiddenLine xmlns:a14="http://schemas.microsoft.com/office/drawing/2010/main" w="9525">
+                <a:solidFill>
+                  <a:schemeClr val="tx1"/>
+                </a:solidFill>
+                <a:miter lim="800000"/>
+                <a:headEnd/>
+                <a:tailEnd/>
+              </a14:hiddenLine>
+            </a:ext>
+            <a:ext uri="{AF507438-7753-43E0-B8FC-AC1667EBCBE1}">
+              <a14:hiddenEffects xmlns:a14="http://schemas.microsoft.com/office/drawing/2010/main">
+                <a:effectLst>
+                  <a:outerShdw dist="35921" dir="2700000" algn="ctr" rotWithShape="0">
+                    <a:schemeClr val="bg2"/>
+                  </a:outerShdw>
+                </a:effectLst>
+              </a14:hiddenEffects>
+            </a:ext>
+          </a:extLst>
+        </p:spPr>
+        <p:txBody>
+          <a:bodyPr lIns="0" tIns="0" rIns="0" bIns="0" anchor="b">
+            <a:spAutoFit/>
+          </a:bodyPr>
           <a:lstStyle/>
           <a:p>
-            <a:r>
-              <a:rPr lang="en-US" sz="3000" dirty="0">
-                <a:latin typeface="Courier New" pitchFamily="49" charset="0"/>
-              </a:rPr>
-              <a:t>There are special controls that take care of data binding details – Data Source Controls</a:t>
-            </a:r>
-          </a:p>
-          <a:p>
-            <a:pPr lvl="1"/>
-            <a:r>
-              <a:rPr lang="en-US" sz="2800" dirty="0">
-                <a:latin typeface="Courier New" pitchFamily="49" charset="0"/>
-              </a:rPr>
-              <a:t>SqlDataSource, ObjectDataSource, XmlDataSource, etc…</a:t>
-            </a:r>
-          </a:p>
-          <a:p>
-            <a:r>
-              <a:rPr lang="en-US" sz="3000" dirty="0">
-                <a:latin typeface="Courier New" pitchFamily="49" charset="0"/>
-              </a:rPr>
-              <a:t>They are an abstraction over the data source</a:t>
-            </a:r>
-          </a:p>
-          <a:p>
-            <a:r>
-              <a:rPr lang="en-US" sz="3000" dirty="0">
-                <a:latin typeface="Courier New" pitchFamily="49" charset="0"/>
-              </a:rPr>
-              <a:t>DataBound controls are associated to a Data Source Control through the property DataSourceID</a:t>
-            </a:r>
+            <a:pPr algn="ctr">
+              <a:lnSpc>
+                <a:spcPct val="95000"/>
+              </a:lnSpc>
+            </a:pPr>
+            <a:r>
+              <a:rPr lang="en-US" sz="2800">
+                <a:solidFill>
+                  <a:schemeClr val="tx1"/>
+                </a:solidFill>
+                <a:effectLst>
+                  <a:outerShdw blurRad="38100" dist="38100" dir="2700000" algn="tl">
+                    <a:srgbClr xmlns:mc="http://schemas.openxmlformats.org/markup-compatibility/2006" xmlns:a14="http://schemas.microsoft.com/office/drawing/2010/main" val="FFFFFF" mc:Ignorable=""/>
+                  </a:outerShdw>
+                </a:effectLst>
+              </a:rPr>
+              <a:t>Live Demo</a:t>
+            </a:r>
+            <a:endParaRPr lang="bg-BG" sz="2800">
+              <a:solidFill>
+                <a:schemeClr val="tx1"/>
+              </a:solidFill>
+              <a:effectLst>
+                <a:outerShdw blurRad="38100" dist="38100" dir="2700000" algn="tl">
+                  <a:srgbClr xmlns:mc="http://schemas.openxmlformats.org/markup-compatibility/2006" xmlns:a14="http://schemas.microsoft.com/office/drawing/2010/main" val="FFFFFF" mc:Ignorable=""/>
+                </a:outerShdw>
+              </a:effectLst>
+            </a:endParaRPr>
+          </a:p>
+        </p:txBody>
+      </p:sp>
+      <p:sp>
+        <p:nvSpPr>
+          <p:cNvPr id="4" name="Content Placeholder 2"/>
+          <p:cNvSpPr txBox="1">
+            <a:spLocks/>
+          </p:cNvSpPr>
+          <p:nvPr/>
+        </p:nvSpPr>
+        <p:spPr>
+          <a:xfrm rot="20970789">
+            <a:off x="419786" y="4744033"/>
+            <a:ext cx="8686800" cy="1066800"/>
+          </a:xfrm>
+          <a:prstGeom prst="rect">
+            <a:avLst/>
+          </a:prstGeom>
+        </p:spPr>
+        <p:txBody>
+          <a:bodyPr lIns="0" tIns="0" rIns="0" bIns="0" anchor="ctr" anchorCtr="0"/>
+          <a:lstStyle>
+            <a:lvl1pPr marL="0" indent="0" algn="ctr" rtl="0" eaLnBrk="0" fontAlgn="base" hangingPunct="0">
+              <a:spcBef>
+                <a:spcPct val="20000"/>
+              </a:spcBef>
+              <a:spcAft>
+                <a:spcPct val="0"/>
+              </a:spcAft>
+              <a:buClr>
+                <a:schemeClr val="accent5">
+                  <a:lumMod val="40000"/>
+                  <a:lumOff val="60000"/>
+                </a:schemeClr>
+              </a:buClr>
+              <a:buSzPct val="70000"/>
+              <a:buFont typeface="Wingdings 2" pitchFamily="18" charset="2"/>
+              <a:buNone/>
+              <a:defRPr lang="en-US" sz="2800" b="1" kern="1200" baseline="0" dirty="0">
+                <a:solidFill>
+                  <a:srgbClr xmlns:mc="http://schemas.openxmlformats.org/markup-compatibility/2006" xmlns:a14="http://schemas.microsoft.com/office/drawing/2010/main" val="FAF7C8" mc:Ignorable=""/>
+                </a:solidFill>
+                <a:effectLst>
+                  <a:outerShdw blurRad="38100" dist="38100" dir="2700000" algn="tl">
+                    <a:srgbClr xmlns:mc="http://schemas.openxmlformats.org/markup-compatibility/2006" xmlns:a14="http://schemas.microsoft.com/office/drawing/2010/main" val="000000" mc:Ignorable="">
+                      <a:alpha val="43137"/>
+                    </a:srgbClr>
+                  </a:outerShdw>
+                </a:effectLst>
+                <a:latin typeface="+mn-lt"/>
+                <a:ea typeface="+mn-ea"/>
+                <a:cs typeface="+mn-cs"/>
+              </a:defRPr>
+            </a:lvl1pPr>
+            <a:lvl2pPr marL="457200" indent="0" algn="ctr" rtl="0" eaLnBrk="0" fontAlgn="base" hangingPunct="0">
+              <a:spcBef>
+                <a:spcPct val="20000"/>
+              </a:spcBef>
+              <a:spcAft>
+                <a:spcPct val="0"/>
+              </a:spcAft>
+              <a:buClr>
+                <a:schemeClr val="accent2">
+                  <a:lumMod val="60000"/>
+                  <a:lumOff val="40000"/>
+                </a:schemeClr>
+              </a:buClr>
+              <a:buFont typeface="Wingdings 2" pitchFamily="18" charset="2"/>
+              <a:buNone/>
+              <a:defRPr sz="3000" b="1" kern="1200">
+                <a:solidFill>
+                  <a:schemeClr val="tx1">
+                    <a:lumMod val="20000"/>
+                    <a:lumOff val="80000"/>
+                  </a:schemeClr>
+                </a:solidFill>
+                <a:effectLst>
+                  <a:outerShdw blurRad="38100" dist="38100" dir="2700000" algn="tl">
+                    <a:srgbClr xmlns:mc="http://schemas.openxmlformats.org/markup-compatibility/2006" xmlns:a14="http://schemas.microsoft.com/office/drawing/2010/main" val="000000" mc:Ignorable="">
+                      <a:alpha val="43137"/>
+                    </a:srgbClr>
+                  </a:outerShdw>
+                </a:effectLst>
+                <a:latin typeface="+mn-lt"/>
+                <a:ea typeface="+mn-ea"/>
+                <a:cs typeface="+mn-cs"/>
+              </a:defRPr>
+            </a:lvl2pPr>
+            <a:lvl3pPr marL="914400" indent="0" algn="ctr" rtl="0" eaLnBrk="0" fontAlgn="base" hangingPunct="0">
+              <a:spcBef>
+                <a:spcPct val="20000"/>
+              </a:spcBef>
+              <a:spcAft>
+                <a:spcPct val="0"/>
+              </a:spcAft>
+              <a:buClr>
+                <a:schemeClr val="tx1">
+                  <a:lumMod val="50000"/>
+                </a:schemeClr>
+              </a:buClr>
+              <a:buFont typeface="Wingdings 2" pitchFamily="18" charset="2"/>
+              <a:buNone/>
+              <a:defRPr sz="2800" b="1" kern="1200">
+                <a:solidFill>
+                  <a:schemeClr val="tx1">
+                    <a:lumMod val="20000"/>
+                    <a:lumOff val="80000"/>
+                  </a:schemeClr>
+                </a:solidFill>
+                <a:effectLst>
+                  <a:outerShdw blurRad="38100" dist="38100" dir="2700000" algn="tl">
+                    <a:srgbClr xmlns:mc="http://schemas.openxmlformats.org/markup-compatibility/2006" xmlns:a14="http://schemas.microsoft.com/office/drawing/2010/main" val="000000" mc:Ignorable="">
+                      <a:alpha val="43137"/>
+                    </a:srgbClr>
+                  </a:outerShdw>
+                </a:effectLst>
+                <a:latin typeface="+mn-lt"/>
+                <a:ea typeface="+mn-ea"/>
+                <a:cs typeface="+mn-cs"/>
+              </a:defRPr>
+            </a:lvl3pPr>
+            <a:lvl4pPr marL="1371600" indent="0" algn="ctr" rtl="0" eaLnBrk="0" fontAlgn="base" hangingPunct="0">
+              <a:spcBef>
+                <a:spcPct val="20000"/>
+              </a:spcBef>
+              <a:spcAft>
+                <a:spcPct val="0"/>
+              </a:spcAft>
+              <a:buClr>
+                <a:srgbClr xmlns:mc="http://schemas.openxmlformats.org/markup-compatibility/2006" xmlns:a14="http://schemas.microsoft.com/office/drawing/2010/main" val="F8BD52" mc:Ignorable=""/>
+              </a:buClr>
+              <a:buFont typeface="Wingdings 2" pitchFamily="18" charset="2"/>
+              <a:buNone/>
+              <a:defRPr sz="2600" b="1" kern="1200">
+                <a:solidFill>
+                  <a:schemeClr val="tx1">
+                    <a:lumMod val="20000"/>
+                    <a:lumOff val="80000"/>
+                  </a:schemeClr>
+                </a:solidFill>
+                <a:effectLst>
+                  <a:outerShdw blurRad="38100" dist="38100" dir="2700000" algn="tl">
+                    <a:srgbClr xmlns:mc="http://schemas.openxmlformats.org/markup-compatibility/2006" xmlns:a14="http://schemas.microsoft.com/office/drawing/2010/main" val="000000" mc:Ignorable="">
+                      <a:alpha val="43137"/>
+                    </a:srgbClr>
+                  </a:outerShdw>
+                </a:effectLst>
+                <a:latin typeface="+mn-lt"/>
+                <a:ea typeface="+mn-ea"/>
+                <a:cs typeface="+mn-cs"/>
+              </a:defRPr>
+            </a:lvl4pPr>
+            <a:lvl5pPr marL="1828800" indent="0" algn="ctr" rtl="0" eaLnBrk="0" fontAlgn="base" hangingPunct="0">
+              <a:spcBef>
+                <a:spcPct val="20000"/>
+              </a:spcBef>
+              <a:spcAft>
+                <a:spcPct val="0"/>
+              </a:spcAft>
+              <a:buClr>
+                <a:srgbClr xmlns:mc="http://schemas.openxmlformats.org/markup-compatibility/2006" xmlns:a14="http://schemas.microsoft.com/office/drawing/2010/main" val="46A6BD" mc:Ignorable=""/>
+              </a:buClr>
+              <a:buFont typeface="Wingdings 2" pitchFamily="18" charset="2"/>
+              <a:buNone/>
+              <a:defRPr sz="2400" b="1" kern="1200">
+                <a:solidFill>
+                  <a:schemeClr val="tx1">
+                    <a:lumMod val="20000"/>
+                    <a:lumOff val="80000"/>
+                  </a:schemeClr>
+                </a:solidFill>
+                <a:effectLst>
+                  <a:outerShdw blurRad="38100" dist="38100" dir="2700000" algn="tl">
+                    <a:srgbClr xmlns:mc="http://schemas.openxmlformats.org/markup-compatibility/2006" xmlns:a14="http://schemas.microsoft.com/office/drawing/2010/main" val="000000" mc:Ignorable="">
+                      <a:alpha val="43137"/>
+                    </a:srgbClr>
+                  </a:outerShdw>
+                </a:effectLst>
+                <a:latin typeface="+mn-lt"/>
+                <a:ea typeface="+mn-ea"/>
+                <a:cs typeface="+mn-cs"/>
+              </a:defRPr>
+            </a:lvl5pPr>
+            <a:lvl6pPr marL="2286000" indent="0" algn="ctr" rtl="0" eaLnBrk="1" latinLnBrk="0" hangingPunct="1">
+              <a:spcBef>
+                <a:spcPct val="20000"/>
+              </a:spcBef>
+              <a:buClr>
+                <a:schemeClr val="accent6"/>
+              </a:buClr>
+              <a:buFont typeface="Wingdings 2"/>
+              <a:buNone/>
+              <a:defRPr sz="1800" kern="1200">
+                <a:solidFill>
+                  <a:schemeClr val="tx1"/>
+                </a:solidFill>
+                <a:latin typeface="+mn-lt"/>
+                <a:ea typeface="+mn-ea"/>
+                <a:cs typeface="+mn-cs"/>
+              </a:defRPr>
+            </a:lvl6pPr>
+            <a:lvl7pPr marL="2743200" indent="0" algn="ctr" rtl="0" eaLnBrk="1" latinLnBrk="0" hangingPunct="1">
+              <a:spcBef>
+                <a:spcPct val="20000"/>
+              </a:spcBef>
+              <a:buClr>
+                <a:schemeClr val="tx2"/>
+              </a:buClr>
+              <a:buFont typeface="Wingdings 2"/>
+              <a:buNone/>
+              <a:defRPr sz="1600" kern="1200">
+                <a:solidFill>
+                  <a:schemeClr val="tx1"/>
+                </a:solidFill>
+                <a:latin typeface="+mn-lt"/>
+                <a:ea typeface="+mn-ea"/>
+                <a:cs typeface="+mn-cs"/>
+              </a:defRPr>
+            </a:lvl7pPr>
+            <a:lvl8pPr marL="3200400" indent="0" algn="ctr" rtl="0" eaLnBrk="1" latinLnBrk="0" hangingPunct="1">
+              <a:spcBef>
+                <a:spcPct val="20000"/>
+              </a:spcBef>
+              <a:buClr>
+                <a:schemeClr val="tx2"/>
+              </a:buClr>
+              <a:buFont typeface="Wingdings 2"/>
+              <a:buNone/>
+              <a:defRPr sz="1400" kern="1200">
+                <a:solidFill>
+                  <a:schemeClr val="tx1"/>
+                </a:solidFill>
+                <a:latin typeface="+mn-lt"/>
+                <a:ea typeface="+mn-ea"/>
+                <a:cs typeface="+mn-cs"/>
+              </a:defRPr>
+            </a:lvl8pPr>
+            <a:lvl9pPr marL="3657600" indent="0" algn="ctr" rtl="0" eaLnBrk="1" latinLnBrk="0" hangingPunct="1">
+              <a:spcBef>
+                <a:spcPct val="20000"/>
+              </a:spcBef>
+              <a:buClr>
+                <a:schemeClr val="tx2"/>
+              </a:buClr>
+              <a:buFont typeface="Wingdings 2"/>
+              <a:buNone/>
+              <a:defRPr sz="1400" kern="1200">
+                <a:solidFill>
+                  <a:schemeClr val="tx1"/>
+                </a:solidFill>
+                <a:latin typeface="+mn-lt"/>
+                <a:ea typeface="+mn-ea"/>
+                <a:cs typeface="+mn-cs"/>
+              </a:defRPr>
+            </a:lvl9pPr>
+          </a:lstStyle>
+          <a:p>
+            <a:r>
+              <a:rPr lang="en-US" i="1" dirty="0" smtClean="0"/>
+              <a:t>“</a:t>
+            </a:r>
+            <a:r>
+              <a:rPr lang="en-US" i="1" dirty="0"/>
+              <a:t>Programs for sale:  fast, reliable, cheap </a:t>
+            </a:r>
+            <a:r>
+              <a:rPr lang="en-US" i="1" dirty="0" smtClean="0"/>
+              <a:t>…</a:t>
+            </a:r>
+          </a:p>
+          <a:p>
+            <a:r>
+              <a:rPr lang="en-US" i="1" dirty="0" smtClean="0"/>
+              <a:t>Choose two”</a:t>
+            </a:r>
+            <a:endParaRPr lang="en-US" i="1" noProof="1"/>
           </a:p>
         </p:txBody>
       </p:sp>
     </p:spTree>
     <p:extLst>
       <p:ext uri="{BB962C8B-B14F-4D97-AF65-F5344CB8AC3E}">
-        <p14:creationId xmlns:p14="http://schemas.microsoft.com/office/powerpoint/2010/main" val="852842153"/>
+        <p14:creationId xmlns:p14="http://schemas.microsoft.com/office/powerpoint/2010/main" val="1197562674"/>
       </p:ext>
     </p:extLst>
   </p:cSld>
   <p:clrMapOvr>
     <a:masterClrMapping/>
   </p:clrMapOvr>
-  <mc:AlternateContent xmlns:mc="http://schemas.openxmlformats.org/markup-compatibility/2006" xmlns:p14="http://schemas.microsoft.com/office/powerpoint/2010/main">
-    <mc:Choice Requires="p14">
-      <p:transition spd="slow" p14:dur="2000"/>
-    </mc:Choice>
-    <mc:Fallback xmlns="">
-      <p:transition xmlns:p14="http://schemas.microsoft.com/office/powerpoint/2010/main" spd="slow"/>
-    </mc:Fallback>
-  </mc:AlternateContent>
+  <p:timing>
+    <p:tnLst>
+      <p:par>
+        <p:cTn xmlns:p14="http://schemas.microsoft.com/office/powerpoint/2010/main" id="1" dur="indefinite" restart="never" nodeType="tmRoot"/>
+      </p:par>
+    </p:tnLst>
+  </p:timing>
 </p:sld>
 </file>
 
@@ -14511,13 +15067,10 @@
           <a:lstStyle/>
           <a:p>
             <a:r>
-              <a:rPr lang="en-US" sz="3600" dirty="0">
-                <a:solidFill>
-                  <a:schemeClr val="tx1"/>
-                </a:solidFill>
+              <a:rPr lang="bg-BG" sz="3600" dirty="0">
                 <a:latin typeface="Courier New" pitchFamily="49" charset="0"/>
               </a:rPr>
-              <a:t>SqlDataSource</a:t>
+              <a:t>LinqDataSource</a:t>
             </a:r>
             <a:endParaRPr lang="bg-BG" sz="3600" dirty="0"/>
           </a:p>
@@ -14539,95 +15092,77 @@
           <a:lstStyle/>
           <a:p>
             <a:r>
-              <a:rPr lang="en-US" sz="3000" dirty="0">
-                <a:latin typeface="Courier New" pitchFamily="49" charset="0"/>
-              </a:rPr>
-              <a:t>Provides connection to a database (MS SQL, Oracle etc.)</a:t>
-            </a:r>
-          </a:p>
-          <a:p>
-            <a:r>
-              <a:rPr lang="en-US" sz="3000" dirty="0">
-                <a:latin typeface="Courier New" pitchFamily="49" charset="0"/>
-              </a:rPr>
-              <a:t>Data is manipulated by using commands</a:t>
-            </a:r>
-          </a:p>
-          <a:p>
-            <a:pPr lvl="1"/>
-            <a:r>
               <a:rPr lang="en-US" sz="2800" dirty="0">
                 <a:latin typeface="Courier New" pitchFamily="49" charset="0"/>
               </a:rPr>
-              <a:t>Select, Update, Insert and Delete</a:t>
-            </a:r>
-          </a:p>
-          <a:p>
-            <a:pPr lvl="1"/>
+              <a:t>The LinqDataSource is designed to bind against a LINQ enabled data model</a:t>
+            </a:r>
+          </a:p>
+          <a:p>
+            <a:r>
+              <a:rPr lang="en-US" sz="2800" dirty="0" smtClean="0">
+                <a:latin typeface="Courier New" pitchFamily="49" charset="0"/>
+              </a:rPr>
+              <a:t>Ways </a:t>
+            </a:r>
             <a:r>
               <a:rPr lang="en-US" sz="2800" dirty="0">
                 <a:latin typeface="Courier New" pitchFamily="49" charset="0"/>
               </a:rPr>
-              <a:t>Commands can be either SQL queries or the name of a stored procedure</a:t>
-            </a:r>
-          </a:p>
-          <a:p>
-            <a:r>
-              <a:rPr lang="en-US" sz="3000" dirty="0">
+              <a:t>to connect a data control to a wide variety of data sources</a:t>
+            </a:r>
+          </a:p>
+          <a:p>
+            <a:pPr lvl="1"/>
+            <a:r>
+              <a:rPr lang="en-US" sz="2600" dirty="0">
                 <a:latin typeface="Courier New" pitchFamily="49" charset="0"/>
               </a:rPr>
-              <a:t>Uses </a:t>
-            </a:r>
-            <a:r>
-              <a:rPr lang="en-US" sz="3000" dirty="0" err="1">
+              <a:t>Database data</a:t>
+            </a:r>
+          </a:p>
+          <a:p>
+            <a:pPr lvl="1"/>
+            <a:r>
+              <a:rPr lang="en-US" sz="2600" dirty="0">
                 <a:latin typeface="Courier New" pitchFamily="49" charset="0"/>
               </a:rPr>
-              <a:t>DataSet</a:t>
-            </a:r>
-            <a:r>
-              <a:rPr lang="en-US" sz="3000" dirty="0">
+              <a:t>Data-source classes</a:t>
+            </a:r>
+          </a:p>
+          <a:p>
+            <a:pPr lvl="1"/>
+            <a:r>
+              <a:rPr lang="en-US" sz="2600" dirty="0">
                 <a:latin typeface="Courier New" pitchFamily="49" charset="0"/>
               </a:rPr>
-              <a:t> by default</a:t>
-            </a:r>
-          </a:p>
-          <a:p>
-            <a:pPr lvl="1"/>
+              <a:t>And in-memory collections</a:t>
+            </a:r>
+          </a:p>
+          <a:p>
             <a:r>
               <a:rPr lang="en-US" sz="2800" dirty="0">
                 <a:latin typeface="Courier New" pitchFamily="49" charset="0"/>
               </a:rPr>
-              <a:t>The property </a:t>
-            </a:r>
-            <a:r>
-              <a:rPr lang="en-US" sz="2800" dirty="0" err="1">
+              <a:t>You can connect </a:t>
+            </a:r>
+            <a:r>
+              <a:rPr lang="en-US" sz="2800" dirty="0" smtClean="0">
                 <a:latin typeface="Courier New" pitchFamily="49" charset="0"/>
               </a:rPr>
-              <a:t>DataSourceMode</a:t>
+              <a:t>to </a:t>
             </a:r>
             <a:r>
               <a:rPr lang="en-US" sz="2800" dirty="0">
                 <a:latin typeface="Courier New" pitchFamily="49" charset="0"/>
               </a:rPr>
-              <a:t> sets whether to use </a:t>
-            </a:r>
-            <a:r>
-              <a:rPr lang="en-US" sz="2800" dirty="0" err="1">
+              <a:t>any kind of data collection that is </a:t>
+            </a:r>
+            <a:r>
+              <a:rPr lang="en-US" sz="2800" dirty="0" smtClean="0">
                 <a:latin typeface="Courier New" pitchFamily="49" charset="0"/>
               </a:rPr>
-              <a:t>DataSet</a:t>
-            </a:r>
-            <a:r>
-              <a:rPr lang="en-US" sz="2800" dirty="0">
-                <a:latin typeface="Courier New" pitchFamily="49" charset="0"/>
-              </a:rPr>
-              <a:t> or </a:t>
-            </a:r>
-            <a:r>
-              <a:rPr lang="en-US" sz="2800" dirty="0" err="1">
-                <a:latin typeface="Courier New" pitchFamily="49" charset="0"/>
-              </a:rPr>
-              <a:t>DataReader</a:t>
+              <a:t>public</a:t>
             </a:r>
             <a:endParaRPr lang="en-US" sz="2800" dirty="0">
               <a:latin typeface="Courier New" pitchFamily="49" charset="0"/>
@@ -14638,7 +15173,7 @@
     </p:spTree>
     <p:extLst>
       <p:ext uri="{BB962C8B-B14F-4D97-AF65-F5344CB8AC3E}">
-        <p14:creationId xmlns:p14="http://schemas.microsoft.com/office/powerpoint/2010/main" val="3942261190"/>
+        <p14:creationId xmlns:p14="http://schemas.microsoft.com/office/powerpoint/2010/main" val="3338684011"/>
       </p:ext>
     </p:extLst>
   </p:cSld>
@@ -14653,6 +15188,13 @@
       <p:transition xmlns:p14="http://schemas.microsoft.com/office/powerpoint/2010/main" spd="slow"/>
     </mc:Fallback>
   </mc:AlternateContent>
+  <p:timing>
+    <p:tnLst>
+      <p:par>
+        <p:cTn xmlns:p14="http://schemas.microsoft.com/office/powerpoint/2010/main" id="1" dur="indefinite" restart="never" nodeType="tmRoot"/>
+      </p:par>
+    </p:tnLst>
+  </p:timing>
 </p:sld>
 </file>
 
@@ -14675,316 +15217,6 @@
       </p:grpSpPr>
       <p:sp>
         <p:nvSpPr>
-          <p:cNvPr id="587778" name="Rectangle 2"/>
-          <p:cNvSpPr>
-            <a:spLocks noGrp="1" noChangeArrowheads="1"/>
-          </p:cNvSpPr>
-          <p:nvPr>
-            <p:ph type="ctrTitle"/>
-          </p:nvPr>
-        </p:nvSpPr>
-        <p:spPr>
-          <a:xfrm>
-            <a:off x="1260475" y="2997200"/>
-            <a:ext cx="6696075" cy="636588"/>
-          </a:xfrm>
-        </p:spPr>
-        <p:txBody>
-          <a:bodyPr/>
-          <a:lstStyle/>
-          <a:p>
-            <a:r>
-              <a:rPr lang="en-US" dirty="0">
-                <a:solidFill>
-                  <a:schemeClr val="tx1"/>
-                </a:solidFill>
-              </a:rPr>
-              <a:t>Using SqlDataSource</a:t>
-            </a:r>
-            <a:endParaRPr lang="bg-BG" dirty="0">
-              <a:solidFill>
-                <a:schemeClr val="tx1"/>
-              </a:solidFill>
-            </a:endParaRPr>
-          </a:p>
-        </p:txBody>
-      </p:sp>
-      <p:sp>
-        <p:nvSpPr>
-          <p:cNvPr id="587779" name="Rectangle 3"/>
-          <p:cNvSpPr>
-            <a:spLocks noChangeArrowheads="1"/>
-          </p:cNvSpPr>
-          <p:nvPr/>
-        </p:nvSpPr>
-        <p:spPr bwMode="auto">
-          <a:xfrm>
-            <a:off x="1042988" y="3862388"/>
-            <a:ext cx="7056437" cy="406400"/>
-          </a:xfrm>
-          <a:prstGeom prst="rect">
-            <a:avLst/>
-          </a:prstGeom>
-          <a:noFill/>
-          <a:ln>
-            <a:noFill/>
-          </a:ln>
-          <a:effectLst/>
-          <a:extLst>
-            <a:ext uri="{909E8E84-426E-40DD-AFC4-6F175D3DCCD1}">
-              <a14:hiddenFill xmlns:a14="http://schemas.microsoft.com/office/drawing/2010/main">
-                <a:solidFill>
-                  <a:schemeClr val="accent1"/>
-                </a:solidFill>
-              </a14:hiddenFill>
-            </a:ext>
-            <a:ext uri="{91240B29-F687-4F45-9708-019B960494DF}">
-              <a14:hiddenLine xmlns:a14="http://schemas.microsoft.com/office/drawing/2010/main" w="9525">
-                <a:solidFill>
-                  <a:schemeClr val="tx1"/>
-                </a:solidFill>
-                <a:miter lim="800000"/>
-                <a:headEnd/>
-                <a:tailEnd/>
-              </a14:hiddenLine>
-            </a:ext>
-            <a:ext uri="{AF507438-7753-43E0-B8FC-AC1667EBCBE1}">
-              <a14:hiddenEffects xmlns:a14="http://schemas.microsoft.com/office/drawing/2010/main">
-                <a:effectLst>
-                  <a:outerShdw dist="35921" dir="2700000" algn="ctr" rotWithShape="0">
-                    <a:schemeClr val="bg2"/>
-                  </a:outerShdw>
-                </a:effectLst>
-              </a14:hiddenEffects>
-            </a:ext>
-          </a:extLst>
-        </p:spPr>
-        <p:txBody>
-          <a:bodyPr lIns="0" tIns="0" rIns="0" bIns="0" anchor="b">
-            <a:spAutoFit/>
-          </a:bodyPr>
-          <a:lstStyle/>
-          <a:p>
-            <a:pPr algn="ctr">
-              <a:lnSpc>
-                <a:spcPct val="95000"/>
-              </a:lnSpc>
-            </a:pPr>
-            <a:r>
-              <a:rPr lang="en-US" sz="2800">
-                <a:solidFill>
-                  <a:schemeClr val="tx1"/>
-                </a:solidFill>
-                <a:effectLst>
-                  <a:outerShdw blurRad="38100" dist="38100" dir="2700000" algn="tl">
-                    <a:srgbClr xmlns:mc="http://schemas.openxmlformats.org/markup-compatibility/2006" xmlns:a14="http://schemas.microsoft.com/office/drawing/2010/main" val="FFFFFF" mc:Ignorable=""/>
-                  </a:outerShdw>
-                </a:effectLst>
-              </a:rPr>
-              <a:t>Live Demo</a:t>
-            </a:r>
-            <a:endParaRPr lang="bg-BG" sz="2800">
-              <a:solidFill>
-                <a:schemeClr val="tx1"/>
-              </a:solidFill>
-              <a:effectLst>
-                <a:outerShdw blurRad="38100" dist="38100" dir="2700000" algn="tl">
-                  <a:srgbClr xmlns:mc="http://schemas.openxmlformats.org/markup-compatibility/2006" xmlns:a14="http://schemas.microsoft.com/office/drawing/2010/main" val="FFFFFF" mc:Ignorable=""/>
-                </a:outerShdw>
-              </a:effectLst>
-            </a:endParaRPr>
-          </a:p>
-        </p:txBody>
-      </p:sp>
-    </p:spTree>
-    <p:extLst>
-      <p:ext uri="{BB962C8B-B14F-4D97-AF65-F5344CB8AC3E}">
-        <p14:creationId xmlns:p14="http://schemas.microsoft.com/office/powerpoint/2010/main" val="1197562674"/>
-      </p:ext>
-    </p:extLst>
-  </p:cSld>
-  <p:clrMapOvr>
-    <a:masterClrMapping/>
-  </p:clrMapOvr>
-</p:sld>
-</file>
-
-<file path=ppt/slides/slide42.xml><?xml version="1.0" encoding="utf-8"?>
-<p:sld xmlns:a="http://schemas.openxmlformats.org/drawingml/2006/main" xmlns:r="http://schemas.openxmlformats.org/officeDocument/2006/relationships" xmlns:p="http://schemas.openxmlformats.org/presentationml/2006/main">
-  <p:cSld>
-    <p:spTree>
-      <p:nvGrpSpPr>
-        <p:cNvPr id="1" name=""/>
-        <p:cNvGrpSpPr/>
-        <p:nvPr/>
-      </p:nvGrpSpPr>
-      <p:grpSpPr>
-        <a:xfrm>
-          <a:off x="0" y="0"/>
-          <a:ext cx="0" cy="0"/>
-          <a:chOff x="0" y="0"/>
-          <a:chExt cx="0" cy="0"/>
-        </a:xfrm>
-      </p:grpSpPr>
-      <p:sp>
-        <p:nvSpPr>
-          <p:cNvPr id="582658" name="Rectangle 2"/>
-          <p:cNvSpPr>
-            <a:spLocks noGrp="1" noChangeArrowheads="1"/>
-          </p:cNvSpPr>
-          <p:nvPr>
-            <p:ph type="title"/>
-          </p:nvPr>
-        </p:nvSpPr>
-        <p:spPr/>
-        <p:txBody>
-          <a:bodyPr/>
-          <a:lstStyle/>
-          <a:p>
-            <a:r>
-              <a:rPr lang="bg-BG" sz="3600" dirty="0">
-                <a:latin typeface="Courier New" pitchFamily="49" charset="0"/>
-              </a:rPr>
-              <a:t>LinqDataSource</a:t>
-            </a:r>
-            <a:endParaRPr lang="bg-BG" sz="3600" dirty="0"/>
-          </a:p>
-        </p:txBody>
-      </p:sp>
-      <p:sp>
-        <p:nvSpPr>
-          <p:cNvPr id="582659" name="Rectangle 3"/>
-          <p:cNvSpPr>
-            <a:spLocks noGrp="1" noChangeArrowheads="1"/>
-          </p:cNvSpPr>
-          <p:nvPr>
-            <p:ph type="body" idx="1"/>
-          </p:nvPr>
-        </p:nvSpPr>
-        <p:spPr/>
-        <p:txBody>
-          <a:bodyPr/>
-          <a:lstStyle/>
-          <a:p>
-            <a:r>
-              <a:rPr lang="en-US" sz="2800" dirty="0">
-                <a:latin typeface="Courier New" pitchFamily="49" charset="0"/>
-              </a:rPr>
-              <a:t>The LinqDataSource is designed to bind against a LINQ enabled data model</a:t>
-            </a:r>
-          </a:p>
-          <a:p>
-            <a:r>
-              <a:rPr lang="en-US" sz="2800" dirty="0" smtClean="0">
-                <a:latin typeface="Courier New" pitchFamily="49" charset="0"/>
-              </a:rPr>
-              <a:t>Ways </a:t>
-            </a:r>
-            <a:r>
-              <a:rPr lang="en-US" sz="2800" dirty="0">
-                <a:latin typeface="Courier New" pitchFamily="49" charset="0"/>
-              </a:rPr>
-              <a:t>to connect a data control to a wide variety of data sources</a:t>
-            </a:r>
-          </a:p>
-          <a:p>
-            <a:pPr lvl="1"/>
-            <a:r>
-              <a:rPr lang="en-US" sz="2600" dirty="0">
-                <a:latin typeface="Courier New" pitchFamily="49" charset="0"/>
-              </a:rPr>
-              <a:t>Database data</a:t>
-            </a:r>
-          </a:p>
-          <a:p>
-            <a:pPr lvl="1"/>
-            <a:r>
-              <a:rPr lang="en-US" sz="2600" dirty="0">
-                <a:latin typeface="Courier New" pitchFamily="49" charset="0"/>
-              </a:rPr>
-              <a:t>Data-source classes</a:t>
-            </a:r>
-          </a:p>
-          <a:p>
-            <a:pPr lvl="1"/>
-            <a:r>
-              <a:rPr lang="en-US" sz="2600" dirty="0">
-                <a:latin typeface="Courier New" pitchFamily="49" charset="0"/>
-              </a:rPr>
-              <a:t>And in-memory collections</a:t>
-            </a:r>
-          </a:p>
-          <a:p>
-            <a:r>
-              <a:rPr lang="en-US" sz="2800" dirty="0">
-                <a:latin typeface="Courier New" pitchFamily="49" charset="0"/>
-              </a:rPr>
-              <a:t>You can connect </a:t>
-            </a:r>
-            <a:r>
-              <a:rPr lang="en-US" sz="2800" dirty="0" smtClean="0">
-                <a:latin typeface="Courier New" pitchFamily="49" charset="0"/>
-              </a:rPr>
-              <a:t>to </a:t>
-            </a:r>
-            <a:r>
-              <a:rPr lang="en-US" sz="2800" dirty="0">
-                <a:latin typeface="Courier New" pitchFamily="49" charset="0"/>
-              </a:rPr>
-              <a:t>any kind of data collection that is </a:t>
-            </a:r>
-            <a:r>
-              <a:rPr lang="en-US" sz="2800" dirty="0" smtClean="0">
-                <a:latin typeface="Courier New" pitchFamily="49" charset="0"/>
-              </a:rPr>
-              <a:t>public</a:t>
-            </a:r>
-            <a:endParaRPr lang="en-US" sz="2800" dirty="0">
-              <a:latin typeface="Courier New" pitchFamily="49" charset="0"/>
-            </a:endParaRPr>
-          </a:p>
-        </p:txBody>
-      </p:sp>
-    </p:spTree>
-    <p:extLst>
-      <p:ext uri="{BB962C8B-B14F-4D97-AF65-F5344CB8AC3E}">
-        <p14:creationId xmlns:p14="http://schemas.microsoft.com/office/powerpoint/2010/main" val="3338684011"/>
-      </p:ext>
-    </p:extLst>
-  </p:cSld>
-  <p:clrMapOvr>
-    <a:masterClrMapping/>
-  </p:clrMapOvr>
-  <mc:AlternateContent xmlns:mc="http://schemas.openxmlformats.org/markup-compatibility/2006" xmlns:p14="http://schemas.microsoft.com/office/powerpoint/2010/main">
-    <mc:Choice Requires="p14">
-      <p:transition spd="slow" p14:dur="2000"/>
-    </mc:Choice>
-    <mc:Fallback xmlns="">
-      <p:transition xmlns:p14="http://schemas.microsoft.com/office/powerpoint/2010/main" spd="slow"/>
-    </mc:Fallback>
-  </mc:AlternateContent>
-</p:sld>
-</file>
-
-<file path=ppt/slides/slide43.xml><?xml version="1.0" encoding="utf-8"?>
-<p:sld xmlns:a="http://schemas.openxmlformats.org/drawingml/2006/main" xmlns:r="http://schemas.openxmlformats.org/officeDocument/2006/relationships" xmlns:p="http://schemas.openxmlformats.org/presentationml/2006/main">
-  <p:cSld>
-    <p:spTree>
-      <p:nvGrpSpPr>
-        <p:cNvPr id="1" name=""/>
-        <p:cNvGrpSpPr/>
-        <p:nvPr/>
-      </p:nvGrpSpPr>
-      <p:grpSpPr>
-        <a:xfrm>
-          <a:off x="0" y="0"/>
-          <a:ext cx="0" cy="0"/>
-          <a:chOff x="0" y="0"/>
-          <a:chExt cx="0" cy="0"/>
-        </a:xfrm>
-      </p:grpSpPr>
-      <p:sp>
-        <p:nvSpPr>
           <p:cNvPr id="582658" name="Rectangle 2"/>
           <p:cNvSpPr>
             <a:spLocks noGrp="1" noChangeArrowheads="1"/>
@@ -15064,10 +15296,17 @@
       <p:transition xmlns:p14="http://schemas.microsoft.com/office/powerpoint/2010/main" spd="slow"/>
     </mc:Fallback>
   </mc:AlternateContent>
+  <p:timing>
+    <p:tnLst>
+      <p:par>
+        <p:cTn xmlns:p14="http://schemas.microsoft.com/office/powerpoint/2010/main" id="1" dur="indefinite" restart="never" nodeType="tmRoot"/>
+      </p:par>
+    </p:tnLst>
+  </p:timing>
 </p:sld>
 </file>
 
-<file path=ppt/slides/slide44.xml><?xml version="1.0" encoding="utf-8"?>
+<file path=ppt/slides/slide42.xml><?xml version="1.0" encoding="utf-8"?>
 <p:sld xmlns:a="http://schemas.openxmlformats.org/drawingml/2006/main" xmlns:r="http://schemas.openxmlformats.org/officeDocument/2006/relationships" xmlns:p="http://schemas.openxmlformats.org/presentationml/2006/main">
   <p:cSld>
     <p:spTree>
@@ -15699,7 +15938,7 @@
 </p:sld>
 </file>
 
-<file path=ppt/slides/slide45.xml><?xml version="1.0" encoding="utf-8"?>
+<file path=ppt/slides/slide43.xml><?xml version="1.0" encoding="utf-8"?>
 <p:sld xmlns:a="http://schemas.openxmlformats.org/drawingml/2006/main" xmlns:r="http://schemas.openxmlformats.org/officeDocument/2006/relationships" xmlns:p="http://schemas.openxmlformats.org/presentationml/2006/main">
   <p:cSld>
     <p:spTree>
@@ -16178,7 +16417,7 @@
 </p:sld>
 </file>
 
-<file path=ppt/slides/slide46.xml><?xml version="1.0" encoding="utf-8"?>
+<file path=ppt/slides/slide44.xml><?xml version="1.0" encoding="utf-8"?>
 <p:sld xmlns:a="http://schemas.openxmlformats.org/drawingml/2006/main" xmlns:r="http://schemas.openxmlformats.org/officeDocument/2006/relationships" xmlns:p="http://schemas.openxmlformats.org/presentationml/2006/main">
   <p:cSld>
     <p:spTree>
@@ -16631,7 +16870,7 @@
 </p:sld>
 </file>
 
-<file path=ppt/slides/slide47.xml><?xml version="1.0" encoding="utf-8"?>
+<file path=ppt/slides/slide45.xml><?xml version="1.0" encoding="utf-8"?>
 <p:sld xmlns:a="http://schemas.openxmlformats.org/drawingml/2006/main" xmlns:r="http://schemas.openxmlformats.org/officeDocument/2006/relationships" xmlns:p="http://schemas.openxmlformats.org/presentationml/2006/main">
   <p:cSld>
     <p:spTree>
@@ -17123,6 +17362,578 @@
 </p:sld>
 </file>
 
+<file path=ppt/slides/slide46.xml><?xml version="1.0" encoding="utf-8"?>
+<p:sld xmlns:a="http://schemas.openxmlformats.org/drawingml/2006/main" xmlns:r="http://schemas.openxmlformats.org/officeDocument/2006/relationships" xmlns:p="http://schemas.openxmlformats.org/presentationml/2006/main">
+  <p:cSld>
+    <p:spTree>
+      <p:nvGrpSpPr>
+        <p:cNvPr id="1" name=""/>
+        <p:cNvGrpSpPr/>
+        <p:nvPr/>
+      </p:nvGrpSpPr>
+      <p:grpSpPr>
+        <a:xfrm>
+          <a:off x="0" y="0"/>
+          <a:ext cx="0" cy="0"/>
+          <a:chOff x="0" y="0"/>
+          <a:chExt cx="0" cy="0"/>
+        </a:xfrm>
+      </p:grpSpPr>
+      <p:sp>
+        <p:nvSpPr>
+          <p:cNvPr id="640002" name="Rectangle 2"/>
+          <p:cNvSpPr>
+            <a:spLocks noGrp="1" noChangeArrowheads="1"/>
+          </p:cNvSpPr>
+          <p:nvPr>
+            <p:ph type="ctrTitle"/>
+          </p:nvPr>
+        </p:nvSpPr>
+        <p:spPr>
+          <a:xfrm>
+            <a:off x="1260475" y="1600200"/>
+            <a:ext cx="6696075" cy="636588"/>
+          </a:xfrm>
+        </p:spPr>
+        <p:txBody>
+          <a:bodyPr/>
+          <a:lstStyle/>
+          <a:p>
+            <a:r>
+              <a:rPr lang="en-US" dirty="0">
+                <a:solidFill>
+                  <a:schemeClr val="tx1"/>
+                </a:solidFill>
+              </a:rPr>
+              <a:t>Using </a:t>
+            </a:r>
+            <a:r>
+              <a:rPr lang="bg-BG" dirty="0">
+                <a:latin typeface="Courier New" pitchFamily="49" charset="0"/>
+              </a:rPr>
+              <a:t>LinqDataSource</a:t>
+            </a:r>
+          </a:p>
+        </p:txBody>
+      </p:sp>
+      <p:sp>
+        <p:nvSpPr>
+          <p:cNvPr id="640003" name="Rectangle 3"/>
+          <p:cNvSpPr>
+            <a:spLocks noChangeArrowheads="1"/>
+          </p:cNvSpPr>
+          <p:nvPr/>
+        </p:nvSpPr>
+        <p:spPr bwMode="auto">
+          <a:xfrm>
+            <a:off x="1042988" y="2465388"/>
+            <a:ext cx="7056437" cy="406400"/>
+          </a:xfrm>
+          <a:prstGeom prst="rect">
+            <a:avLst/>
+          </a:prstGeom>
+          <a:noFill/>
+          <a:ln>
+            <a:noFill/>
+          </a:ln>
+          <a:effectLst/>
+          <a:extLst>
+            <a:ext uri="{909E8E84-426E-40DD-AFC4-6F175D3DCCD1}">
+              <a14:hiddenFill xmlns:a14="http://schemas.microsoft.com/office/drawing/2010/main">
+                <a:solidFill>
+                  <a:schemeClr val="accent1"/>
+                </a:solidFill>
+              </a14:hiddenFill>
+            </a:ext>
+            <a:ext uri="{91240B29-F687-4F45-9708-019B960494DF}">
+              <a14:hiddenLine xmlns:a14="http://schemas.microsoft.com/office/drawing/2010/main" w="9525">
+                <a:solidFill>
+                  <a:schemeClr val="tx1"/>
+                </a:solidFill>
+                <a:miter lim="800000"/>
+                <a:headEnd/>
+                <a:tailEnd/>
+              </a14:hiddenLine>
+            </a:ext>
+            <a:ext uri="{AF507438-7753-43E0-B8FC-AC1667EBCBE1}">
+              <a14:hiddenEffects xmlns:a14="http://schemas.microsoft.com/office/drawing/2010/main">
+                <a:effectLst>
+                  <a:outerShdw dist="35921" dir="2700000" algn="ctr" rotWithShape="0">
+                    <a:schemeClr val="bg2"/>
+                  </a:outerShdw>
+                </a:effectLst>
+              </a14:hiddenEffects>
+            </a:ext>
+          </a:extLst>
+        </p:spPr>
+        <p:txBody>
+          <a:bodyPr lIns="0" tIns="0" rIns="0" bIns="0" anchor="b">
+            <a:spAutoFit/>
+          </a:bodyPr>
+          <a:lstStyle/>
+          <a:p>
+            <a:pPr algn="ctr">
+              <a:lnSpc>
+                <a:spcPct val="95000"/>
+              </a:lnSpc>
+            </a:pPr>
+            <a:r>
+              <a:rPr lang="en-US" sz="2800" dirty="0">
+                <a:solidFill>
+                  <a:schemeClr val="tx1"/>
+                </a:solidFill>
+                <a:effectLst>
+                  <a:outerShdw blurRad="38100" dist="38100" dir="2700000" algn="tl">
+                    <a:srgbClr xmlns:mc="http://schemas.openxmlformats.org/markup-compatibility/2006" xmlns:a14="http://schemas.microsoft.com/office/drawing/2010/main" val="FFFFFF" mc:Ignorable=""/>
+                  </a:outerShdw>
+                </a:effectLst>
+              </a:rPr>
+              <a:t>Live Demo</a:t>
+            </a:r>
+            <a:endParaRPr lang="bg-BG" sz="2800" dirty="0">
+              <a:solidFill>
+                <a:schemeClr val="tx1"/>
+              </a:solidFill>
+              <a:effectLst>
+                <a:outerShdw blurRad="38100" dist="38100" dir="2700000" algn="tl">
+                  <a:srgbClr xmlns:mc="http://schemas.openxmlformats.org/markup-compatibility/2006" xmlns:a14="http://schemas.microsoft.com/office/drawing/2010/main" val="FFFFFF" mc:Ignorable=""/>
+                </a:outerShdw>
+              </a:effectLst>
+            </a:endParaRPr>
+          </a:p>
+        </p:txBody>
+      </p:sp>
+      <p:sp>
+        <p:nvSpPr>
+          <p:cNvPr id="4" name="Content Placeholder 2"/>
+          <p:cNvSpPr txBox="1">
+            <a:spLocks/>
+          </p:cNvSpPr>
+          <p:nvPr/>
+        </p:nvSpPr>
+        <p:spPr>
+          <a:xfrm rot="20970789">
+            <a:off x="419786" y="4744033"/>
+            <a:ext cx="8686800" cy="1066800"/>
+          </a:xfrm>
+          <a:prstGeom prst="rect">
+            <a:avLst/>
+          </a:prstGeom>
+        </p:spPr>
+        <p:txBody>
+          <a:bodyPr lIns="0" tIns="0" rIns="0" bIns="0" anchor="ctr" anchorCtr="0"/>
+          <a:lstStyle>
+            <a:lvl1pPr marL="0" indent="0" algn="ctr" rtl="0" eaLnBrk="0" fontAlgn="base" hangingPunct="0">
+              <a:spcBef>
+                <a:spcPct val="20000"/>
+              </a:spcBef>
+              <a:spcAft>
+                <a:spcPct val="0"/>
+              </a:spcAft>
+              <a:buClr>
+                <a:schemeClr val="accent5">
+                  <a:lumMod val="40000"/>
+                  <a:lumOff val="60000"/>
+                </a:schemeClr>
+              </a:buClr>
+              <a:buSzPct val="70000"/>
+              <a:buFont typeface="Wingdings 2" pitchFamily="18" charset="2"/>
+              <a:buNone/>
+              <a:defRPr lang="en-US" sz="2800" b="1" kern="1200" baseline="0" dirty="0">
+                <a:solidFill>
+                  <a:srgbClr xmlns:mc="http://schemas.openxmlformats.org/markup-compatibility/2006" xmlns:a14="http://schemas.microsoft.com/office/drawing/2010/main" val="FAF7C8" mc:Ignorable=""/>
+                </a:solidFill>
+                <a:effectLst>
+                  <a:outerShdw blurRad="38100" dist="38100" dir="2700000" algn="tl">
+                    <a:srgbClr xmlns:mc="http://schemas.openxmlformats.org/markup-compatibility/2006" xmlns:a14="http://schemas.microsoft.com/office/drawing/2010/main" val="000000" mc:Ignorable="">
+                      <a:alpha val="43137"/>
+                    </a:srgbClr>
+                  </a:outerShdw>
+                </a:effectLst>
+                <a:latin typeface="+mn-lt"/>
+                <a:ea typeface="+mn-ea"/>
+                <a:cs typeface="+mn-cs"/>
+              </a:defRPr>
+            </a:lvl1pPr>
+            <a:lvl2pPr marL="457200" indent="0" algn="ctr" rtl="0" eaLnBrk="0" fontAlgn="base" hangingPunct="0">
+              <a:spcBef>
+                <a:spcPct val="20000"/>
+              </a:spcBef>
+              <a:spcAft>
+                <a:spcPct val="0"/>
+              </a:spcAft>
+              <a:buClr>
+                <a:schemeClr val="accent2">
+                  <a:lumMod val="60000"/>
+                  <a:lumOff val="40000"/>
+                </a:schemeClr>
+              </a:buClr>
+              <a:buFont typeface="Wingdings 2" pitchFamily="18" charset="2"/>
+              <a:buNone/>
+              <a:defRPr sz="3000" b="1" kern="1200">
+                <a:solidFill>
+                  <a:schemeClr val="tx1">
+                    <a:lumMod val="20000"/>
+                    <a:lumOff val="80000"/>
+                  </a:schemeClr>
+                </a:solidFill>
+                <a:effectLst>
+                  <a:outerShdw blurRad="38100" dist="38100" dir="2700000" algn="tl">
+                    <a:srgbClr xmlns:mc="http://schemas.openxmlformats.org/markup-compatibility/2006" xmlns:a14="http://schemas.microsoft.com/office/drawing/2010/main" val="000000" mc:Ignorable="">
+                      <a:alpha val="43137"/>
+                    </a:srgbClr>
+                  </a:outerShdw>
+                </a:effectLst>
+                <a:latin typeface="+mn-lt"/>
+                <a:ea typeface="+mn-ea"/>
+                <a:cs typeface="+mn-cs"/>
+              </a:defRPr>
+            </a:lvl2pPr>
+            <a:lvl3pPr marL="914400" indent="0" algn="ctr" rtl="0" eaLnBrk="0" fontAlgn="base" hangingPunct="0">
+              <a:spcBef>
+                <a:spcPct val="20000"/>
+              </a:spcBef>
+              <a:spcAft>
+                <a:spcPct val="0"/>
+              </a:spcAft>
+              <a:buClr>
+                <a:schemeClr val="tx1">
+                  <a:lumMod val="50000"/>
+                </a:schemeClr>
+              </a:buClr>
+              <a:buFont typeface="Wingdings 2" pitchFamily="18" charset="2"/>
+              <a:buNone/>
+              <a:defRPr sz="2800" b="1" kern="1200">
+                <a:solidFill>
+                  <a:schemeClr val="tx1">
+                    <a:lumMod val="20000"/>
+                    <a:lumOff val="80000"/>
+                  </a:schemeClr>
+                </a:solidFill>
+                <a:effectLst>
+                  <a:outerShdw blurRad="38100" dist="38100" dir="2700000" algn="tl">
+                    <a:srgbClr xmlns:mc="http://schemas.openxmlformats.org/markup-compatibility/2006" xmlns:a14="http://schemas.microsoft.com/office/drawing/2010/main" val="000000" mc:Ignorable="">
+                      <a:alpha val="43137"/>
+                    </a:srgbClr>
+                  </a:outerShdw>
+                </a:effectLst>
+                <a:latin typeface="+mn-lt"/>
+                <a:ea typeface="+mn-ea"/>
+                <a:cs typeface="+mn-cs"/>
+              </a:defRPr>
+            </a:lvl3pPr>
+            <a:lvl4pPr marL="1371600" indent="0" algn="ctr" rtl="0" eaLnBrk="0" fontAlgn="base" hangingPunct="0">
+              <a:spcBef>
+                <a:spcPct val="20000"/>
+              </a:spcBef>
+              <a:spcAft>
+                <a:spcPct val="0"/>
+              </a:spcAft>
+              <a:buClr>
+                <a:srgbClr xmlns:mc="http://schemas.openxmlformats.org/markup-compatibility/2006" xmlns:a14="http://schemas.microsoft.com/office/drawing/2010/main" val="F8BD52" mc:Ignorable=""/>
+              </a:buClr>
+              <a:buFont typeface="Wingdings 2" pitchFamily="18" charset="2"/>
+              <a:buNone/>
+              <a:defRPr sz="2600" b="1" kern="1200">
+                <a:solidFill>
+                  <a:schemeClr val="tx1">
+                    <a:lumMod val="20000"/>
+                    <a:lumOff val="80000"/>
+                  </a:schemeClr>
+                </a:solidFill>
+                <a:effectLst>
+                  <a:outerShdw blurRad="38100" dist="38100" dir="2700000" algn="tl">
+                    <a:srgbClr xmlns:mc="http://schemas.openxmlformats.org/markup-compatibility/2006" xmlns:a14="http://schemas.microsoft.com/office/drawing/2010/main" val="000000" mc:Ignorable="">
+                      <a:alpha val="43137"/>
+                    </a:srgbClr>
+                  </a:outerShdw>
+                </a:effectLst>
+                <a:latin typeface="+mn-lt"/>
+                <a:ea typeface="+mn-ea"/>
+                <a:cs typeface="+mn-cs"/>
+              </a:defRPr>
+            </a:lvl4pPr>
+            <a:lvl5pPr marL="1828800" indent="0" algn="ctr" rtl="0" eaLnBrk="0" fontAlgn="base" hangingPunct="0">
+              <a:spcBef>
+                <a:spcPct val="20000"/>
+              </a:spcBef>
+              <a:spcAft>
+                <a:spcPct val="0"/>
+              </a:spcAft>
+              <a:buClr>
+                <a:srgbClr xmlns:mc="http://schemas.openxmlformats.org/markup-compatibility/2006" xmlns:a14="http://schemas.microsoft.com/office/drawing/2010/main" val="46A6BD" mc:Ignorable=""/>
+              </a:buClr>
+              <a:buFont typeface="Wingdings 2" pitchFamily="18" charset="2"/>
+              <a:buNone/>
+              <a:defRPr sz="2400" b="1" kern="1200">
+                <a:solidFill>
+                  <a:schemeClr val="tx1">
+                    <a:lumMod val="20000"/>
+                    <a:lumOff val="80000"/>
+                  </a:schemeClr>
+                </a:solidFill>
+                <a:effectLst>
+                  <a:outerShdw blurRad="38100" dist="38100" dir="2700000" algn="tl">
+                    <a:srgbClr xmlns:mc="http://schemas.openxmlformats.org/markup-compatibility/2006" xmlns:a14="http://schemas.microsoft.com/office/drawing/2010/main" val="000000" mc:Ignorable="">
+                      <a:alpha val="43137"/>
+                    </a:srgbClr>
+                  </a:outerShdw>
+                </a:effectLst>
+                <a:latin typeface="+mn-lt"/>
+                <a:ea typeface="+mn-ea"/>
+                <a:cs typeface="+mn-cs"/>
+              </a:defRPr>
+            </a:lvl5pPr>
+            <a:lvl6pPr marL="2286000" indent="0" algn="ctr" rtl="0" eaLnBrk="1" latinLnBrk="0" hangingPunct="1">
+              <a:spcBef>
+                <a:spcPct val="20000"/>
+              </a:spcBef>
+              <a:buClr>
+                <a:schemeClr val="accent6"/>
+              </a:buClr>
+              <a:buFont typeface="Wingdings 2"/>
+              <a:buNone/>
+              <a:defRPr sz="1800" kern="1200">
+                <a:solidFill>
+                  <a:schemeClr val="tx1"/>
+                </a:solidFill>
+                <a:latin typeface="+mn-lt"/>
+                <a:ea typeface="+mn-ea"/>
+                <a:cs typeface="+mn-cs"/>
+              </a:defRPr>
+            </a:lvl6pPr>
+            <a:lvl7pPr marL="2743200" indent="0" algn="ctr" rtl="0" eaLnBrk="1" latinLnBrk="0" hangingPunct="1">
+              <a:spcBef>
+                <a:spcPct val="20000"/>
+              </a:spcBef>
+              <a:buClr>
+                <a:schemeClr val="tx2"/>
+              </a:buClr>
+              <a:buFont typeface="Wingdings 2"/>
+              <a:buNone/>
+              <a:defRPr sz="1600" kern="1200">
+                <a:solidFill>
+                  <a:schemeClr val="tx1"/>
+                </a:solidFill>
+                <a:latin typeface="+mn-lt"/>
+                <a:ea typeface="+mn-ea"/>
+                <a:cs typeface="+mn-cs"/>
+              </a:defRPr>
+            </a:lvl7pPr>
+            <a:lvl8pPr marL="3200400" indent="0" algn="ctr" rtl="0" eaLnBrk="1" latinLnBrk="0" hangingPunct="1">
+              <a:spcBef>
+                <a:spcPct val="20000"/>
+              </a:spcBef>
+              <a:buClr>
+                <a:schemeClr val="tx2"/>
+              </a:buClr>
+              <a:buFont typeface="Wingdings 2"/>
+              <a:buNone/>
+              <a:defRPr sz="1400" kern="1200">
+                <a:solidFill>
+                  <a:schemeClr val="tx1"/>
+                </a:solidFill>
+                <a:latin typeface="+mn-lt"/>
+                <a:ea typeface="+mn-ea"/>
+                <a:cs typeface="+mn-cs"/>
+              </a:defRPr>
+            </a:lvl8pPr>
+            <a:lvl9pPr marL="3657600" indent="0" algn="ctr" rtl="0" eaLnBrk="1" latinLnBrk="0" hangingPunct="1">
+              <a:spcBef>
+                <a:spcPct val="20000"/>
+              </a:spcBef>
+              <a:buClr>
+                <a:schemeClr val="tx2"/>
+              </a:buClr>
+              <a:buFont typeface="Wingdings 2"/>
+              <a:buNone/>
+              <a:defRPr sz="1400" kern="1200">
+                <a:solidFill>
+                  <a:schemeClr val="tx1"/>
+                </a:solidFill>
+                <a:latin typeface="+mn-lt"/>
+                <a:ea typeface="+mn-ea"/>
+                <a:cs typeface="+mn-cs"/>
+              </a:defRPr>
+            </a:lvl9pPr>
+          </a:lstStyle>
+          <a:p>
+            <a:r>
+              <a:rPr lang="en-US" i="1" dirty="0" smtClean="0"/>
+              <a:t>“</a:t>
+            </a:r>
+            <a:r>
+              <a:rPr lang="en-US" i="1" dirty="0"/>
+              <a:t>The best performance improvement is the transition from the nonworking state to the working state</a:t>
+            </a:r>
+            <a:r>
+              <a:rPr lang="en-US" i="1" dirty="0" smtClean="0"/>
+              <a:t>.”</a:t>
+            </a:r>
+            <a:endParaRPr lang="en-US" i="1" noProof="1"/>
+          </a:p>
+        </p:txBody>
+      </p:sp>
+    </p:spTree>
+    <p:extLst>
+      <p:ext uri="{BB962C8B-B14F-4D97-AF65-F5344CB8AC3E}">
+        <p14:creationId xmlns:p14="http://schemas.microsoft.com/office/powerpoint/2010/main" val="2658786718"/>
+      </p:ext>
+    </p:extLst>
+  </p:cSld>
+  <p:clrMapOvr>
+    <a:masterClrMapping/>
+  </p:clrMapOvr>
+  <p:timing>
+    <p:tnLst>
+      <p:par>
+        <p:cTn xmlns:p14="http://schemas.microsoft.com/office/powerpoint/2010/main" id="1" dur="indefinite" restart="never" nodeType="tmRoot"/>
+      </p:par>
+    </p:tnLst>
+  </p:timing>
+</p:sld>
+</file>
+
+<file path=ppt/slides/slide47.xml><?xml version="1.0" encoding="utf-8"?>
+<p:sld xmlns:a="http://schemas.openxmlformats.org/drawingml/2006/main" xmlns:r="http://schemas.openxmlformats.org/officeDocument/2006/relationships" xmlns:p="http://schemas.openxmlformats.org/presentationml/2006/main">
+  <p:cSld>
+    <p:spTree>
+      <p:nvGrpSpPr>
+        <p:cNvPr id="1" name=""/>
+        <p:cNvGrpSpPr/>
+        <p:nvPr/>
+      </p:nvGrpSpPr>
+      <p:grpSpPr>
+        <a:xfrm>
+          <a:off x="0" y="0"/>
+          <a:ext cx="0" cy="0"/>
+          <a:chOff x="0" y="0"/>
+          <a:chExt cx="0" cy="0"/>
+        </a:xfrm>
+      </p:grpSpPr>
+      <p:sp>
+        <p:nvSpPr>
+          <p:cNvPr id="582658" name="Rectangle 2"/>
+          <p:cNvSpPr>
+            <a:spLocks noGrp="1" noChangeArrowheads="1"/>
+          </p:cNvSpPr>
+          <p:nvPr>
+            <p:ph type="title"/>
+          </p:nvPr>
+        </p:nvSpPr>
+        <p:spPr/>
+        <p:txBody>
+          <a:bodyPr/>
+          <a:lstStyle/>
+          <a:p>
+            <a:r>
+              <a:rPr lang="en-US" sz="3600" dirty="0">
+                <a:solidFill>
+                  <a:schemeClr val="tx1"/>
+                </a:solidFill>
+                <a:latin typeface="Courier New" pitchFamily="49" charset="0"/>
+              </a:rPr>
+              <a:t>ObjectDataSource</a:t>
+            </a:r>
+            <a:endParaRPr lang="bg-BG" sz="3600" dirty="0"/>
+          </a:p>
+        </p:txBody>
+      </p:sp>
+      <p:sp>
+        <p:nvSpPr>
+          <p:cNvPr id="582659" name="Rectangle 3"/>
+          <p:cNvSpPr>
+            <a:spLocks noGrp="1" noChangeArrowheads="1"/>
+          </p:cNvSpPr>
+          <p:nvPr>
+            <p:ph type="body" idx="1"/>
+          </p:nvPr>
+        </p:nvSpPr>
+        <p:spPr/>
+        <p:txBody>
+          <a:bodyPr/>
+          <a:lstStyle/>
+          <a:p>
+            <a:r>
+              <a:rPr lang="en-US" sz="2800" dirty="0">
+                <a:latin typeface="Courier New" pitchFamily="49" charset="0"/>
+              </a:rPr>
+              <a:t>Enables data-binding of a control to an object instead of directly to a database</a:t>
+            </a:r>
+          </a:p>
+          <a:p>
+            <a:r>
+              <a:rPr lang="en-US" sz="2800" dirty="0">
+                <a:latin typeface="Courier New" pitchFamily="49" charset="0"/>
+              </a:rPr>
+              <a:t>Needs a middle-tier business object</a:t>
+            </a:r>
+          </a:p>
+          <a:p>
+            <a:r>
+              <a:rPr lang="en-US" sz="2800" dirty="0">
+                <a:latin typeface="Courier New" pitchFamily="49" charset="0"/>
+              </a:rPr>
+              <a:t>Data manipulation is based on methods</a:t>
+            </a:r>
+          </a:p>
+          <a:p>
+            <a:pPr lvl="1"/>
+            <a:r>
+              <a:rPr lang="en-US" sz="2600" dirty="0">
+                <a:latin typeface="Courier New" pitchFamily="49" charset="0"/>
+              </a:rPr>
+              <a:t>TypeName – name of the business object</a:t>
+            </a:r>
+          </a:p>
+          <a:p>
+            <a:pPr lvl="1"/>
+            <a:r>
+              <a:rPr lang="en-US" sz="2600" dirty="0">
+                <a:latin typeface="Courier New" pitchFamily="49" charset="0"/>
+              </a:rPr>
+              <a:t>Select, Update, Insert and Delete</a:t>
+            </a:r>
+          </a:p>
+          <a:p>
+            <a:pPr lvl="1"/>
+            <a:r>
+              <a:rPr lang="en-US" sz="2600" dirty="0">
+                <a:latin typeface="Courier New" pitchFamily="49" charset="0"/>
+              </a:rPr>
+              <a:t>DataObjectTypeName – a class passed as a parameter in Update, Insert, Delete</a:t>
+            </a:r>
+          </a:p>
+        </p:txBody>
+      </p:sp>
+    </p:spTree>
+    <p:extLst>
+      <p:ext uri="{BB962C8B-B14F-4D97-AF65-F5344CB8AC3E}">
+        <p14:creationId xmlns:p14="http://schemas.microsoft.com/office/powerpoint/2010/main" val="4276963617"/>
+      </p:ext>
+    </p:extLst>
+  </p:cSld>
+  <p:clrMapOvr>
+    <a:masterClrMapping/>
+  </p:clrMapOvr>
+  <mc:AlternateContent xmlns:mc="http://schemas.openxmlformats.org/markup-compatibility/2006" xmlns:p14="http://schemas.microsoft.com/office/powerpoint/2010/main">
+    <mc:Choice Requires="p14">
+      <p:transition spd="slow" p14:dur="2000"/>
+    </mc:Choice>
+    <mc:Fallback xmlns="">
+      <p:transition xmlns:p14="http://schemas.microsoft.com/office/powerpoint/2010/main" spd="slow"/>
+    </mc:Fallback>
+  </mc:AlternateContent>
+  <p:timing>
+    <p:tnLst>
+      <p:par>
+        <p:cTn xmlns:p14="http://schemas.microsoft.com/office/powerpoint/2010/main" id="1" dur="indefinite" restart="never" nodeType="tmRoot"/>
+      </p:par>
+    </p:tnLst>
+  </p:timing>
+</p:sld>
+</file>
+
 <file path=ppt/slides/slide48.xml><?xml version="1.0" encoding="utf-8"?>
 <p:sld xmlns:a="http://schemas.openxmlformats.org/drawingml/2006/main" xmlns:r="http://schemas.openxmlformats.org/officeDocument/2006/relationships" xmlns:p="http://schemas.openxmlformats.org/presentationml/2006/main">
   <p:cSld>
@@ -17142,7 +17953,7 @@
       </p:grpSpPr>
       <p:sp>
         <p:nvSpPr>
-          <p:cNvPr id="640002" name="Rectangle 2"/>
+          <p:cNvPr id="588802" name="Rectangle 2"/>
           <p:cNvSpPr>
             <a:spLocks noGrp="1" noChangeArrowheads="1"/>
           </p:cNvSpPr>
@@ -17152,7 +17963,7 @@
         </p:nvSpPr>
         <p:spPr>
           <a:xfrm>
-            <a:off x="1260475" y="2997200"/>
+            <a:off x="1260475" y="1447800"/>
             <a:ext cx="6696075" cy="636588"/>
           </a:xfrm>
         </p:spPr>
@@ -17161,25 +17972,24 @@
           <a:lstStyle/>
           <a:p>
             <a:r>
-              <a:rPr lang="en-US">
+              <a:rPr lang="en-US" dirty="0">
                 <a:solidFill>
                   <a:schemeClr val="tx1"/>
                 </a:solidFill>
               </a:rPr>
-              <a:t>Using </a:t>
-            </a:r>
-            <a:r>
-              <a:rPr lang="bg-BG">
-                <a:latin typeface="Courier New" pitchFamily="49" charset="0"/>
-              </a:rPr>
-              <a:t>LinqDataSource</a:t>
-            </a:r>
-          </a:p>
-        </p:txBody>
-      </p:sp>
-      <p:sp>
-        <p:nvSpPr>
-          <p:cNvPr id="640003" name="Rectangle 3"/>
+              <a:t>Using ObjectDataSource</a:t>
+            </a:r>
+            <a:endParaRPr lang="bg-BG" dirty="0">
+              <a:solidFill>
+                <a:schemeClr val="tx1"/>
+              </a:solidFill>
+            </a:endParaRPr>
+          </a:p>
+        </p:txBody>
+      </p:sp>
+      <p:sp>
+        <p:nvSpPr>
+          <p:cNvPr id="588803" name="Rectangle 3"/>
           <p:cNvSpPr>
             <a:spLocks noChangeArrowheads="1"/>
           </p:cNvSpPr>
@@ -17187,7 +17997,7 @@
         </p:nvSpPr>
         <p:spPr bwMode="auto">
           <a:xfrm>
-            <a:off x="1042988" y="3862388"/>
+            <a:off x="1042988" y="2312988"/>
             <a:ext cx="7056437" cy="406400"/>
           </a:xfrm>
           <a:prstGeom prst="rect">
@@ -17239,7 +18049,7 @@
               </a:lnSpc>
             </a:pPr>
             <a:r>
-              <a:rPr lang="en-US" sz="2800">
+              <a:rPr lang="en-US" sz="2800" dirty="0">
                 <a:solidFill>
                   <a:schemeClr val="tx1"/>
                 </a:solidFill>
@@ -17251,7 +18061,7 @@
               </a:rPr>
               <a:t>Live Demo</a:t>
             </a:r>
-            <a:endParaRPr lang="bg-BG" sz="2800">
+            <a:endParaRPr lang="bg-BG" sz="2800" dirty="0">
               <a:solidFill>
                 <a:schemeClr val="tx1"/>
               </a:solidFill>
@@ -17264,10 +18074,281 @@
           </a:p>
         </p:txBody>
       </p:sp>
+      <p:sp>
+        <p:nvSpPr>
+          <p:cNvPr id="4" name="Content Placeholder 2"/>
+          <p:cNvSpPr txBox="1">
+            <a:spLocks/>
+          </p:cNvSpPr>
+          <p:nvPr/>
+        </p:nvSpPr>
+        <p:spPr>
+          <a:xfrm rot="20970789">
+            <a:off x="446617" y="4591632"/>
+            <a:ext cx="8686800" cy="1066800"/>
+          </a:xfrm>
+          <a:prstGeom prst="rect">
+            <a:avLst/>
+          </a:prstGeom>
+        </p:spPr>
+        <p:txBody>
+          <a:bodyPr lIns="0" tIns="0" rIns="0" bIns="0" anchor="ctr" anchorCtr="0"/>
+          <a:lstStyle>
+            <a:lvl1pPr marL="0" indent="0" algn="ctr" rtl="0" eaLnBrk="0" fontAlgn="base" hangingPunct="0">
+              <a:spcBef>
+                <a:spcPct val="20000"/>
+              </a:spcBef>
+              <a:spcAft>
+                <a:spcPct val="0"/>
+              </a:spcAft>
+              <a:buClr>
+                <a:schemeClr val="accent5">
+                  <a:lumMod val="40000"/>
+                  <a:lumOff val="60000"/>
+                </a:schemeClr>
+              </a:buClr>
+              <a:buSzPct val="70000"/>
+              <a:buFont typeface="Wingdings 2" pitchFamily="18" charset="2"/>
+              <a:buNone/>
+              <a:defRPr lang="en-US" sz="2800" b="1" kern="1200" baseline="0" dirty="0">
+                <a:solidFill>
+                  <a:srgbClr xmlns:mc="http://schemas.openxmlformats.org/markup-compatibility/2006" xmlns:a14="http://schemas.microsoft.com/office/drawing/2010/main" val="FAF7C8" mc:Ignorable=""/>
+                </a:solidFill>
+                <a:effectLst>
+                  <a:outerShdw blurRad="38100" dist="38100" dir="2700000" algn="tl">
+                    <a:srgbClr xmlns:mc="http://schemas.openxmlformats.org/markup-compatibility/2006" xmlns:a14="http://schemas.microsoft.com/office/drawing/2010/main" val="000000" mc:Ignorable="">
+                      <a:alpha val="43137"/>
+                    </a:srgbClr>
+                  </a:outerShdw>
+                </a:effectLst>
+                <a:latin typeface="+mn-lt"/>
+                <a:ea typeface="+mn-ea"/>
+                <a:cs typeface="+mn-cs"/>
+              </a:defRPr>
+            </a:lvl1pPr>
+            <a:lvl2pPr marL="457200" indent="0" algn="ctr" rtl="0" eaLnBrk="0" fontAlgn="base" hangingPunct="0">
+              <a:spcBef>
+                <a:spcPct val="20000"/>
+              </a:spcBef>
+              <a:spcAft>
+                <a:spcPct val="0"/>
+              </a:spcAft>
+              <a:buClr>
+                <a:schemeClr val="accent2">
+                  <a:lumMod val="60000"/>
+                  <a:lumOff val="40000"/>
+                </a:schemeClr>
+              </a:buClr>
+              <a:buFont typeface="Wingdings 2" pitchFamily="18" charset="2"/>
+              <a:buNone/>
+              <a:defRPr sz="3000" b="1" kern="1200">
+                <a:solidFill>
+                  <a:schemeClr val="tx1">
+                    <a:lumMod val="20000"/>
+                    <a:lumOff val="80000"/>
+                  </a:schemeClr>
+                </a:solidFill>
+                <a:effectLst>
+                  <a:outerShdw blurRad="38100" dist="38100" dir="2700000" algn="tl">
+                    <a:srgbClr xmlns:mc="http://schemas.openxmlformats.org/markup-compatibility/2006" xmlns:a14="http://schemas.microsoft.com/office/drawing/2010/main" val="000000" mc:Ignorable="">
+                      <a:alpha val="43137"/>
+                    </a:srgbClr>
+                  </a:outerShdw>
+                </a:effectLst>
+                <a:latin typeface="+mn-lt"/>
+                <a:ea typeface="+mn-ea"/>
+                <a:cs typeface="+mn-cs"/>
+              </a:defRPr>
+            </a:lvl2pPr>
+            <a:lvl3pPr marL="914400" indent="0" algn="ctr" rtl="0" eaLnBrk="0" fontAlgn="base" hangingPunct="0">
+              <a:spcBef>
+                <a:spcPct val="20000"/>
+              </a:spcBef>
+              <a:spcAft>
+                <a:spcPct val="0"/>
+              </a:spcAft>
+              <a:buClr>
+                <a:schemeClr val="tx1">
+                  <a:lumMod val="50000"/>
+                </a:schemeClr>
+              </a:buClr>
+              <a:buFont typeface="Wingdings 2" pitchFamily="18" charset="2"/>
+              <a:buNone/>
+              <a:defRPr sz="2800" b="1" kern="1200">
+                <a:solidFill>
+                  <a:schemeClr val="tx1">
+                    <a:lumMod val="20000"/>
+                    <a:lumOff val="80000"/>
+                  </a:schemeClr>
+                </a:solidFill>
+                <a:effectLst>
+                  <a:outerShdw blurRad="38100" dist="38100" dir="2700000" algn="tl">
+                    <a:srgbClr xmlns:mc="http://schemas.openxmlformats.org/markup-compatibility/2006" xmlns:a14="http://schemas.microsoft.com/office/drawing/2010/main" val="000000" mc:Ignorable="">
+                      <a:alpha val="43137"/>
+                    </a:srgbClr>
+                  </a:outerShdw>
+                </a:effectLst>
+                <a:latin typeface="+mn-lt"/>
+                <a:ea typeface="+mn-ea"/>
+                <a:cs typeface="+mn-cs"/>
+              </a:defRPr>
+            </a:lvl3pPr>
+            <a:lvl4pPr marL="1371600" indent="0" algn="ctr" rtl="0" eaLnBrk="0" fontAlgn="base" hangingPunct="0">
+              <a:spcBef>
+                <a:spcPct val="20000"/>
+              </a:spcBef>
+              <a:spcAft>
+                <a:spcPct val="0"/>
+              </a:spcAft>
+              <a:buClr>
+                <a:srgbClr xmlns:mc="http://schemas.openxmlformats.org/markup-compatibility/2006" xmlns:a14="http://schemas.microsoft.com/office/drawing/2010/main" val="F8BD52" mc:Ignorable=""/>
+              </a:buClr>
+              <a:buFont typeface="Wingdings 2" pitchFamily="18" charset="2"/>
+              <a:buNone/>
+              <a:defRPr sz="2600" b="1" kern="1200">
+                <a:solidFill>
+                  <a:schemeClr val="tx1">
+                    <a:lumMod val="20000"/>
+                    <a:lumOff val="80000"/>
+                  </a:schemeClr>
+                </a:solidFill>
+                <a:effectLst>
+                  <a:outerShdw blurRad="38100" dist="38100" dir="2700000" algn="tl">
+                    <a:srgbClr xmlns:mc="http://schemas.openxmlformats.org/markup-compatibility/2006" xmlns:a14="http://schemas.microsoft.com/office/drawing/2010/main" val="000000" mc:Ignorable="">
+                      <a:alpha val="43137"/>
+                    </a:srgbClr>
+                  </a:outerShdw>
+                </a:effectLst>
+                <a:latin typeface="+mn-lt"/>
+                <a:ea typeface="+mn-ea"/>
+                <a:cs typeface="+mn-cs"/>
+              </a:defRPr>
+            </a:lvl4pPr>
+            <a:lvl5pPr marL="1828800" indent="0" algn="ctr" rtl="0" eaLnBrk="0" fontAlgn="base" hangingPunct="0">
+              <a:spcBef>
+                <a:spcPct val="20000"/>
+              </a:spcBef>
+              <a:spcAft>
+                <a:spcPct val="0"/>
+              </a:spcAft>
+              <a:buClr>
+                <a:srgbClr xmlns:mc="http://schemas.openxmlformats.org/markup-compatibility/2006" xmlns:a14="http://schemas.microsoft.com/office/drawing/2010/main" val="46A6BD" mc:Ignorable=""/>
+              </a:buClr>
+              <a:buFont typeface="Wingdings 2" pitchFamily="18" charset="2"/>
+              <a:buNone/>
+              <a:defRPr sz="2400" b="1" kern="1200">
+                <a:solidFill>
+                  <a:schemeClr val="tx1">
+                    <a:lumMod val="20000"/>
+                    <a:lumOff val="80000"/>
+                  </a:schemeClr>
+                </a:solidFill>
+                <a:effectLst>
+                  <a:outerShdw blurRad="38100" dist="38100" dir="2700000" algn="tl">
+                    <a:srgbClr xmlns:mc="http://schemas.openxmlformats.org/markup-compatibility/2006" xmlns:a14="http://schemas.microsoft.com/office/drawing/2010/main" val="000000" mc:Ignorable="">
+                      <a:alpha val="43137"/>
+                    </a:srgbClr>
+                  </a:outerShdw>
+                </a:effectLst>
+                <a:latin typeface="+mn-lt"/>
+                <a:ea typeface="+mn-ea"/>
+                <a:cs typeface="+mn-cs"/>
+              </a:defRPr>
+            </a:lvl5pPr>
+            <a:lvl6pPr marL="2286000" indent="0" algn="ctr" rtl="0" eaLnBrk="1" latinLnBrk="0" hangingPunct="1">
+              <a:spcBef>
+                <a:spcPct val="20000"/>
+              </a:spcBef>
+              <a:buClr>
+                <a:schemeClr val="accent6"/>
+              </a:buClr>
+              <a:buFont typeface="Wingdings 2"/>
+              <a:buNone/>
+              <a:defRPr sz="1800" kern="1200">
+                <a:solidFill>
+                  <a:schemeClr val="tx1"/>
+                </a:solidFill>
+                <a:latin typeface="+mn-lt"/>
+                <a:ea typeface="+mn-ea"/>
+                <a:cs typeface="+mn-cs"/>
+              </a:defRPr>
+            </a:lvl6pPr>
+            <a:lvl7pPr marL="2743200" indent="0" algn="ctr" rtl="0" eaLnBrk="1" latinLnBrk="0" hangingPunct="1">
+              <a:spcBef>
+                <a:spcPct val="20000"/>
+              </a:spcBef>
+              <a:buClr>
+                <a:schemeClr val="tx2"/>
+              </a:buClr>
+              <a:buFont typeface="Wingdings 2"/>
+              <a:buNone/>
+              <a:defRPr sz="1600" kern="1200">
+                <a:solidFill>
+                  <a:schemeClr val="tx1"/>
+                </a:solidFill>
+                <a:latin typeface="+mn-lt"/>
+                <a:ea typeface="+mn-ea"/>
+                <a:cs typeface="+mn-cs"/>
+              </a:defRPr>
+            </a:lvl7pPr>
+            <a:lvl8pPr marL="3200400" indent="0" algn="ctr" rtl="0" eaLnBrk="1" latinLnBrk="0" hangingPunct="1">
+              <a:spcBef>
+                <a:spcPct val="20000"/>
+              </a:spcBef>
+              <a:buClr>
+                <a:schemeClr val="tx2"/>
+              </a:buClr>
+              <a:buFont typeface="Wingdings 2"/>
+              <a:buNone/>
+              <a:defRPr sz="1400" kern="1200">
+                <a:solidFill>
+                  <a:schemeClr val="tx1"/>
+                </a:solidFill>
+                <a:latin typeface="+mn-lt"/>
+                <a:ea typeface="+mn-ea"/>
+                <a:cs typeface="+mn-cs"/>
+              </a:defRPr>
+            </a:lvl8pPr>
+            <a:lvl9pPr marL="3657600" indent="0" algn="ctr" rtl="0" eaLnBrk="1" latinLnBrk="0" hangingPunct="1">
+              <a:spcBef>
+                <a:spcPct val="20000"/>
+              </a:spcBef>
+              <a:buClr>
+                <a:schemeClr val="tx2"/>
+              </a:buClr>
+              <a:buFont typeface="Wingdings 2"/>
+              <a:buNone/>
+              <a:defRPr sz="1400" kern="1200">
+                <a:solidFill>
+                  <a:schemeClr val="tx1"/>
+                </a:solidFill>
+                <a:latin typeface="+mn-lt"/>
+                <a:ea typeface="+mn-ea"/>
+                <a:cs typeface="+mn-cs"/>
+              </a:defRPr>
+            </a:lvl9pPr>
+          </a:lstStyle>
+          <a:p>
+            <a:r>
+              <a:rPr lang="en-US" i="1" dirty="0" smtClean="0"/>
+              <a:t>“</a:t>
+            </a:r>
+            <a:r>
+              <a:rPr lang="en-US" i="1" dirty="0"/>
+              <a:t>It's not a bug - it's an undocumented </a:t>
+            </a:r>
+            <a:r>
+              <a:rPr lang="en-US" i="1" dirty="0" smtClean="0"/>
+              <a:t>feature”</a:t>
+            </a:r>
+            <a:endParaRPr lang="en-US" i="1" noProof="1"/>
+          </a:p>
+        </p:txBody>
+      </p:sp>
     </p:spTree>
     <p:extLst>
       <p:ext uri="{BB962C8B-B14F-4D97-AF65-F5344CB8AC3E}">
-        <p14:creationId xmlns:p14="http://schemas.microsoft.com/office/powerpoint/2010/main" val="2658786718"/>
+        <p14:creationId xmlns:p14="http://schemas.microsoft.com/office/powerpoint/2010/main" val="31399058"/>
       </p:ext>
     </p:extLst>
   </p:cSld>
@@ -17321,9 +18402,16 @@
                 <a:solidFill>
                   <a:schemeClr val="tx1"/>
                 </a:solidFill>
-                <a:latin typeface="Courier New" pitchFamily="49" charset="0"/>
-              </a:rPr>
-              <a:t>ObjectDataSource</a:t>
+              </a:rPr>
+              <a:t>Other Data </a:t>
+            </a:r>
+            <a:r>
+              <a:rPr lang="en-US" sz="3600" dirty="0" smtClean="0">
+                <a:solidFill>
+                  <a:schemeClr val="tx1"/>
+                </a:solidFill>
+              </a:rPr>
+              <a:t>Sources</a:t>
             </a:r>
             <a:endParaRPr lang="bg-BG" sz="3600" dirty="0"/>
           </a:p>
@@ -17339,67 +18427,137 @@
             <p:ph type="body" idx="1"/>
           </p:nvPr>
         </p:nvSpPr>
-        <p:spPr/>
+        <p:spPr>
+          <a:xfrm>
+            <a:off x="152400" y="1066800"/>
+            <a:ext cx="8686800" cy="5638800"/>
+          </a:xfrm>
+        </p:spPr>
         <p:txBody>
           <a:bodyPr/>
           <a:lstStyle/>
           <a:p>
-            <a:r>
-              <a:rPr lang="en-US" sz="2800" dirty="0">
-                <a:latin typeface="Courier New" pitchFamily="49" charset="0"/>
-              </a:rPr>
-              <a:t>Enables data-binding of a control to an object instead of directly to a database</a:t>
-            </a:r>
-          </a:p>
-          <a:p>
-            <a:r>
-              <a:rPr lang="en-US" sz="2800" dirty="0">
-                <a:latin typeface="Courier New" pitchFamily="49" charset="0"/>
-              </a:rPr>
-              <a:t>Needs a middle-tier business object</a:t>
-            </a:r>
-          </a:p>
-          <a:p>
-            <a:r>
-              <a:rPr lang="en-US" sz="2800" dirty="0">
-                <a:latin typeface="Courier New" pitchFamily="49" charset="0"/>
-              </a:rPr>
-              <a:t>Data manipulation is based on methods</a:t>
-            </a:r>
-          </a:p>
-          <a:p>
-            <a:pPr lvl="1"/>
+            <a:pPr>
+              <a:lnSpc>
+                <a:spcPct val="100000"/>
+              </a:lnSpc>
+            </a:pPr>
             <a:r>
               <a:rPr lang="en-US" sz="2600" dirty="0">
                 <a:latin typeface="Courier New" pitchFamily="49" charset="0"/>
               </a:rPr>
-              <a:t>TypeName – name of the business object</a:t>
-            </a:r>
-          </a:p>
-          <a:p>
-            <a:pPr lvl="1"/>
+              <a:t>Hierarchical</a:t>
+            </a:r>
+          </a:p>
+          <a:p>
+            <a:pPr lvl="1">
+              <a:lnSpc>
+                <a:spcPct val="100000"/>
+              </a:lnSpc>
+            </a:pPr>
+            <a:r>
+              <a:rPr lang="en-US" sz="2400" dirty="0">
+                <a:latin typeface="Courier New" pitchFamily="49" charset="0"/>
+              </a:rPr>
+              <a:t>XmlDataSource</a:t>
+            </a:r>
+          </a:p>
+          <a:p>
+            <a:pPr lvl="2">
+              <a:lnSpc>
+                <a:spcPct val="100000"/>
+              </a:lnSpc>
+            </a:pPr>
+            <a:r>
+              <a:rPr lang="en-US" sz="2200" dirty="0">
+                <a:latin typeface="Courier New" pitchFamily="49" charset="0"/>
+              </a:rPr>
+              <a:t>Establishes a connection to an Xml source of data (files, documents)</a:t>
+            </a:r>
+          </a:p>
+          <a:p>
+            <a:pPr lvl="1">
+              <a:lnSpc>
+                <a:spcPct val="100000"/>
+              </a:lnSpc>
+            </a:pPr>
+            <a:r>
+              <a:rPr lang="en-US" sz="2400" dirty="0" smtClean="0">
+                <a:latin typeface="Courier New" pitchFamily="49" charset="0"/>
+              </a:rPr>
+              <a:t>SiteMapDataSource </a:t>
+            </a:r>
+            <a:endParaRPr lang="en-US" sz="2400" dirty="0">
+              <a:latin typeface="Courier New" pitchFamily="49" charset="0"/>
+            </a:endParaRPr>
+          </a:p>
+          <a:p>
+            <a:pPr>
+              <a:lnSpc>
+                <a:spcPct val="100000"/>
+              </a:lnSpc>
+            </a:pPr>
             <a:r>
               <a:rPr lang="en-US" sz="2600" dirty="0">
                 <a:latin typeface="Courier New" pitchFamily="49" charset="0"/>
               </a:rPr>
-              <a:t>Select, Update, Insert and Delete</a:t>
-            </a:r>
-          </a:p>
-          <a:p>
-            <a:pPr lvl="1"/>
-            <a:r>
-              <a:rPr lang="en-US" sz="2600" dirty="0">
+              <a:t>Access</a:t>
+            </a:r>
+          </a:p>
+          <a:p>
+            <a:pPr lvl="1">
+              <a:lnSpc>
+                <a:spcPct val="100000"/>
+              </a:lnSpc>
+            </a:pPr>
+            <a:r>
+              <a:rPr lang="en-US" sz="2400" dirty="0">
                 <a:latin typeface="Courier New" pitchFamily="49" charset="0"/>
               </a:rPr>
-              <a:t>DataObjectTypeName – a class passed as a parameter in Update, Insert, Delete</a:t>
-            </a:r>
+              <a:t>AccessDataSource</a:t>
+            </a:r>
+          </a:p>
+          <a:p>
+            <a:pPr lvl="2">
+              <a:lnSpc>
+                <a:spcPct val="100000"/>
+              </a:lnSpc>
+            </a:pPr>
+            <a:r>
+              <a:rPr lang="en-US" sz="2200" dirty="0">
+                <a:latin typeface="Courier New" pitchFamily="49" charset="0"/>
+              </a:rPr>
+              <a:t>Derives from SqlDataSource</a:t>
+            </a:r>
+          </a:p>
+          <a:p>
+            <a:pPr>
+              <a:lnSpc>
+                <a:spcPct val="100000"/>
+              </a:lnSpc>
+            </a:pPr>
+            <a:r>
+              <a:rPr lang="en-US" sz="2600" dirty="0" smtClean="0">
+                <a:latin typeface="Courier New" pitchFamily="49" charset="0"/>
+              </a:rPr>
+              <a:t>EntityDataSource </a:t>
+            </a:r>
+            <a:r>
+              <a:rPr lang="en-US" sz="2600" dirty="0" smtClean="0">
+                <a:latin typeface="Courier New" pitchFamily="49" charset="0"/>
+              </a:rPr>
+              <a:t>Control</a:t>
+            </a:r>
+            <a:endParaRPr lang="en-US" sz="2600" dirty="0">
+              <a:latin typeface="Courier New" pitchFamily="49" charset="0"/>
+            </a:endParaRPr>
           </a:p>
         </p:txBody>
       </p:sp>
     </p:spTree>
     <p:extLst>
       <p:ext uri="{BB962C8B-B14F-4D97-AF65-F5344CB8AC3E}">
-        <p14:creationId xmlns:p14="http://schemas.microsoft.com/office/powerpoint/2010/main" val="4276963617"/>
+        <p14:creationId xmlns:p14="http://schemas.microsoft.com/office/powerpoint/2010/main" val="1554992113"/>
       </p:ext>
     </p:extLst>
   </p:cSld>
@@ -17414,6 +18572,13 @@
       <p:transition xmlns:p14="http://schemas.microsoft.com/office/powerpoint/2010/main" spd="slow"/>
     </mc:Fallback>
   </mc:AlternateContent>
+  <p:timing>
+    <p:tnLst>
+      <p:par>
+        <p:cTn xmlns:p14="http://schemas.microsoft.com/office/powerpoint/2010/main" id="1" dur="indefinite" restart="never" nodeType="tmRoot"/>
+      </p:par>
+    </p:tnLst>
+  </p:timing>
 </p:sld>
 </file>
 
@@ -17582,123 +18747,81 @@
       </p:grpSpPr>
       <p:sp>
         <p:nvSpPr>
-          <p:cNvPr id="588802" name="Rectangle 2"/>
+          <p:cNvPr id="581634" name="Rectangle 2"/>
           <p:cNvSpPr>
             <a:spLocks noGrp="1" noChangeArrowheads="1"/>
           </p:cNvSpPr>
           <p:nvPr>
-            <p:ph type="ctrTitle"/>
+            <p:ph type="title"/>
           </p:nvPr>
         </p:nvSpPr>
-        <p:spPr>
-          <a:xfrm>
-            <a:off x="1260475" y="2924175"/>
-            <a:ext cx="6696075" cy="636588"/>
-          </a:xfrm>
-        </p:spPr>
+        <p:spPr/>
         <p:txBody>
           <a:bodyPr/>
           <a:lstStyle/>
           <a:p>
             <a:r>
-              <a:rPr lang="en-US" dirty="0">
-                <a:solidFill>
-                  <a:schemeClr val="tx1"/>
-                </a:solidFill>
-              </a:rPr>
-              <a:t>Using ObjectDataSource</a:t>
-            </a:r>
-            <a:endParaRPr lang="bg-BG" dirty="0">
-              <a:solidFill>
-                <a:schemeClr val="tx1"/>
-              </a:solidFill>
-            </a:endParaRPr>
-          </a:p>
-        </p:txBody>
-      </p:sp>
-      <p:sp>
-        <p:nvSpPr>
-          <p:cNvPr id="588803" name="Rectangle 3"/>
+              <a:rPr lang="en-US" sz="3600" noProof="1"/>
+              <a:t>DataPager</a:t>
+            </a:r>
+            <a:endParaRPr lang="bg-BG" sz="3600" dirty="0"/>
+          </a:p>
+        </p:txBody>
+      </p:sp>
+      <p:sp>
+        <p:nvSpPr>
+          <p:cNvPr id="581635" name="Rectangle 3"/>
           <p:cNvSpPr>
-            <a:spLocks noChangeArrowheads="1"/>
-          </p:cNvSpPr>
-          <p:nvPr/>
-        </p:nvSpPr>
-        <p:spPr bwMode="auto">
-          <a:xfrm>
-            <a:off x="1042988" y="3789363"/>
-            <a:ext cx="7056437" cy="406400"/>
-          </a:xfrm>
-          <a:prstGeom prst="rect">
-            <a:avLst/>
-          </a:prstGeom>
-          <a:noFill/>
-          <a:ln>
-            <a:noFill/>
-          </a:ln>
-          <a:effectLst/>
-          <a:extLst>
-            <a:ext uri="{909E8E84-426E-40DD-AFC4-6F175D3DCCD1}">
-              <a14:hiddenFill xmlns:a14="http://schemas.microsoft.com/office/drawing/2010/main">
-                <a:solidFill>
-                  <a:schemeClr val="accent1"/>
-                </a:solidFill>
-              </a14:hiddenFill>
-            </a:ext>
-            <a:ext uri="{91240B29-F687-4F45-9708-019B960494DF}">
-              <a14:hiddenLine xmlns:a14="http://schemas.microsoft.com/office/drawing/2010/main" w="9525">
-                <a:solidFill>
-                  <a:schemeClr val="tx1"/>
-                </a:solidFill>
-                <a:miter lim="800000"/>
-                <a:headEnd/>
-                <a:tailEnd/>
-              </a14:hiddenLine>
-            </a:ext>
-            <a:ext uri="{AF507438-7753-43E0-B8FC-AC1667EBCBE1}">
-              <a14:hiddenEffects xmlns:a14="http://schemas.microsoft.com/office/drawing/2010/main">
-                <a:effectLst>
-                  <a:outerShdw dist="35921" dir="2700000" algn="ctr" rotWithShape="0">
-                    <a:schemeClr val="bg2"/>
-                  </a:outerShdw>
-                </a:effectLst>
-              </a14:hiddenEffects>
-            </a:ext>
-          </a:extLst>
-        </p:spPr>
-        <p:txBody>
-          <a:bodyPr lIns="0" tIns="0" rIns="0" bIns="0" anchor="b">
-            <a:spAutoFit/>
-          </a:bodyPr>
+            <a:spLocks noGrp="1" noChangeArrowheads="1"/>
+          </p:cNvSpPr>
+          <p:nvPr>
+            <p:ph type="body" idx="1"/>
+          </p:nvPr>
+        </p:nvSpPr>
+        <p:spPr/>
+        <p:txBody>
+          <a:bodyPr/>
           <a:lstStyle/>
           <a:p>
-            <a:pPr algn="ctr">
-              <a:lnSpc>
-                <a:spcPct val="95000"/>
-              </a:lnSpc>
-            </a:pPr>
-            <a:r>
-              <a:rPr lang="en-US" sz="2800">
-                <a:solidFill>
-                  <a:schemeClr val="tx1"/>
-                </a:solidFill>
-                <a:effectLst>
-                  <a:outerShdw blurRad="38100" dist="38100" dir="2700000" algn="tl">
-                    <a:srgbClr xmlns:mc="http://schemas.openxmlformats.org/markup-compatibility/2006" xmlns:a14="http://schemas.microsoft.com/office/drawing/2010/main" val="FFFFFF" mc:Ignorable=""/>
-                  </a:outerShdw>
-                </a:effectLst>
-              </a:rPr>
-              <a:t>Live Demo</a:t>
-            </a:r>
-            <a:endParaRPr lang="bg-BG" sz="2800">
-              <a:solidFill>
-                <a:schemeClr val="tx1"/>
-              </a:solidFill>
-              <a:effectLst>
-                <a:outerShdw blurRad="38100" dist="38100" dir="2700000" algn="tl">
-                  <a:srgbClr xmlns:mc="http://schemas.openxmlformats.org/markup-compatibility/2006" xmlns:a14="http://schemas.microsoft.com/office/drawing/2010/main" val="FFFFFF" mc:Ignorable=""/>
-                </a:outerShdw>
-              </a:effectLst>
+            <a:r>
+              <a:rPr lang="en-US" sz="2800" dirty="0"/>
+              <a:t>DataPager is that it gives you a single, consistent way to use paging with a variety of controls</a:t>
+            </a:r>
+          </a:p>
+          <a:p>
+            <a:r>
+              <a:rPr lang="en-US" sz="2800" dirty="0"/>
+              <a:t>The ListView is the only control that supports the DataPager</a:t>
+            </a:r>
+          </a:p>
+          <a:p>
+            <a:r>
+              <a:rPr lang="en-US" sz="2800" dirty="0"/>
+              <a:t>Pager Fields</a:t>
+            </a:r>
+          </a:p>
+          <a:p>
+            <a:pPr lvl="1"/>
+            <a:r>
+              <a:rPr lang="en-US" sz="2600" dirty="0"/>
+              <a:t>NextPreviousPagerField</a:t>
+            </a:r>
+          </a:p>
+          <a:p>
+            <a:pPr lvl="1"/>
+            <a:r>
+              <a:rPr lang="en-US" sz="2600" dirty="0"/>
+              <a:t>NumericPagerField</a:t>
+            </a:r>
+          </a:p>
+          <a:p>
+            <a:pPr lvl="1"/>
+            <a:r>
+              <a:rPr lang="en-US" sz="2600" dirty="0" smtClean="0"/>
+              <a:t>TemplatePagerField </a:t>
+            </a:r>
+            <a:endParaRPr lang="bg-BG" sz="2600" dirty="0">
+              <a:latin typeface="Courier New" pitchFamily="49" charset="0"/>
             </a:endParaRPr>
           </a:p>
         </p:txBody>
@@ -17706,13 +18829,28 @@
     </p:spTree>
     <p:extLst>
       <p:ext uri="{BB962C8B-B14F-4D97-AF65-F5344CB8AC3E}">
-        <p14:creationId xmlns:p14="http://schemas.microsoft.com/office/powerpoint/2010/main" val="31399058"/>
+        <p14:creationId xmlns:p14="http://schemas.microsoft.com/office/powerpoint/2010/main" val="483850619"/>
       </p:ext>
     </p:extLst>
   </p:cSld>
   <p:clrMapOvr>
     <a:masterClrMapping/>
   </p:clrMapOvr>
+  <mc:AlternateContent xmlns:mc="http://schemas.openxmlformats.org/markup-compatibility/2006" xmlns:p14="http://schemas.microsoft.com/office/powerpoint/2010/main">
+    <mc:Choice Requires="p14">
+      <p:transition spd="slow" p14:dur="2000"/>
+    </mc:Choice>
+    <mc:Fallback xmlns="">
+      <p:transition xmlns:p14="http://schemas.microsoft.com/office/powerpoint/2010/main" spd="slow"/>
+    </mc:Fallback>
+  </mc:AlternateContent>
+  <p:timing>
+    <p:tnLst>
+      <p:par>
+        <p:cTn xmlns:p14="http://schemas.microsoft.com/office/powerpoint/2010/main" id="1" dur="indefinite" restart="never" nodeType="tmRoot"/>
+      </p:par>
+    </p:tnLst>
+  </p:timing>
 </p:sld>
 </file>
 
@@ -17735,195 +18873,403 @@
       </p:grpSpPr>
       <p:sp>
         <p:nvSpPr>
-          <p:cNvPr id="582658" name="Rectangle 2"/>
+          <p:cNvPr id="656386" name="Rectangle 2"/>
           <p:cNvSpPr>
             <a:spLocks noGrp="1" noChangeArrowheads="1"/>
           </p:cNvSpPr>
           <p:nvPr>
-            <p:ph type="title"/>
+            <p:ph type="ctrTitle"/>
           </p:nvPr>
         </p:nvSpPr>
-        <p:spPr/>
+        <p:spPr>
+          <a:xfrm>
+            <a:off x="1258888" y="1447800"/>
+            <a:ext cx="6696075" cy="636588"/>
+          </a:xfrm>
+        </p:spPr>
         <p:txBody>
           <a:bodyPr/>
           <a:lstStyle/>
           <a:p>
             <a:r>
-              <a:rPr lang="en-US" sz="3600" dirty="0">
+              <a:rPr lang="en-US" noProof="1"/>
+              <a:t>DataPager</a:t>
+            </a:r>
+            <a:endParaRPr lang="bg-BG" dirty="0"/>
+          </a:p>
+        </p:txBody>
+      </p:sp>
+      <p:sp>
+        <p:nvSpPr>
+          <p:cNvPr id="656387" name="Rectangle 3"/>
+          <p:cNvSpPr>
+            <a:spLocks noChangeArrowheads="1"/>
+          </p:cNvSpPr>
+          <p:nvPr/>
+        </p:nvSpPr>
+        <p:spPr bwMode="auto">
+          <a:xfrm>
+            <a:off x="1042988" y="2239963"/>
+            <a:ext cx="7056437" cy="406400"/>
+          </a:xfrm>
+          <a:prstGeom prst="rect">
+            <a:avLst/>
+          </a:prstGeom>
+          <a:noFill/>
+          <a:ln>
+            <a:noFill/>
+          </a:ln>
+          <a:effectLst/>
+          <a:extLst>
+            <a:ext uri="{909E8E84-426E-40DD-AFC4-6F175D3DCCD1}">
+              <a14:hiddenFill xmlns:a14="http://schemas.microsoft.com/office/drawing/2010/main">
+                <a:solidFill>
+                  <a:schemeClr val="accent1"/>
+                </a:solidFill>
+              </a14:hiddenFill>
+            </a:ext>
+            <a:ext uri="{91240B29-F687-4F45-9708-019B960494DF}">
+              <a14:hiddenLine xmlns:a14="http://schemas.microsoft.com/office/drawing/2010/main" w="9525">
                 <a:solidFill>
                   <a:schemeClr val="tx1"/>
                 </a:solidFill>
-              </a:rPr>
-              <a:t>Other Data </a:t>
-            </a:r>
-            <a:r>
-              <a:rPr lang="en-US" sz="3600" dirty="0" smtClean="0">
-                <a:solidFill>
-                  <a:schemeClr val="tx1"/>
-                </a:solidFill>
-              </a:rPr>
-              <a:t>Sources</a:t>
-            </a:r>
-            <a:endParaRPr lang="bg-BG" sz="3600" dirty="0"/>
-          </a:p>
-        </p:txBody>
-      </p:sp>
-      <p:sp>
-        <p:nvSpPr>
-          <p:cNvPr id="582659" name="Rectangle 3"/>
-          <p:cNvSpPr>
-            <a:spLocks noGrp="1" noChangeArrowheads="1"/>
-          </p:cNvSpPr>
-          <p:nvPr>
-            <p:ph type="body" idx="1"/>
-          </p:nvPr>
-        </p:nvSpPr>
-        <p:spPr>
-          <a:xfrm>
-            <a:off x="152400" y="1066800"/>
-            <a:ext cx="8686800" cy="5638800"/>
-          </a:xfrm>
+                <a:miter lim="800000"/>
+                <a:headEnd/>
+                <a:tailEnd/>
+              </a14:hiddenLine>
+            </a:ext>
+            <a:ext uri="{AF507438-7753-43E0-B8FC-AC1667EBCBE1}">
+              <a14:hiddenEffects xmlns:a14="http://schemas.microsoft.com/office/drawing/2010/main">
+                <a:effectLst>
+                  <a:outerShdw dist="35921" dir="2700000" algn="ctr" rotWithShape="0">
+                    <a:schemeClr val="bg2"/>
+                  </a:outerShdw>
+                </a:effectLst>
+              </a14:hiddenEffects>
+            </a:ext>
+          </a:extLst>
         </p:spPr>
         <p:txBody>
-          <a:bodyPr/>
+          <a:bodyPr lIns="0" tIns="0" rIns="0" bIns="0" anchor="b">
+            <a:spAutoFit/>
+          </a:bodyPr>
           <a:lstStyle/>
           <a:p>
-            <a:pPr>
+            <a:pPr algn="ctr">
               <a:lnSpc>
-                <a:spcPct val="100000"/>
+                <a:spcPct val="95000"/>
               </a:lnSpc>
             </a:pPr>
             <a:r>
-              <a:rPr lang="en-US" sz="2600" dirty="0">
-                <a:latin typeface="Courier New" pitchFamily="49" charset="0"/>
-              </a:rPr>
-              <a:t>Hierarchical</a:t>
-            </a:r>
-          </a:p>
-          <a:p>
-            <a:pPr lvl="1">
-              <a:lnSpc>
-                <a:spcPct val="100000"/>
-              </a:lnSpc>
-            </a:pPr>
-            <a:r>
-              <a:rPr lang="en-US" sz="2400" dirty="0">
-                <a:latin typeface="Courier New" pitchFamily="49" charset="0"/>
-              </a:rPr>
-              <a:t>XmlDataSource</a:t>
-            </a:r>
-          </a:p>
-          <a:p>
-            <a:pPr lvl="1">
-              <a:lnSpc>
-                <a:spcPct val="100000"/>
-              </a:lnSpc>
-            </a:pPr>
-            <a:r>
-              <a:rPr lang="en-US" sz="2400" dirty="0">
-                <a:latin typeface="Courier New" pitchFamily="49" charset="0"/>
-              </a:rPr>
-              <a:t>Establishes a connection to an Xml source of data (files, documents)</a:t>
-            </a:r>
-          </a:p>
-          <a:p>
-            <a:pPr lvl="1">
-              <a:lnSpc>
-                <a:spcPct val="100000"/>
-              </a:lnSpc>
-            </a:pPr>
-            <a:r>
-              <a:rPr lang="en-US" sz="2400" dirty="0">
-                <a:latin typeface="Courier New" pitchFamily="49" charset="0"/>
-              </a:rPr>
-              <a:t>DataFile, TranformFile, XPath </a:t>
-            </a:r>
-          </a:p>
-          <a:p>
-            <a:pPr lvl="1">
-              <a:lnSpc>
-                <a:spcPct val="100000"/>
-              </a:lnSpc>
-            </a:pPr>
-            <a:r>
-              <a:rPr lang="en-US" sz="2400" dirty="0">
-                <a:latin typeface="Courier New" pitchFamily="49" charset="0"/>
-              </a:rPr>
-              <a:t>SiteMapDataSource </a:t>
-            </a:r>
-          </a:p>
-          <a:p>
-            <a:pPr>
-              <a:lnSpc>
-                <a:spcPct val="100000"/>
-              </a:lnSpc>
-            </a:pPr>
-            <a:r>
-              <a:rPr lang="en-US" sz="2600" dirty="0">
-                <a:latin typeface="Courier New" pitchFamily="49" charset="0"/>
-              </a:rPr>
-              <a:t>Access</a:t>
-            </a:r>
-          </a:p>
-          <a:p>
-            <a:pPr lvl="1">
-              <a:lnSpc>
-                <a:spcPct val="100000"/>
-              </a:lnSpc>
-            </a:pPr>
-            <a:r>
-              <a:rPr lang="en-US" sz="2400" dirty="0">
-                <a:latin typeface="Courier New" pitchFamily="49" charset="0"/>
-              </a:rPr>
-              <a:t>AccessDataSource</a:t>
-            </a:r>
-          </a:p>
-          <a:p>
-            <a:pPr lvl="2">
-              <a:lnSpc>
-                <a:spcPct val="100000"/>
-              </a:lnSpc>
-            </a:pPr>
-            <a:r>
-              <a:rPr lang="en-US" sz="2200" dirty="0">
-                <a:latin typeface="Courier New" pitchFamily="49" charset="0"/>
-              </a:rPr>
-              <a:t>Derives from SqlDataSource</a:t>
-            </a:r>
-          </a:p>
-          <a:p>
-            <a:pPr lvl="2">
-              <a:lnSpc>
-                <a:spcPct val="100000"/>
-              </a:lnSpc>
-            </a:pPr>
-            <a:r>
-              <a:rPr lang="en-US" sz="2200" dirty="0">
-                <a:latin typeface="Courier New" pitchFamily="49" charset="0"/>
-              </a:rPr>
-              <a:t>DataFile</a:t>
-            </a:r>
+              <a:rPr lang="en-US" sz="2800">
+                <a:solidFill>
+                  <a:schemeClr val="tx1"/>
+                </a:solidFill>
+                <a:effectLst>
+                  <a:outerShdw blurRad="38100" dist="38100" dir="2700000" algn="tl">
+                    <a:srgbClr xmlns:mc="http://schemas.openxmlformats.org/markup-compatibility/2006" xmlns:a14="http://schemas.microsoft.com/office/drawing/2010/main" val="FFFFFF" mc:Ignorable=""/>
+                  </a:outerShdw>
+                </a:effectLst>
+              </a:rPr>
+              <a:t>Live Demo</a:t>
+            </a:r>
+            <a:endParaRPr lang="bg-BG" sz="2800">
+              <a:solidFill>
+                <a:schemeClr val="tx1"/>
+              </a:solidFill>
+              <a:effectLst>
+                <a:outerShdw blurRad="38100" dist="38100" dir="2700000" algn="tl">
+                  <a:srgbClr xmlns:mc="http://schemas.openxmlformats.org/markup-compatibility/2006" xmlns:a14="http://schemas.microsoft.com/office/drawing/2010/main" val="FFFFFF" mc:Ignorable=""/>
+                </a:outerShdw>
+              </a:effectLst>
+            </a:endParaRPr>
+          </a:p>
+        </p:txBody>
+      </p:sp>
+      <p:sp>
+        <p:nvSpPr>
+          <p:cNvPr id="4" name="Content Placeholder 2"/>
+          <p:cNvSpPr txBox="1">
+            <a:spLocks/>
+          </p:cNvSpPr>
+          <p:nvPr/>
+        </p:nvSpPr>
+        <p:spPr>
+          <a:xfrm rot="20970789">
+            <a:off x="446617" y="4591632"/>
+            <a:ext cx="8686800" cy="1066800"/>
+          </a:xfrm>
+          <a:prstGeom prst="rect">
+            <a:avLst/>
+          </a:prstGeom>
+        </p:spPr>
+        <p:txBody>
+          <a:bodyPr lIns="0" tIns="0" rIns="0" bIns="0" anchor="ctr" anchorCtr="0"/>
+          <a:lstStyle>
+            <a:lvl1pPr marL="0" indent="0" algn="ctr" rtl="0" eaLnBrk="0" fontAlgn="base" hangingPunct="0">
+              <a:spcBef>
+                <a:spcPct val="20000"/>
+              </a:spcBef>
+              <a:spcAft>
+                <a:spcPct val="0"/>
+              </a:spcAft>
+              <a:buClr>
+                <a:schemeClr val="accent5">
+                  <a:lumMod val="40000"/>
+                  <a:lumOff val="60000"/>
+                </a:schemeClr>
+              </a:buClr>
+              <a:buSzPct val="70000"/>
+              <a:buFont typeface="Wingdings 2" pitchFamily="18" charset="2"/>
+              <a:buNone/>
+              <a:defRPr lang="en-US" sz="2800" b="1" kern="1200" baseline="0" dirty="0">
+                <a:solidFill>
+                  <a:srgbClr xmlns:mc="http://schemas.openxmlformats.org/markup-compatibility/2006" xmlns:a14="http://schemas.microsoft.com/office/drawing/2010/main" val="FAF7C8" mc:Ignorable=""/>
+                </a:solidFill>
+                <a:effectLst>
+                  <a:outerShdw blurRad="38100" dist="38100" dir="2700000" algn="tl">
+                    <a:srgbClr xmlns:mc="http://schemas.openxmlformats.org/markup-compatibility/2006" xmlns:a14="http://schemas.microsoft.com/office/drawing/2010/main" val="000000" mc:Ignorable="">
+                      <a:alpha val="43137"/>
+                    </a:srgbClr>
+                  </a:outerShdw>
+                </a:effectLst>
+                <a:latin typeface="+mn-lt"/>
+                <a:ea typeface="+mn-ea"/>
+                <a:cs typeface="+mn-cs"/>
+              </a:defRPr>
+            </a:lvl1pPr>
+            <a:lvl2pPr marL="457200" indent="0" algn="ctr" rtl="0" eaLnBrk="0" fontAlgn="base" hangingPunct="0">
+              <a:spcBef>
+                <a:spcPct val="20000"/>
+              </a:spcBef>
+              <a:spcAft>
+                <a:spcPct val="0"/>
+              </a:spcAft>
+              <a:buClr>
+                <a:schemeClr val="accent2">
+                  <a:lumMod val="60000"/>
+                  <a:lumOff val="40000"/>
+                </a:schemeClr>
+              </a:buClr>
+              <a:buFont typeface="Wingdings 2" pitchFamily="18" charset="2"/>
+              <a:buNone/>
+              <a:defRPr sz="3000" b="1" kern="1200">
+                <a:solidFill>
+                  <a:schemeClr val="tx1">
+                    <a:lumMod val="20000"/>
+                    <a:lumOff val="80000"/>
+                  </a:schemeClr>
+                </a:solidFill>
+                <a:effectLst>
+                  <a:outerShdw blurRad="38100" dist="38100" dir="2700000" algn="tl">
+                    <a:srgbClr xmlns:mc="http://schemas.openxmlformats.org/markup-compatibility/2006" xmlns:a14="http://schemas.microsoft.com/office/drawing/2010/main" val="000000" mc:Ignorable="">
+                      <a:alpha val="43137"/>
+                    </a:srgbClr>
+                  </a:outerShdw>
+                </a:effectLst>
+                <a:latin typeface="+mn-lt"/>
+                <a:ea typeface="+mn-ea"/>
+                <a:cs typeface="+mn-cs"/>
+              </a:defRPr>
+            </a:lvl2pPr>
+            <a:lvl3pPr marL="914400" indent="0" algn="ctr" rtl="0" eaLnBrk="0" fontAlgn="base" hangingPunct="0">
+              <a:spcBef>
+                <a:spcPct val="20000"/>
+              </a:spcBef>
+              <a:spcAft>
+                <a:spcPct val="0"/>
+              </a:spcAft>
+              <a:buClr>
+                <a:schemeClr val="tx1">
+                  <a:lumMod val="50000"/>
+                </a:schemeClr>
+              </a:buClr>
+              <a:buFont typeface="Wingdings 2" pitchFamily="18" charset="2"/>
+              <a:buNone/>
+              <a:defRPr sz="2800" b="1" kern="1200">
+                <a:solidFill>
+                  <a:schemeClr val="tx1">
+                    <a:lumMod val="20000"/>
+                    <a:lumOff val="80000"/>
+                  </a:schemeClr>
+                </a:solidFill>
+                <a:effectLst>
+                  <a:outerShdw blurRad="38100" dist="38100" dir="2700000" algn="tl">
+                    <a:srgbClr xmlns:mc="http://schemas.openxmlformats.org/markup-compatibility/2006" xmlns:a14="http://schemas.microsoft.com/office/drawing/2010/main" val="000000" mc:Ignorable="">
+                      <a:alpha val="43137"/>
+                    </a:srgbClr>
+                  </a:outerShdw>
+                </a:effectLst>
+                <a:latin typeface="+mn-lt"/>
+                <a:ea typeface="+mn-ea"/>
+                <a:cs typeface="+mn-cs"/>
+              </a:defRPr>
+            </a:lvl3pPr>
+            <a:lvl4pPr marL="1371600" indent="0" algn="ctr" rtl="0" eaLnBrk="0" fontAlgn="base" hangingPunct="0">
+              <a:spcBef>
+                <a:spcPct val="20000"/>
+              </a:spcBef>
+              <a:spcAft>
+                <a:spcPct val="0"/>
+              </a:spcAft>
+              <a:buClr>
+                <a:srgbClr xmlns:mc="http://schemas.openxmlformats.org/markup-compatibility/2006" xmlns:a14="http://schemas.microsoft.com/office/drawing/2010/main" val="F8BD52" mc:Ignorable=""/>
+              </a:buClr>
+              <a:buFont typeface="Wingdings 2" pitchFamily="18" charset="2"/>
+              <a:buNone/>
+              <a:defRPr sz="2600" b="1" kern="1200">
+                <a:solidFill>
+                  <a:schemeClr val="tx1">
+                    <a:lumMod val="20000"/>
+                    <a:lumOff val="80000"/>
+                  </a:schemeClr>
+                </a:solidFill>
+                <a:effectLst>
+                  <a:outerShdw blurRad="38100" dist="38100" dir="2700000" algn="tl">
+                    <a:srgbClr xmlns:mc="http://schemas.openxmlformats.org/markup-compatibility/2006" xmlns:a14="http://schemas.microsoft.com/office/drawing/2010/main" val="000000" mc:Ignorable="">
+                      <a:alpha val="43137"/>
+                    </a:srgbClr>
+                  </a:outerShdw>
+                </a:effectLst>
+                <a:latin typeface="+mn-lt"/>
+                <a:ea typeface="+mn-ea"/>
+                <a:cs typeface="+mn-cs"/>
+              </a:defRPr>
+            </a:lvl4pPr>
+            <a:lvl5pPr marL="1828800" indent="0" algn="ctr" rtl="0" eaLnBrk="0" fontAlgn="base" hangingPunct="0">
+              <a:spcBef>
+                <a:spcPct val="20000"/>
+              </a:spcBef>
+              <a:spcAft>
+                <a:spcPct val="0"/>
+              </a:spcAft>
+              <a:buClr>
+                <a:srgbClr xmlns:mc="http://schemas.openxmlformats.org/markup-compatibility/2006" xmlns:a14="http://schemas.microsoft.com/office/drawing/2010/main" val="46A6BD" mc:Ignorable=""/>
+              </a:buClr>
+              <a:buFont typeface="Wingdings 2" pitchFamily="18" charset="2"/>
+              <a:buNone/>
+              <a:defRPr sz="2400" b="1" kern="1200">
+                <a:solidFill>
+                  <a:schemeClr val="tx1">
+                    <a:lumMod val="20000"/>
+                    <a:lumOff val="80000"/>
+                  </a:schemeClr>
+                </a:solidFill>
+                <a:effectLst>
+                  <a:outerShdw blurRad="38100" dist="38100" dir="2700000" algn="tl">
+                    <a:srgbClr xmlns:mc="http://schemas.openxmlformats.org/markup-compatibility/2006" xmlns:a14="http://schemas.microsoft.com/office/drawing/2010/main" val="000000" mc:Ignorable="">
+                      <a:alpha val="43137"/>
+                    </a:srgbClr>
+                  </a:outerShdw>
+                </a:effectLst>
+                <a:latin typeface="+mn-lt"/>
+                <a:ea typeface="+mn-ea"/>
+                <a:cs typeface="+mn-cs"/>
+              </a:defRPr>
+            </a:lvl5pPr>
+            <a:lvl6pPr marL="2286000" indent="0" algn="ctr" rtl="0" eaLnBrk="1" latinLnBrk="0" hangingPunct="1">
+              <a:spcBef>
+                <a:spcPct val="20000"/>
+              </a:spcBef>
+              <a:buClr>
+                <a:schemeClr val="accent6"/>
+              </a:buClr>
+              <a:buFont typeface="Wingdings 2"/>
+              <a:buNone/>
+              <a:defRPr sz="1800" kern="1200">
+                <a:solidFill>
+                  <a:schemeClr val="tx1"/>
+                </a:solidFill>
+                <a:latin typeface="+mn-lt"/>
+                <a:ea typeface="+mn-ea"/>
+                <a:cs typeface="+mn-cs"/>
+              </a:defRPr>
+            </a:lvl6pPr>
+            <a:lvl7pPr marL="2743200" indent="0" algn="ctr" rtl="0" eaLnBrk="1" latinLnBrk="0" hangingPunct="1">
+              <a:spcBef>
+                <a:spcPct val="20000"/>
+              </a:spcBef>
+              <a:buClr>
+                <a:schemeClr val="tx2"/>
+              </a:buClr>
+              <a:buFont typeface="Wingdings 2"/>
+              <a:buNone/>
+              <a:defRPr sz="1600" kern="1200">
+                <a:solidFill>
+                  <a:schemeClr val="tx1"/>
+                </a:solidFill>
+                <a:latin typeface="+mn-lt"/>
+                <a:ea typeface="+mn-ea"/>
+                <a:cs typeface="+mn-cs"/>
+              </a:defRPr>
+            </a:lvl7pPr>
+            <a:lvl8pPr marL="3200400" indent="0" algn="ctr" rtl="0" eaLnBrk="1" latinLnBrk="0" hangingPunct="1">
+              <a:spcBef>
+                <a:spcPct val="20000"/>
+              </a:spcBef>
+              <a:buClr>
+                <a:schemeClr val="tx2"/>
+              </a:buClr>
+              <a:buFont typeface="Wingdings 2"/>
+              <a:buNone/>
+              <a:defRPr sz="1400" kern="1200">
+                <a:solidFill>
+                  <a:schemeClr val="tx1"/>
+                </a:solidFill>
+                <a:latin typeface="+mn-lt"/>
+                <a:ea typeface="+mn-ea"/>
+                <a:cs typeface="+mn-cs"/>
+              </a:defRPr>
+            </a:lvl8pPr>
+            <a:lvl9pPr marL="3657600" indent="0" algn="ctr" rtl="0" eaLnBrk="1" latinLnBrk="0" hangingPunct="1">
+              <a:spcBef>
+                <a:spcPct val="20000"/>
+              </a:spcBef>
+              <a:buClr>
+                <a:schemeClr val="tx2"/>
+              </a:buClr>
+              <a:buFont typeface="Wingdings 2"/>
+              <a:buNone/>
+              <a:defRPr sz="1400" kern="1200">
+                <a:solidFill>
+                  <a:schemeClr val="tx1"/>
+                </a:solidFill>
+                <a:latin typeface="+mn-lt"/>
+                <a:ea typeface="+mn-ea"/>
+                <a:cs typeface="+mn-cs"/>
+              </a:defRPr>
+            </a:lvl9pPr>
+          </a:lstStyle>
+          <a:p>
+            <a:r>
+              <a:rPr lang="en-US" i="1" dirty="0" smtClean="0"/>
+              <a:t>“Beta” </a:t>
+            </a:r>
+            <a:r>
+              <a:rPr lang="en-US" i="1" dirty="0"/>
+              <a:t>is Latin for "still doesn't work."  </a:t>
+            </a:r>
+            <a:endParaRPr lang="en-US" i="1" noProof="1"/>
           </a:p>
         </p:txBody>
       </p:sp>
     </p:spTree>
     <p:extLst>
       <p:ext uri="{BB962C8B-B14F-4D97-AF65-F5344CB8AC3E}">
-        <p14:creationId xmlns:p14="http://schemas.microsoft.com/office/powerpoint/2010/main" val="1554992113"/>
+        <p14:creationId xmlns:p14="http://schemas.microsoft.com/office/powerpoint/2010/main" val="3622960871"/>
       </p:ext>
     </p:extLst>
   </p:cSld>
   <p:clrMapOvr>
     <a:masterClrMapping/>
   </p:clrMapOvr>
-  <mc:AlternateContent xmlns:mc="http://schemas.openxmlformats.org/markup-compatibility/2006" xmlns:p14="http://schemas.microsoft.com/office/powerpoint/2010/main">
-    <mc:Choice Requires="p14">
-      <p:transition spd="slow" p14:dur="2000"/>
-    </mc:Choice>
-    <mc:Fallback xmlns="">
-      <p:transition xmlns:p14="http://schemas.microsoft.com/office/powerpoint/2010/main" spd="slow"/>
-    </mc:Fallback>
-  </mc:AlternateContent>
+  <p:timing>
+    <p:tnLst>
+      <p:par>
+        <p:cTn xmlns:p14="http://schemas.microsoft.com/office/powerpoint/2010/main" id="1" dur="indefinite" restart="never" nodeType="tmRoot"/>
+      </p:par>
+    </p:tnLst>
+  </p:timing>
 </p:sld>
 </file>
 
@@ -17960,12 +19306,12 @@
           <a:lstStyle/>
           <a:p>
             <a:r>
-              <a:rPr lang="en-US" sz="3600" dirty="0" err="1" smtClean="0">
+              <a:rPr lang="en-US" sz="3600" dirty="0" smtClean="0">
                 <a:solidFill>
                   <a:schemeClr val="tx1"/>
                 </a:solidFill>
               </a:rPr>
-              <a:t>Higlights</a:t>
+              <a:t>Highlights</a:t>
             </a:r>
             <a:endParaRPr lang="bg-BG" sz="3600" dirty="0"/>
           </a:p>
@@ -17973,30 +19319,302 @@
       </p:sp>
       <p:sp>
         <p:nvSpPr>
-          <p:cNvPr id="582659" name="Rectangle 3"/>
-          <p:cNvSpPr>
-            <a:spLocks noGrp="1" noChangeArrowheads="1"/>
-          </p:cNvSpPr>
-          <p:nvPr>
-            <p:ph type="body" idx="1"/>
-          </p:nvPr>
+          <p:cNvPr id="6" name="Rectangle 3"/>
+          <p:cNvSpPr txBox="1">
+            <a:spLocks noChangeArrowheads="1"/>
+          </p:cNvSpPr>
+          <p:nvPr/>
         </p:nvSpPr>
         <p:spPr>
           <a:xfrm>
-            <a:off x="152400" y="1066800"/>
+            <a:off x="228600" y="1066800"/>
             <a:ext cx="8686800" cy="5638800"/>
           </a:xfrm>
+          <a:prstGeom prst="rect">
+            <a:avLst/>
+          </a:prstGeom>
         </p:spPr>
         <p:txBody>
           <a:bodyPr/>
-          <a:lstStyle/>
-          <a:p>
-            <a:pPr>
+          <a:lstStyle>
+            <a:lvl1pPr marL="282575" indent="-282575" algn="l" rtl="0" eaLnBrk="0" fontAlgn="base" hangingPunct="0">
               <a:lnSpc>
-                <a:spcPct val="100000"/>
+                <a:spcPts val="3800"/>
               </a:lnSpc>
-            </a:pPr>
-            <a:endParaRPr lang="en-US" sz="2200" dirty="0">
+              <a:spcBef>
+                <a:spcPts val="600"/>
+              </a:spcBef>
+              <a:spcAft>
+                <a:spcPts val="600"/>
+              </a:spcAft>
+              <a:buClr>
+                <a:schemeClr val="accent5">
+                  <a:lumMod val="40000"/>
+                  <a:lumOff val="60000"/>
+                </a:schemeClr>
+              </a:buClr>
+              <a:buSzPct val="70000"/>
+              <a:buFont typeface="Wingdings 2" pitchFamily="18" charset="2"/>
+              <a:buChar char=""/>
+              <a:tabLst>
+                <a:tab pos="282575" algn="l"/>
+              </a:tabLst>
+              <a:defRPr sz="3200" b="1" kern="1200">
+                <a:solidFill>
+                  <a:srgbClr xmlns:mc="http://schemas.openxmlformats.org/markup-compatibility/2006" xmlns:a14="http://schemas.microsoft.com/office/drawing/2010/main" val="EBFFD2" mc:Ignorable=""/>
+                </a:solidFill>
+                <a:effectLst>
+                  <a:outerShdw blurRad="38100" dist="38100" dir="2700000" algn="tl">
+                    <a:srgbClr xmlns:mc="http://schemas.openxmlformats.org/markup-compatibility/2006" xmlns:a14="http://schemas.microsoft.com/office/drawing/2010/main" val="000000" mc:Ignorable="">
+                      <a:alpha val="43137"/>
+                    </a:srgbClr>
+                  </a:outerShdw>
+                </a:effectLst>
+                <a:latin typeface="+mn-lt"/>
+                <a:ea typeface="+mn-ea"/>
+                <a:cs typeface="+mn-cs"/>
+              </a:defRPr>
+            </a:lvl1pPr>
+            <a:lvl2pPr marL="630238" indent="-273050" algn="l" rtl="0" eaLnBrk="0" fontAlgn="base" hangingPunct="0">
+              <a:lnSpc>
+                <a:spcPts val="3800"/>
+              </a:lnSpc>
+              <a:spcBef>
+                <a:spcPts val="600"/>
+              </a:spcBef>
+              <a:spcAft>
+                <a:spcPts val="600"/>
+              </a:spcAft>
+              <a:buClr>
+                <a:srgbClr xmlns:mc="http://schemas.openxmlformats.org/markup-compatibility/2006" xmlns:a14="http://schemas.microsoft.com/office/drawing/2010/main" val="8FD600" mc:Ignorable=""/>
+              </a:buClr>
+              <a:buFont typeface="Wingdings 2" pitchFamily="18" charset="2"/>
+              <a:buChar char=""/>
+              <a:defRPr sz="3000" b="1" kern="1200">
+                <a:solidFill>
+                  <a:schemeClr val="tx1">
+                    <a:lumMod val="40000"/>
+                    <a:lumOff val="60000"/>
+                  </a:schemeClr>
+                </a:solidFill>
+                <a:effectLst>
+                  <a:outerShdw blurRad="38100" dist="38100" dir="2700000" algn="tl">
+                    <a:srgbClr xmlns:mc="http://schemas.openxmlformats.org/markup-compatibility/2006" xmlns:a14="http://schemas.microsoft.com/office/drawing/2010/main" val="000000" mc:Ignorable="">
+                      <a:alpha val="43137"/>
+                    </a:srgbClr>
+                  </a:outerShdw>
+                </a:effectLst>
+                <a:latin typeface="+mn-lt"/>
+                <a:ea typeface="+mn-ea"/>
+                <a:cs typeface="+mn-cs"/>
+              </a:defRPr>
+            </a:lvl2pPr>
+            <a:lvl3pPr marL="922338" indent="-273050" algn="l" rtl="0" eaLnBrk="0" fontAlgn="base" hangingPunct="0">
+              <a:lnSpc>
+                <a:spcPts val="3800"/>
+              </a:lnSpc>
+              <a:spcBef>
+                <a:spcPts val="600"/>
+              </a:spcBef>
+              <a:spcAft>
+                <a:spcPts val="600"/>
+              </a:spcAft>
+              <a:buClr>
+                <a:srgbClr xmlns:mc="http://schemas.openxmlformats.org/markup-compatibility/2006" xmlns:a14="http://schemas.microsoft.com/office/drawing/2010/main" val="FFAD9F" mc:Ignorable=""/>
+              </a:buClr>
+              <a:buFont typeface="Wingdings 2" pitchFamily="18" charset="2"/>
+              <a:buChar char=""/>
+              <a:defRPr sz="2800" b="1" kern="1200">
+                <a:solidFill>
+                  <a:srgbClr xmlns:mc="http://schemas.openxmlformats.org/markup-compatibility/2006" xmlns:a14="http://schemas.microsoft.com/office/drawing/2010/main" val="F5FFC2" mc:Ignorable=""/>
+                </a:solidFill>
+                <a:effectLst>
+                  <a:outerShdw blurRad="38100" dist="38100" dir="2700000" algn="tl">
+                    <a:srgbClr xmlns:mc="http://schemas.openxmlformats.org/markup-compatibility/2006" xmlns:a14="http://schemas.microsoft.com/office/drawing/2010/main" val="000000" mc:Ignorable="">
+                      <a:alpha val="43137"/>
+                    </a:srgbClr>
+                  </a:outerShdw>
+                </a:effectLst>
+                <a:latin typeface="+mn-lt"/>
+                <a:ea typeface="+mn-ea"/>
+                <a:cs typeface="+mn-cs"/>
+              </a:defRPr>
+            </a:lvl3pPr>
+            <a:lvl4pPr marL="1187450" indent="-228600" algn="l" rtl="0" eaLnBrk="0" fontAlgn="base" hangingPunct="0">
+              <a:lnSpc>
+                <a:spcPts val="3800"/>
+              </a:lnSpc>
+              <a:spcBef>
+                <a:spcPts val="600"/>
+              </a:spcBef>
+              <a:spcAft>
+                <a:spcPts val="600"/>
+              </a:spcAft>
+              <a:buClr>
+                <a:srgbClr xmlns:mc="http://schemas.openxmlformats.org/markup-compatibility/2006" xmlns:a14="http://schemas.microsoft.com/office/drawing/2010/main" val="FACF82" mc:Ignorable=""/>
+              </a:buClr>
+              <a:buFont typeface="Wingdings 2" pitchFamily="18" charset="2"/>
+              <a:buChar char=""/>
+              <a:defRPr sz="2600" b="1" kern="1200">
+                <a:solidFill>
+                  <a:schemeClr val="tx1">
+                    <a:lumMod val="40000"/>
+                    <a:lumOff val="60000"/>
+                  </a:schemeClr>
+                </a:solidFill>
+                <a:effectLst>
+                  <a:outerShdw blurRad="38100" dist="38100" dir="2700000" algn="tl">
+                    <a:srgbClr xmlns:mc="http://schemas.openxmlformats.org/markup-compatibility/2006" xmlns:a14="http://schemas.microsoft.com/office/drawing/2010/main" val="000000" mc:Ignorable="">
+                      <a:alpha val="43137"/>
+                    </a:srgbClr>
+                  </a:outerShdw>
+                </a:effectLst>
+                <a:latin typeface="+mn-lt"/>
+                <a:ea typeface="+mn-ea"/>
+                <a:cs typeface="+mn-cs"/>
+              </a:defRPr>
+            </a:lvl4pPr>
+            <a:lvl5pPr marL="1425575" indent="-228600" algn="l" rtl="0" eaLnBrk="0" fontAlgn="base" hangingPunct="0">
+              <a:lnSpc>
+                <a:spcPts val="3800"/>
+              </a:lnSpc>
+              <a:spcBef>
+                <a:spcPts val="600"/>
+              </a:spcBef>
+              <a:spcAft>
+                <a:spcPts val="600"/>
+              </a:spcAft>
+              <a:buClr>
+                <a:srgbClr xmlns:mc="http://schemas.openxmlformats.org/markup-compatibility/2006" xmlns:a14="http://schemas.microsoft.com/office/drawing/2010/main" val="46A6BD" mc:Ignorable=""/>
+              </a:buClr>
+              <a:buFont typeface="Wingdings 2" pitchFamily="18" charset="2"/>
+              <a:buChar char=""/>
+              <a:defRPr sz="2400" b="1" kern="1200">
+                <a:solidFill>
+                  <a:schemeClr val="tx1">
+                    <a:lumMod val="40000"/>
+                    <a:lumOff val="60000"/>
+                  </a:schemeClr>
+                </a:solidFill>
+                <a:effectLst>
+                  <a:outerShdw blurRad="38100" dist="38100" dir="2700000" algn="tl">
+                    <a:srgbClr xmlns:mc="http://schemas.openxmlformats.org/markup-compatibility/2006" xmlns:a14="http://schemas.microsoft.com/office/drawing/2010/main" val="000000" mc:Ignorable="">
+                      <a:alpha val="43137"/>
+                    </a:srgbClr>
+                  </a:outerShdw>
+                </a:effectLst>
+                <a:latin typeface="+mn-lt"/>
+                <a:ea typeface="+mn-ea"/>
+                <a:cs typeface="+mn-cs"/>
+              </a:defRPr>
+            </a:lvl5pPr>
+            <a:lvl6pPr marL="1673352" indent="-228600" algn="l" rtl="0" eaLnBrk="1" latinLnBrk="0" hangingPunct="1">
+              <a:spcBef>
+                <a:spcPct val="20000"/>
+              </a:spcBef>
+              <a:buClr>
+                <a:schemeClr val="accent6"/>
+              </a:buClr>
+              <a:buFont typeface="Wingdings 2"/>
+              <a:buChar char=""/>
+              <a:defRPr sz="1800" kern="1200">
+                <a:solidFill>
+                  <a:schemeClr val="tx1"/>
+                </a:solidFill>
+                <a:latin typeface="+mn-lt"/>
+                <a:ea typeface="+mn-ea"/>
+                <a:cs typeface="+mn-cs"/>
+              </a:defRPr>
+            </a:lvl6pPr>
+            <a:lvl7pPr marL="1911096" indent="-228600" algn="l" rtl="0" eaLnBrk="1" latinLnBrk="0" hangingPunct="1">
+              <a:spcBef>
+                <a:spcPct val="20000"/>
+              </a:spcBef>
+              <a:buClr>
+                <a:schemeClr val="tx2"/>
+              </a:buClr>
+              <a:buFont typeface="Wingdings 2"/>
+              <a:buChar char=""/>
+              <a:defRPr sz="1600" kern="1200">
+                <a:solidFill>
+                  <a:schemeClr val="tx1"/>
+                </a:solidFill>
+                <a:latin typeface="+mn-lt"/>
+                <a:ea typeface="+mn-ea"/>
+                <a:cs typeface="+mn-cs"/>
+              </a:defRPr>
+            </a:lvl7pPr>
+            <a:lvl8pPr marL="2121408" indent="-182880" algn="l" rtl="0" eaLnBrk="1" latinLnBrk="0" hangingPunct="1">
+              <a:spcBef>
+                <a:spcPct val="20000"/>
+              </a:spcBef>
+              <a:buClr>
+                <a:schemeClr val="tx2"/>
+              </a:buClr>
+              <a:buFont typeface="Wingdings 2"/>
+              <a:buChar char=""/>
+              <a:defRPr sz="1400" kern="1200">
+                <a:solidFill>
+                  <a:schemeClr val="tx1"/>
+                </a:solidFill>
+                <a:latin typeface="+mn-lt"/>
+                <a:ea typeface="+mn-ea"/>
+                <a:cs typeface="+mn-cs"/>
+              </a:defRPr>
+            </a:lvl8pPr>
+            <a:lvl9pPr marL="2322576" indent="-182880" algn="l" rtl="0" eaLnBrk="1" latinLnBrk="0" hangingPunct="1">
+              <a:spcBef>
+                <a:spcPct val="20000"/>
+              </a:spcBef>
+              <a:buClr>
+                <a:schemeClr val="tx2"/>
+              </a:buClr>
+              <a:buFont typeface="Wingdings 2"/>
+              <a:buChar char=""/>
+              <a:defRPr sz="1400" kern="1200">
+                <a:solidFill>
+                  <a:schemeClr val="tx1"/>
+                </a:solidFill>
+                <a:latin typeface="+mn-lt"/>
+                <a:ea typeface="+mn-ea"/>
+                <a:cs typeface="+mn-cs"/>
+              </a:defRPr>
+            </a:lvl9pPr>
+          </a:lstStyle>
+          <a:p>
+            <a:r>
+              <a:rPr lang="en-US" sz="2600" dirty="0" smtClean="0">
+                <a:latin typeface="Courier New" pitchFamily="49" charset="0"/>
+              </a:rPr>
+              <a:t>Binding is an inevitable part of ASP.NET</a:t>
+            </a:r>
+          </a:p>
+          <a:p>
+            <a:r>
+              <a:rPr lang="en-US" sz="2600" dirty="0" smtClean="0">
+                <a:latin typeface="Courier New" pitchFamily="49" charset="0"/>
+              </a:rPr>
+              <a:t>There different types of data-bound controls. Look for the one that fits you best.</a:t>
+            </a:r>
+          </a:p>
+          <a:p>
+            <a:r>
+              <a:rPr lang="en-US" sz="2600" dirty="0" smtClean="0">
+                <a:latin typeface="Courier New" pitchFamily="49" charset="0"/>
+              </a:rPr>
+              <a:t>Templates are the key to customization in data-bound controls</a:t>
+            </a:r>
+          </a:p>
+          <a:p>
+            <a:r>
+              <a:rPr lang="en-US" sz="2600" dirty="0" smtClean="0">
+                <a:latin typeface="Courier New" pitchFamily="49" charset="0"/>
+              </a:rPr>
+              <a:t>Data source controls can be a useful abstraction</a:t>
+            </a:r>
+          </a:p>
+          <a:p>
+            <a:endParaRPr lang="en-US" sz="2600" dirty="0" smtClean="0">
               <a:latin typeface="Courier New" pitchFamily="49" charset="0"/>
             </a:endParaRPr>
           </a:p>
@@ -18079,6 +19697,307 @@
           </a:p>
         </p:txBody>
       </p:sp>
+      <p:sp>
+        <p:nvSpPr>
+          <p:cNvPr id="4" name="Content Placeholder 2"/>
+          <p:cNvSpPr txBox="1">
+            <a:spLocks/>
+          </p:cNvSpPr>
+          <p:nvPr/>
+        </p:nvSpPr>
+        <p:spPr>
+          <a:xfrm rot="20970789">
+            <a:off x="445544" y="4591633"/>
+            <a:ext cx="8686800" cy="1066800"/>
+          </a:xfrm>
+          <a:prstGeom prst="rect">
+            <a:avLst/>
+          </a:prstGeom>
+        </p:spPr>
+        <p:txBody>
+          <a:bodyPr lIns="0" tIns="0" rIns="0" bIns="0" anchor="ctr" anchorCtr="0"/>
+          <a:lstStyle>
+            <a:lvl1pPr marL="0" indent="0" algn="ctr" rtl="0" eaLnBrk="0" fontAlgn="base" hangingPunct="0">
+              <a:spcBef>
+                <a:spcPct val="20000"/>
+              </a:spcBef>
+              <a:spcAft>
+                <a:spcPct val="0"/>
+              </a:spcAft>
+              <a:buClr>
+                <a:schemeClr val="accent5">
+                  <a:lumMod val="40000"/>
+                  <a:lumOff val="60000"/>
+                </a:schemeClr>
+              </a:buClr>
+              <a:buSzPct val="70000"/>
+              <a:buFont typeface="Wingdings 2" pitchFamily="18" charset="2"/>
+              <a:buNone/>
+              <a:defRPr lang="en-US" sz="2800" b="1" kern="1200" baseline="0" dirty="0">
+                <a:solidFill>
+                  <a:srgbClr xmlns:mc="http://schemas.openxmlformats.org/markup-compatibility/2006" xmlns:a14="http://schemas.microsoft.com/office/drawing/2010/main" val="FAF7C8" mc:Ignorable=""/>
+                </a:solidFill>
+                <a:effectLst>
+                  <a:outerShdw blurRad="38100" dist="38100" dir="2700000" algn="tl">
+                    <a:srgbClr xmlns:mc="http://schemas.openxmlformats.org/markup-compatibility/2006" xmlns:a14="http://schemas.microsoft.com/office/drawing/2010/main" val="000000" mc:Ignorable="">
+                      <a:alpha val="43137"/>
+                    </a:srgbClr>
+                  </a:outerShdw>
+                </a:effectLst>
+                <a:latin typeface="+mn-lt"/>
+                <a:ea typeface="+mn-ea"/>
+                <a:cs typeface="+mn-cs"/>
+              </a:defRPr>
+            </a:lvl1pPr>
+            <a:lvl2pPr marL="457200" indent="0" algn="ctr" rtl="0" eaLnBrk="0" fontAlgn="base" hangingPunct="0">
+              <a:spcBef>
+                <a:spcPct val="20000"/>
+              </a:spcBef>
+              <a:spcAft>
+                <a:spcPct val="0"/>
+              </a:spcAft>
+              <a:buClr>
+                <a:schemeClr val="accent2">
+                  <a:lumMod val="60000"/>
+                  <a:lumOff val="40000"/>
+                </a:schemeClr>
+              </a:buClr>
+              <a:buFont typeface="Wingdings 2" pitchFamily="18" charset="2"/>
+              <a:buNone/>
+              <a:defRPr sz="3000" b="1" kern="1200">
+                <a:solidFill>
+                  <a:schemeClr val="tx1">
+                    <a:lumMod val="20000"/>
+                    <a:lumOff val="80000"/>
+                  </a:schemeClr>
+                </a:solidFill>
+                <a:effectLst>
+                  <a:outerShdw blurRad="38100" dist="38100" dir="2700000" algn="tl">
+                    <a:srgbClr xmlns:mc="http://schemas.openxmlformats.org/markup-compatibility/2006" xmlns:a14="http://schemas.microsoft.com/office/drawing/2010/main" val="000000" mc:Ignorable="">
+                      <a:alpha val="43137"/>
+                    </a:srgbClr>
+                  </a:outerShdw>
+                </a:effectLst>
+                <a:latin typeface="+mn-lt"/>
+                <a:ea typeface="+mn-ea"/>
+                <a:cs typeface="+mn-cs"/>
+              </a:defRPr>
+            </a:lvl2pPr>
+            <a:lvl3pPr marL="914400" indent="0" algn="ctr" rtl="0" eaLnBrk="0" fontAlgn="base" hangingPunct="0">
+              <a:spcBef>
+                <a:spcPct val="20000"/>
+              </a:spcBef>
+              <a:spcAft>
+                <a:spcPct val="0"/>
+              </a:spcAft>
+              <a:buClr>
+                <a:schemeClr val="tx1">
+                  <a:lumMod val="50000"/>
+                </a:schemeClr>
+              </a:buClr>
+              <a:buFont typeface="Wingdings 2" pitchFamily="18" charset="2"/>
+              <a:buNone/>
+              <a:defRPr sz="2800" b="1" kern="1200">
+                <a:solidFill>
+                  <a:schemeClr val="tx1">
+                    <a:lumMod val="20000"/>
+                    <a:lumOff val="80000"/>
+                  </a:schemeClr>
+                </a:solidFill>
+                <a:effectLst>
+                  <a:outerShdw blurRad="38100" dist="38100" dir="2700000" algn="tl">
+                    <a:srgbClr xmlns:mc="http://schemas.openxmlformats.org/markup-compatibility/2006" xmlns:a14="http://schemas.microsoft.com/office/drawing/2010/main" val="000000" mc:Ignorable="">
+                      <a:alpha val="43137"/>
+                    </a:srgbClr>
+                  </a:outerShdw>
+                </a:effectLst>
+                <a:latin typeface="+mn-lt"/>
+                <a:ea typeface="+mn-ea"/>
+                <a:cs typeface="+mn-cs"/>
+              </a:defRPr>
+            </a:lvl3pPr>
+            <a:lvl4pPr marL="1371600" indent="0" algn="ctr" rtl="0" eaLnBrk="0" fontAlgn="base" hangingPunct="0">
+              <a:spcBef>
+                <a:spcPct val="20000"/>
+              </a:spcBef>
+              <a:spcAft>
+                <a:spcPct val="0"/>
+              </a:spcAft>
+              <a:buClr>
+                <a:srgbClr xmlns:mc="http://schemas.openxmlformats.org/markup-compatibility/2006" xmlns:a14="http://schemas.microsoft.com/office/drawing/2010/main" val="F8BD52" mc:Ignorable=""/>
+              </a:buClr>
+              <a:buFont typeface="Wingdings 2" pitchFamily="18" charset="2"/>
+              <a:buNone/>
+              <a:defRPr sz="2600" b="1" kern="1200">
+                <a:solidFill>
+                  <a:schemeClr val="tx1">
+                    <a:lumMod val="20000"/>
+                    <a:lumOff val="80000"/>
+                  </a:schemeClr>
+                </a:solidFill>
+                <a:effectLst>
+                  <a:outerShdw blurRad="38100" dist="38100" dir="2700000" algn="tl">
+                    <a:srgbClr xmlns:mc="http://schemas.openxmlformats.org/markup-compatibility/2006" xmlns:a14="http://schemas.microsoft.com/office/drawing/2010/main" val="000000" mc:Ignorable="">
+                      <a:alpha val="43137"/>
+                    </a:srgbClr>
+                  </a:outerShdw>
+                </a:effectLst>
+                <a:latin typeface="+mn-lt"/>
+                <a:ea typeface="+mn-ea"/>
+                <a:cs typeface="+mn-cs"/>
+              </a:defRPr>
+            </a:lvl4pPr>
+            <a:lvl5pPr marL="1828800" indent="0" algn="ctr" rtl="0" eaLnBrk="0" fontAlgn="base" hangingPunct="0">
+              <a:spcBef>
+                <a:spcPct val="20000"/>
+              </a:spcBef>
+              <a:spcAft>
+                <a:spcPct val="0"/>
+              </a:spcAft>
+              <a:buClr>
+                <a:srgbClr xmlns:mc="http://schemas.openxmlformats.org/markup-compatibility/2006" xmlns:a14="http://schemas.microsoft.com/office/drawing/2010/main" val="46A6BD" mc:Ignorable=""/>
+              </a:buClr>
+              <a:buFont typeface="Wingdings 2" pitchFamily="18" charset="2"/>
+              <a:buNone/>
+              <a:defRPr sz="2400" b="1" kern="1200">
+                <a:solidFill>
+                  <a:schemeClr val="tx1">
+                    <a:lumMod val="20000"/>
+                    <a:lumOff val="80000"/>
+                  </a:schemeClr>
+                </a:solidFill>
+                <a:effectLst>
+                  <a:outerShdw blurRad="38100" dist="38100" dir="2700000" algn="tl">
+                    <a:srgbClr xmlns:mc="http://schemas.openxmlformats.org/markup-compatibility/2006" xmlns:a14="http://schemas.microsoft.com/office/drawing/2010/main" val="000000" mc:Ignorable="">
+                      <a:alpha val="43137"/>
+                    </a:srgbClr>
+                  </a:outerShdw>
+                </a:effectLst>
+                <a:latin typeface="+mn-lt"/>
+                <a:ea typeface="+mn-ea"/>
+                <a:cs typeface="+mn-cs"/>
+              </a:defRPr>
+            </a:lvl5pPr>
+            <a:lvl6pPr marL="2286000" indent="0" algn="ctr" rtl="0" eaLnBrk="1" latinLnBrk="0" hangingPunct="1">
+              <a:spcBef>
+                <a:spcPct val="20000"/>
+              </a:spcBef>
+              <a:buClr>
+                <a:schemeClr val="accent6"/>
+              </a:buClr>
+              <a:buFont typeface="Wingdings 2"/>
+              <a:buNone/>
+              <a:defRPr sz="1800" kern="1200">
+                <a:solidFill>
+                  <a:schemeClr val="tx1"/>
+                </a:solidFill>
+                <a:latin typeface="+mn-lt"/>
+                <a:ea typeface="+mn-ea"/>
+                <a:cs typeface="+mn-cs"/>
+              </a:defRPr>
+            </a:lvl6pPr>
+            <a:lvl7pPr marL="2743200" indent="0" algn="ctr" rtl="0" eaLnBrk="1" latinLnBrk="0" hangingPunct="1">
+              <a:spcBef>
+                <a:spcPct val="20000"/>
+              </a:spcBef>
+              <a:buClr>
+                <a:schemeClr val="tx2"/>
+              </a:buClr>
+              <a:buFont typeface="Wingdings 2"/>
+              <a:buNone/>
+              <a:defRPr sz="1600" kern="1200">
+                <a:solidFill>
+                  <a:schemeClr val="tx1"/>
+                </a:solidFill>
+                <a:latin typeface="+mn-lt"/>
+                <a:ea typeface="+mn-ea"/>
+                <a:cs typeface="+mn-cs"/>
+              </a:defRPr>
+            </a:lvl7pPr>
+            <a:lvl8pPr marL="3200400" indent="0" algn="ctr" rtl="0" eaLnBrk="1" latinLnBrk="0" hangingPunct="1">
+              <a:spcBef>
+                <a:spcPct val="20000"/>
+              </a:spcBef>
+              <a:buClr>
+                <a:schemeClr val="tx2"/>
+              </a:buClr>
+              <a:buFont typeface="Wingdings 2"/>
+              <a:buNone/>
+              <a:defRPr sz="1400" kern="1200">
+                <a:solidFill>
+                  <a:schemeClr val="tx1"/>
+                </a:solidFill>
+                <a:latin typeface="+mn-lt"/>
+                <a:ea typeface="+mn-ea"/>
+                <a:cs typeface="+mn-cs"/>
+              </a:defRPr>
+            </a:lvl8pPr>
+            <a:lvl9pPr marL="3657600" indent="0" algn="ctr" rtl="0" eaLnBrk="1" latinLnBrk="0" hangingPunct="1">
+              <a:spcBef>
+                <a:spcPct val="20000"/>
+              </a:spcBef>
+              <a:buClr>
+                <a:schemeClr val="tx2"/>
+              </a:buClr>
+              <a:buFont typeface="Wingdings 2"/>
+              <a:buNone/>
+              <a:defRPr sz="1400" kern="1200">
+                <a:solidFill>
+                  <a:schemeClr val="tx1"/>
+                </a:solidFill>
+                <a:latin typeface="+mn-lt"/>
+                <a:ea typeface="+mn-ea"/>
+                <a:cs typeface="+mn-cs"/>
+              </a:defRPr>
+            </a:lvl9pPr>
+          </a:lstStyle>
+          <a:p>
+            <a:r>
+              <a:rPr lang="en-US" i="1" dirty="0" smtClean="0"/>
+              <a:t>“Wear </a:t>
+            </a:r>
+            <a:r>
+              <a:rPr lang="en-US" i="1" dirty="0"/>
+              <a:t>a smile - one size fits </a:t>
+            </a:r>
+            <a:r>
+              <a:rPr lang="en-US" i="1" dirty="0" smtClean="0"/>
+              <a:t>all”</a:t>
+            </a:r>
+            <a:endParaRPr lang="bg-BG" i="1" dirty="0"/>
+          </a:p>
+        </p:txBody>
+      </p:sp>
+      <p:pic>
+        <p:nvPicPr>
+          <p:cNvPr id="3" name="Picture 2"/>
+          <p:cNvPicPr>
+            <a:picLocks noChangeAspect="1"/>
+          </p:cNvPicPr>
+          <p:nvPr/>
+        </p:nvPicPr>
+        <p:blipFill>
+          <a:blip r:embed="rId2">
+            <a:extLst>
+              <a:ext uri="{28A0092B-C50C-407E-A947-70E740481C1C}">
+                <a14:useLocalDpi xmlns:a14="http://schemas.microsoft.com/office/drawing/2010/main" val="0"/>
+              </a:ext>
+            </a:extLst>
+          </a:blip>
+          <a:stretch>
+            <a:fillRect/>
+          </a:stretch>
+        </p:blipFill>
+        <p:spPr>
+          <a:xfrm rot="20394367">
+            <a:off x="2430347" y="596204"/>
+            <a:ext cx="2067338" cy="2093758"/>
+          </a:xfrm>
+          <a:prstGeom prst="rect">
+            <a:avLst/>
+          </a:prstGeom>
+        </p:spPr>
+      </p:pic>
     </p:spTree>
   </p:cSld>
   <p:clrMapOvr>
@@ -18184,22 +20103,10 @@
               <a:t> – </a:t>
             </a:r>
             <a:r>
-              <a:rPr lang="en-US" sz="2000" dirty="0" err="1">
-                <a:latin typeface="Courier New" pitchFamily="49" charset="0"/>
-              </a:rPr>
-              <a:t>Iliyan</a:t>
-            </a:r>
-            <a:r>
               <a:rPr lang="en-US" sz="2000" dirty="0">
                 <a:latin typeface="Courier New" pitchFamily="49" charset="0"/>
               </a:rPr>
-              <a:t> </a:t>
-            </a:r>
-            <a:r>
-              <a:rPr lang="en-US" sz="2000">
-                <a:latin typeface="Courier New" pitchFamily="49" charset="0"/>
-              </a:rPr>
-              <a:t>Murdanliev</a:t>
+              <a:t>Iliyan Murdanliev</a:t>
             </a:r>
             <a:endParaRPr lang="en-US" sz="2000" dirty="0" smtClean="0">
               <a:latin typeface="Courier New" pitchFamily="49" charset="0"/>
@@ -18211,7 +20118,120 @@
                 <a:spcPct val="100000"/>
               </a:lnSpc>
             </a:pPr>
-            <a:endParaRPr lang="en-US" sz="2000" dirty="0" smtClean="0"/>
+            <a:r>
+              <a:rPr lang="en-US" sz="2000" i="1" dirty="0">
+                <a:hlinkClick r:id="rId2"/>
+              </a:rPr>
+              <a:t>http://</a:t>
+            </a:r>
+            <a:r>
+              <a:rPr lang="en-US" sz="2000" i="1" dirty="0" smtClean="0">
+                <a:hlinkClick r:id="rId2"/>
+              </a:rPr>
+              <a:t>msdn.microsoft.com/en-us/library/ms228214.aspx</a:t>
+            </a:r>
+            <a:r>
+              <a:rPr lang="en-US" sz="2000" i="1" dirty="0" smtClean="0"/>
+              <a:t>  - </a:t>
+            </a:r>
+            <a:r>
+              <a:rPr lang="en-US" sz="2000" dirty="0"/>
+              <a:t>ASP.NET Data-Bound Web Server Controls </a:t>
+            </a:r>
+            <a:r>
+              <a:rPr lang="en-US" sz="2000" dirty="0" smtClean="0"/>
+              <a:t>Overview</a:t>
+            </a:r>
+          </a:p>
+          <a:p>
+            <a:pPr>
+              <a:lnSpc>
+                <a:spcPct val="100000"/>
+              </a:lnSpc>
+            </a:pPr>
+            <a:r>
+              <a:rPr lang="en-US" sz="2000" i="1" dirty="0">
+                <a:hlinkClick r:id="rId3"/>
+              </a:rPr>
+              <a:t>http://</a:t>
+            </a:r>
+            <a:r>
+              <a:rPr lang="en-US" sz="2000" i="1" dirty="0" smtClean="0">
+                <a:hlinkClick r:id="rId3"/>
+              </a:rPr>
+              <a:t>msdn.microsoft.com/en-us/library/system.web.ui.webcontrols.datapager.aspx</a:t>
+            </a:r>
+            <a:r>
+              <a:rPr lang="en-US" sz="2000" i="1" dirty="0" smtClean="0"/>
+              <a:t> - </a:t>
+            </a:r>
+            <a:r>
+              <a:rPr lang="en-US" sz="2000" dirty="0"/>
+              <a:t>DataPager </a:t>
+            </a:r>
+            <a:r>
+              <a:rPr lang="en-US" sz="2000" dirty="0" smtClean="0"/>
+              <a:t>Class</a:t>
+            </a:r>
+          </a:p>
+          <a:p>
+            <a:pPr>
+              <a:lnSpc>
+                <a:spcPct val="100000"/>
+              </a:lnSpc>
+            </a:pPr>
+            <a:r>
+              <a:rPr lang="en-US" sz="2000" i="1" dirty="0">
+                <a:hlinkClick r:id="rId4"/>
+              </a:rPr>
+              <a:t>http://</a:t>
+            </a:r>
+            <a:r>
+              <a:rPr lang="en-US" sz="2000" i="1" dirty="0" smtClean="0">
+                <a:hlinkClick r:id="rId4"/>
+              </a:rPr>
+              <a:t>msdn.microsoft.com/en-us/library/ms178366.aspx</a:t>
+            </a:r>
+            <a:r>
+              <a:rPr lang="en-US" sz="2000" i="1" dirty="0" smtClean="0"/>
+              <a:t> - </a:t>
+            </a:r>
+            <a:r>
+              <a:rPr lang="en-US" sz="2000" dirty="0"/>
+              <a:t>Data-Binding Expressions </a:t>
+            </a:r>
+            <a:r>
+              <a:rPr lang="en-US" sz="2000" dirty="0" smtClean="0"/>
+              <a:t>Overview</a:t>
+            </a:r>
+          </a:p>
+          <a:p>
+            <a:pPr>
+              <a:lnSpc>
+                <a:spcPct val="100000"/>
+              </a:lnSpc>
+            </a:pPr>
+            <a:r>
+              <a:rPr lang="en-US" sz="2000" i="1" dirty="0">
+                <a:hlinkClick r:id="rId5"/>
+              </a:rPr>
+              <a:t>http://</a:t>
+            </a:r>
+            <a:r>
+              <a:rPr lang="en-US" sz="2000" i="1" dirty="0" smtClean="0">
+                <a:hlinkClick r:id="rId5"/>
+              </a:rPr>
+              <a:t>msdn.microsoft.com/en-us/library/bb387122.aspx</a:t>
+            </a:r>
+            <a:r>
+              <a:rPr lang="en-US" sz="2000" i="1" dirty="0" smtClean="0"/>
+              <a:t> - </a:t>
+            </a:r>
+            <a:r>
+              <a:rPr lang="en-US" sz="2000" dirty="0"/>
+              <a:t>Entity Data Model</a:t>
+            </a:r>
+            <a:endParaRPr lang="en-US" sz="2000" i="1" dirty="0" smtClean="0"/>
           </a:p>
           <a:p>
             <a:pPr>
